--- a/researchers_guide_to_code_organization_day_2.pptx
+++ b/researchers_guide_to_code_organization_day_2.pptx
@@ -4,13 +4,16 @@
   <p:sldMasterIdLst>
     <p:sldMasterId id="2147483648" r:id="rId1"/>
   </p:sldMasterIdLst>
+  <p:notesMasterIdLst>
+    <p:notesMasterId r:id="rId45"/>
+  </p:notesMasterIdLst>
   <p:sldIdLst>
     <p:sldId id="324" r:id="rId2"/>
     <p:sldId id="310" r:id="rId3"/>
     <p:sldId id="325" r:id="rId4"/>
     <p:sldId id="326" r:id="rId5"/>
     <p:sldId id="327" r:id="rId6"/>
-    <p:sldId id="328" r:id="rId7"/>
+    <p:sldId id="359" r:id="rId7"/>
     <p:sldId id="311" r:id="rId8"/>
     <p:sldId id="329" r:id="rId9"/>
     <p:sldId id="318" r:id="rId10"/>
@@ -154,6 +157,449 @@
 </p:presentation>
 </file>
 
+<file path=ppt/notesMasters/notesMaster1.xml><?xml version="1.0" encoding="utf-8"?>
+<p:notesMaster xmlns:a="http://schemas.openxmlformats.org/drawingml/2006/main" xmlns:r="http://schemas.openxmlformats.org/officeDocument/2006/relationships" xmlns:p="http://schemas.openxmlformats.org/presentationml/2006/main">
+  <p:cSld>
+    <p:bg>
+      <p:bgRef idx="1001">
+        <a:schemeClr val="bg1"/>
+      </p:bgRef>
+    </p:bg>
+    <p:spTree>
+      <p:nvGrpSpPr>
+        <p:cNvPr id="1" name=""/>
+        <p:cNvGrpSpPr/>
+        <p:nvPr/>
+      </p:nvGrpSpPr>
+      <p:grpSpPr>
+        <a:xfrm>
+          <a:off x="0" y="0"/>
+          <a:ext cx="0" cy="0"/>
+          <a:chOff x="0" y="0"/>
+          <a:chExt cx="0" cy="0"/>
+        </a:xfrm>
+      </p:grpSpPr>
+      <p:sp>
+        <p:nvSpPr>
+          <p:cNvPr id="2" name="Header Placeholder 1"/>
+          <p:cNvSpPr>
+            <a:spLocks noGrp="1"/>
+          </p:cNvSpPr>
+          <p:nvPr>
+            <p:ph type="hdr" sz="quarter"/>
+          </p:nvPr>
+        </p:nvSpPr>
+        <p:spPr>
+          <a:xfrm>
+            <a:off x="0" y="0"/>
+            <a:ext cx="2971800" cy="458788"/>
+          </a:xfrm>
+          <a:prstGeom prst="rect">
+            <a:avLst/>
+          </a:prstGeom>
+        </p:spPr>
+        <p:txBody>
+          <a:bodyPr vert="horz" lIns="91440" tIns="45720" rIns="91440" bIns="45720" rtlCol="0"/>
+          <a:lstStyle>
+            <a:lvl1pPr algn="l">
+              <a:defRPr sz="1200"/>
+            </a:lvl1pPr>
+          </a:lstStyle>
+          <a:p>
+            <a:endParaRPr lang="en-US"/>
+          </a:p>
+        </p:txBody>
+      </p:sp>
+      <p:sp>
+        <p:nvSpPr>
+          <p:cNvPr id="3" name="Date Placeholder 2"/>
+          <p:cNvSpPr>
+            <a:spLocks noGrp="1"/>
+          </p:cNvSpPr>
+          <p:nvPr>
+            <p:ph type="dt" idx="1"/>
+          </p:nvPr>
+        </p:nvSpPr>
+        <p:spPr>
+          <a:xfrm>
+            <a:off x="3884613" y="0"/>
+            <a:ext cx="2971800" cy="458788"/>
+          </a:xfrm>
+          <a:prstGeom prst="rect">
+            <a:avLst/>
+          </a:prstGeom>
+        </p:spPr>
+        <p:txBody>
+          <a:bodyPr vert="horz" lIns="91440" tIns="45720" rIns="91440" bIns="45720" rtlCol="0"/>
+          <a:lstStyle>
+            <a:lvl1pPr algn="r">
+              <a:defRPr sz="1200"/>
+            </a:lvl1pPr>
+          </a:lstStyle>
+          <a:p>
+            <a:fld id="{F1CB1BD0-5A07-3246-A660-143DDC17CB21}" type="datetimeFigureOut">
+              <a:rPr lang="en-US" smtClean="0"/>
+              <a:t>2/23/26</a:t>
+            </a:fld>
+            <a:endParaRPr lang="en-US"/>
+          </a:p>
+        </p:txBody>
+      </p:sp>
+      <p:sp>
+        <p:nvSpPr>
+          <p:cNvPr id="4" name="Slide Image Placeholder 3"/>
+          <p:cNvSpPr>
+            <a:spLocks noGrp="1" noRot="1" noChangeAspect="1"/>
+          </p:cNvSpPr>
+          <p:nvPr>
+            <p:ph type="sldImg" idx="2"/>
+          </p:nvPr>
+        </p:nvSpPr>
+        <p:spPr>
+          <a:xfrm>
+            <a:off x="685800" y="1143000"/>
+            <a:ext cx="5486400" cy="3086100"/>
+          </a:xfrm>
+          <a:prstGeom prst="rect">
+            <a:avLst/>
+          </a:prstGeom>
+          <a:noFill/>
+          <a:ln w="12700">
+            <a:solidFill>
+              <a:prstClr val="black"/>
+            </a:solidFill>
+          </a:ln>
+        </p:spPr>
+        <p:txBody>
+          <a:bodyPr vert="horz" lIns="91440" tIns="45720" rIns="91440" bIns="45720" rtlCol="0" anchor="ctr"/>
+          <a:lstStyle/>
+          <a:p>
+            <a:endParaRPr lang="en-US"/>
+          </a:p>
+        </p:txBody>
+      </p:sp>
+      <p:sp>
+        <p:nvSpPr>
+          <p:cNvPr id="5" name="Notes Placeholder 4"/>
+          <p:cNvSpPr>
+            <a:spLocks noGrp="1"/>
+          </p:cNvSpPr>
+          <p:nvPr>
+            <p:ph type="body" sz="quarter" idx="3"/>
+          </p:nvPr>
+        </p:nvSpPr>
+        <p:spPr>
+          <a:xfrm>
+            <a:off x="685800" y="4400550"/>
+            <a:ext cx="5486400" cy="3600450"/>
+          </a:xfrm>
+          <a:prstGeom prst="rect">
+            <a:avLst/>
+          </a:prstGeom>
+        </p:spPr>
+        <p:txBody>
+          <a:bodyPr vert="horz" lIns="91440" tIns="45720" rIns="91440" bIns="45720" rtlCol="0"/>
+          <a:lstStyle/>
+          <a:p>
+            <a:pPr lvl="0"/>
+            <a:r>
+              <a:rPr lang="en-US"/>
+              <a:t>Click to edit Master text styles</a:t>
+            </a:r>
+          </a:p>
+          <a:p>
+            <a:pPr lvl="1"/>
+            <a:r>
+              <a:rPr lang="en-US"/>
+              <a:t>Second level</a:t>
+            </a:r>
+          </a:p>
+          <a:p>
+            <a:pPr lvl="2"/>
+            <a:r>
+              <a:rPr lang="en-US"/>
+              <a:t>Third level</a:t>
+            </a:r>
+          </a:p>
+          <a:p>
+            <a:pPr lvl="3"/>
+            <a:r>
+              <a:rPr lang="en-US"/>
+              <a:t>Fourth level</a:t>
+            </a:r>
+          </a:p>
+          <a:p>
+            <a:pPr lvl="4"/>
+            <a:r>
+              <a:rPr lang="en-US"/>
+              <a:t>Fifth level</a:t>
+            </a:r>
+          </a:p>
+        </p:txBody>
+      </p:sp>
+      <p:sp>
+        <p:nvSpPr>
+          <p:cNvPr id="6" name="Footer Placeholder 5"/>
+          <p:cNvSpPr>
+            <a:spLocks noGrp="1"/>
+          </p:cNvSpPr>
+          <p:nvPr>
+            <p:ph type="ftr" sz="quarter" idx="4"/>
+          </p:nvPr>
+        </p:nvSpPr>
+        <p:spPr>
+          <a:xfrm>
+            <a:off x="0" y="8685213"/>
+            <a:ext cx="2971800" cy="458787"/>
+          </a:xfrm>
+          <a:prstGeom prst="rect">
+            <a:avLst/>
+          </a:prstGeom>
+        </p:spPr>
+        <p:txBody>
+          <a:bodyPr vert="horz" lIns="91440" tIns="45720" rIns="91440" bIns="45720" rtlCol="0" anchor="b"/>
+          <a:lstStyle>
+            <a:lvl1pPr algn="l">
+              <a:defRPr sz="1200"/>
+            </a:lvl1pPr>
+          </a:lstStyle>
+          <a:p>
+            <a:endParaRPr lang="en-US"/>
+          </a:p>
+        </p:txBody>
+      </p:sp>
+      <p:sp>
+        <p:nvSpPr>
+          <p:cNvPr id="7" name="Slide Number Placeholder 6"/>
+          <p:cNvSpPr>
+            <a:spLocks noGrp="1"/>
+          </p:cNvSpPr>
+          <p:nvPr>
+            <p:ph type="sldNum" sz="quarter" idx="5"/>
+          </p:nvPr>
+        </p:nvSpPr>
+        <p:spPr>
+          <a:xfrm>
+            <a:off x="3884613" y="8685213"/>
+            <a:ext cx="2971800" cy="458787"/>
+          </a:xfrm>
+          <a:prstGeom prst="rect">
+            <a:avLst/>
+          </a:prstGeom>
+        </p:spPr>
+        <p:txBody>
+          <a:bodyPr vert="horz" lIns="91440" tIns="45720" rIns="91440" bIns="45720" rtlCol="0" anchor="b"/>
+          <a:lstStyle>
+            <a:lvl1pPr algn="r">
+              <a:defRPr sz="1200"/>
+            </a:lvl1pPr>
+          </a:lstStyle>
+          <a:p>
+            <a:fld id="{8E861754-E8B4-8E4E-BC6F-7D6F12229B70}" type="slidenum">
+              <a:rPr lang="en-US" smtClean="0"/>
+              <a:t>‹#›</a:t>
+            </a:fld>
+            <a:endParaRPr lang="en-US"/>
+          </a:p>
+        </p:txBody>
+      </p:sp>
+    </p:spTree>
+    <p:extLst>
+      <p:ext uri="{BB962C8B-B14F-4D97-AF65-F5344CB8AC3E}">
+        <p14:creationId xmlns:p14="http://schemas.microsoft.com/office/powerpoint/2010/main" val="2550661482"/>
+      </p:ext>
+    </p:extLst>
+  </p:cSld>
+  <p:clrMap bg1="lt1" tx1="dk1" bg2="lt2" tx2="dk2" accent1="accent1" accent2="accent2" accent3="accent3" accent4="accent4" accent5="accent5" accent6="accent6" hlink="hlink" folHlink="folHlink"/>
+  <p:notesStyle>
+    <a:lvl1pPr marL="0" algn="l" defTabSz="914400" rtl="0" eaLnBrk="1" latinLnBrk="0" hangingPunct="1">
+      <a:defRPr sz="1200" kern="1200">
+        <a:solidFill>
+          <a:schemeClr val="tx1"/>
+        </a:solidFill>
+        <a:latin typeface="+mn-lt"/>
+        <a:ea typeface="+mn-ea"/>
+        <a:cs typeface="+mn-cs"/>
+      </a:defRPr>
+    </a:lvl1pPr>
+    <a:lvl2pPr marL="457200" algn="l" defTabSz="914400" rtl="0" eaLnBrk="1" latinLnBrk="0" hangingPunct="1">
+      <a:defRPr sz="1200" kern="1200">
+        <a:solidFill>
+          <a:schemeClr val="tx1"/>
+        </a:solidFill>
+        <a:latin typeface="+mn-lt"/>
+        <a:ea typeface="+mn-ea"/>
+        <a:cs typeface="+mn-cs"/>
+      </a:defRPr>
+    </a:lvl2pPr>
+    <a:lvl3pPr marL="914400" algn="l" defTabSz="914400" rtl="0" eaLnBrk="1" latinLnBrk="0" hangingPunct="1">
+      <a:defRPr sz="1200" kern="1200">
+        <a:solidFill>
+          <a:schemeClr val="tx1"/>
+        </a:solidFill>
+        <a:latin typeface="+mn-lt"/>
+        <a:ea typeface="+mn-ea"/>
+        <a:cs typeface="+mn-cs"/>
+      </a:defRPr>
+    </a:lvl3pPr>
+    <a:lvl4pPr marL="1371600" algn="l" defTabSz="914400" rtl="0" eaLnBrk="1" latinLnBrk="0" hangingPunct="1">
+      <a:defRPr sz="1200" kern="1200">
+        <a:solidFill>
+          <a:schemeClr val="tx1"/>
+        </a:solidFill>
+        <a:latin typeface="+mn-lt"/>
+        <a:ea typeface="+mn-ea"/>
+        <a:cs typeface="+mn-cs"/>
+      </a:defRPr>
+    </a:lvl4pPr>
+    <a:lvl5pPr marL="1828800" algn="l" defTabSz="914400" rtl="0" eaLnBrk="1" latinLnBrk="0" hangingPunct="1">
+      <a:defRPr sz="1200" kern="1200">
+        <a:solidFill>
+          <a:schemeClr val="tx1"/>
+        </a:solidFill>
+        <a:latin typeface="+mn-lt"/>
+        <a:ea typeface="+mn-ea"/>
+        <a:cs typeface="+mn-cs"/>
+      </a:defRPr>
+    </a:lvl5pPr>
+    <a:lvl6pPr marL="2286000" algn="l" defTabSz="914400" rtl="0" eaLnBrk="1" latinLnBrk="0" hangingPunct="1">
+      <a:defRPr sz="1200" kern="1200">
+        <a:solidFill>
+          <a:schemeClr val="tx1"/>
+        </a:solidFill>
+        <a:latin typeface="+mn-lt"/>
+        <a:ea typeface="+mn-ea"/>
+        <a:cs typeface="+mn-cs"/>
+      </a:defRPr>
+    </a:lvl6pPr>
+    <a:lvl7pPr marL="2743200" algn="l" defTabSz="914400" rtl="0" eaLnBrk="1" latinLnBrk="0" hangingPunct="1">
+      <a:defRPr sz="1200" kern="1200">
+        <a:solidFill>
+          <a:schemeClr val="tx1"/>
+        </a:solidFill>
+        <a:latin typeface="+mn-lt"/>
+        <a:ea typeface="+mn-ea"/>
+        <a:cs typeface="+mn-cs"/>
+      </a:defRPr>
+    </a:lvl7pPr>
+    <a:lvl8pPr marL="3200400" algn="l" defTabSz="914400" rtl="0" eaLnBrk="1" latinLnBrk="0" hangingPunct="1">
+      <a:defRPr sz="1200" kern="1200">
+        <a:solidFill>
+          <a:schemeClr val="tx1"/>
+        </a:solidFill>
+        <a:latin typeface="+mn-lt"/>
+        <a:ea typeface="+mn-ea"/>
+        <a:cs typeface="+mn-cs"/>
+      </a:defRPr>
+    </a:lvl8pPr>
+    <a:lvl9pPr marL="3657600" algn="l" defTabSz="914400" rtl="0" eaLnBrk="1" latinLnBrk="0" hangingPunct="1">
+      <a:defRPr sz="1200" kern="1200">
+        <a:solidFill>
+          <a:schemeClr val="tx1"/>
+        </a:solidFill>
+        <a:latin typeface="+mn-lt"/>
+        <a:ea typeface="+mn-ea"/>
+        <a:cs typeface="+mn-cs"/>
+      </a:defRPr>
+    </a:lvl9pPr>
+  </p:notesStyle>
+</p:notesMaster>
+</file>
+
+<file path=ppt/notesSlides/notesSlide1.xml><?xml version="1.0" encoding="utf-8"?>
+<p:notes xmlns:a="http://schemas.openxmlformats.org/drawingml/2006/main" xmlns:r="http://schemas.openxmlformats.org/officeDocument/2006/relationships" xmlns:p="http://schemas.openxmlformats.org/presentationml/2006/main">
+  <p:cSld>
+    <p:spTree>
+      <p:nvGrpSpPr>
+        <p:cNvPr id="1" name=""/>
+        <p:cNvGrpSpPr/>
+        <p:nvPr/>
+      </p:nvGrpSpPr>
+      <p:grpSpPr>
+        <a:xfrm>
+          <a:off x="0" y="0"/>
+          <a:ext cx="0" cy="0"/>
+          <a:chOff x="0" y="0"/>
+          <a:chExt cx="0" cy="0"/>
+        </a:xfrm>
+      </p:grpSpPr>
+      <p:sp>
+        <p:nvSpPr>
+          <p:cNvPr id="2" name="Slide Image Placeholder 1"/>
+          <p:cNvSpPr>
+            <a:spLocks noGrp="1" noRot="1" noChangeAspect="1"/>
+          </p:cNvSpPr>
+          <p:nvPr>
+            <p:ph type="sldImg"/>
+          </p:nvPr>
+        </p:nvSpPr>
+        <p:spPr/>
+        <p:txBody>
+          <a:bodyPr/>
+          <a:lstStyle/>
+          <a:p>
+            <a:endParaRPr lang="en-US" dirty="0"/>
+          </a:p>
+        </p:txBody>
+      </p:sp>
+      <p:sp>
+        <p:nvSpPr>
+          <p:cNvPr id="3" name="Notes Placeholder 2"/>
+          <p:cNvSpPr>
+            <a:spLocks noGrp="1"/>
+          </p:cNvSpPr>
+          <p:nvPr>
+            <p:ph type="body" idx="1"/>
+          </p:nvPr>
+        </p:nvSpPr>
+        <p:spPr/>
+        <p:txBody>
+          <a:bodyPr/>
+          <a:lstStyle/>
+          <a:p>
+            <a:r>
+              <a:rPr lang="en-US" dirty="0"/>
+              <a:t>We will talk about these in more detail in day 2</a:t>
+            </a:r>
+          </a:p>
+        </p:txBody>
+      </p:sp>
+      <p:sp>
+        <p:nvSpPr>
+          <p:cNvPr id="4" name="Slide Number Placeholder 3"/>
+          <p:cNvSpPr>
+            <a:spLocks noGrp="1"/>
+          </p:cNvSpPr>
+          <p:nvPr>
+            <p:ph type="sldNum" sz="quarter" idx="5"/>
+          </p:nvPr>
+        </p:nvSpPr>
+        <p:spPr/>
+        <p:txBody>
+          <a:bodyPr/>
+          <a:lstStyle/>
+          <a:p>
+            <a:fld id="{80800B3E-9CF7-4344-B5B4-42B50267605D}" type="slidenum">
+              <a:rPr lang="en-US" smtClean="0"/>
+              <a:t>6</a:t>
+            </a:fld>
+            <a:endParaRPr lang="en-US" dirty="0"/>
+          </a:p>
+        </p:txBody>
+      </p:sp>
+    </p:spTree>
+    <p:extLst>
+      <p:ext uri="{BB962C8B-B14F-4D97-AF65-F5344CB8AC3E}">
+        <p14:creationId xmlns:p14="http://schemas.microsoft.com/office/powerpoint/2010/main" val="3092792777"/>
+      </p:ext>
+    </p:extLst>
+  </p:cSld>
+  <p:clrMapOvr>
+    <a:masterClrMapping/>
+  </p:clrMapOvr>
+</p:notes>
+</file>
+
 <file path=ppt/slideLayouts/slideLayout1.xml><?xml version="1.0" encoding="utf-8"?>
 <p:sldLayout xmlns:a="http://schemas.openxmlformats.org/drawingml/2006/main" xmlns:r="http://schemas.openxmlformats.org/officeDocument/2006/relationships" xmlns:p="http://schemas.openxmlformats.org/presentationml/2006/main" type="title" preserve="1">
   <p:cSld name="Title Slide">
@@ -301,7 +747,7 @@
           <a:p>
             <a:fld id="{645EA723-594D-2246-8483-776EEB0415A4}" type="datetimeFigureOut">
               <a:rPr lang="en-US" smtClean="0"/>
-              <a:t>2/18/26</a:t>
+              <a:t>2/23/26</a:t>
             </a:fld>
             <a:endParaRPr lang="en-US"/>
           </a:p>
@@ -612,7 +1058,7 @@
           <a:p>
             <a:fld id="{645EA723-594D-2246-8483-776EEB0415A4}" type="datetimeFigureOut">
               <a:rPr lang="en-US" smtClean="0"/>
-              <a:t>2/18/26</a:t>
+              <a:t>2/23/26</a:t>
             </a:fld>
             <a:endParaRPr lang="en-US"/>
           </a:p>
@@ -900,7 +1346,7 @@
           <a:p>
             <a:fld id="{645EA723-594D-2246-8483-776EEB0415A4}" type="datetimeFigureOut">
               <a:rPr lang="en-US" smtClean="0"/>
-              <a:t>2/18/26</a:t>
+              <a:t>2/23/26</a:t>
             </a:fld>
             <a:endParaRPr lang="en-US"/>
           </a:p>
@@ -1098,7 +1544,7 @@
           <a:p>
             <a:fld id="{645EA723-594D-2246-8483-776EEB0415A4}" type="datetimeFigureOut">
               <a:rPr lang="en-US" smtClean="0"/>
-              <a:t>2/18/26</a:t>
+              <a:t>2/23/26</a:t>
             </a:fld>
             <a:endParaRPr lang="en-US"/>
           </a:p>
@@ -1306,7 +1752,7 @@
           <a:p>
             <a:fld id="{645EA723-594D-2246-8483-776EEB0415A4}" type="datetimeFigureOut">
               <a:rPr lang="en-US" smtClean="0"/>
-              <a:t>2/18/26</a:t>
+              <a:t>2/23/26</a:t>
             </a:fld>
             <a:endParaRPr lang="en-US"/>
           </a:p>
@@ -1533,7 +1979,7 @@
           <a:p>
             <a:fld id="{0C56C575-D94E-F044-B574-12900C1740FB}" type="datetimeFigureOut">
               <a:rPr lang="en-US" smtClean="0"/>
-              <a:t>2/18/26</a:t>
+              <a:t>2/23/26</a:t>
             </a:fld>
             <a:endParaRPr lang="en-US"/>
           </a:p>
@@ -1781,7 +2227,7 @@
           <a:p>
             <a:fld id="{0C56C575-D94E-F044-B574-12900C1740FB}" type="datetimeFigureOut">
               <a:rPr lang="en-US" smtClean="0"/>
-              <a:t>2/18/26</a:t>
+              <a:t>2/23/26</a:t>
             </a:fld>
             <a:endParaRPr lang="en-US" dirty="0"/>
           </a:p>
@@ -2087,7 +2533,7 @@
           <a:p>
             <a:fld id="{645EA723-594D-2246-8483-776EEB0415A4}" type="datetimeFigureOut">
               <a:rPr lang="en-US" smtClean="0"/>
-              <a:t>2/18/26</a:t>
+              <a:t>2/23/26</a:t>
             </a:fld>
             <a:endParaRPr lang="en-US"/>
           </a:p>
@@ -2362,7 +2808,7 @@
           <a:p>
             <a:fld id="{645EA723-594D-2246-8483-776EEB0415A4}" type="datetimeFigureOut">
               <a:rPr lang="en-US" smtClean="0"/>
-              <a:t>2/18/26</a:t>
+              <a:t>2/23/26</a:t>
             </a:fld>
             <a:endParaRPr lang="en-US"/>
           </a:p>
@@ -2627,7 +3073,7 @@
           <a:p>
             <a:fld id="{645EA723-594D-2246-8483-776EEB0415A4}" type="datetimeFigureOut">
               <a:rPr lang="en-US" smtClean="0"/>
-              <a:t>2/18/26</a:t>
+              <a:t>2/23/26</a:t>
             </a:fld>
             <a:endParaRPr lang="en-US"/>
           </a:p>
@@ -3039,7 +3485,7 @@
           <a:p>
             <a:fld id="{645EA723-594D-2246-8483-776EEB0415A4}" type="datetimeFigureOut">
               <a:rPr lang="en-US" smtClean="0"/>
-              <a:t>2/18/26</a:t>
+              <a:t>2/23/26</a:t>
             </a:fld>
             <a:endParaRPr lang="en-US"/>
           </a:p>
@@ -3180,7 +3626,7 @@
           <a:p>
             <a:fld id="{645EA723-594D-2246-8483-776EEB0415A4}" type="datetimeFigureOut">
               <a:rPr lang="en-US" smtClean="0"/>
-              <a:t>2/18/26</a:t>
+              <a:t>2/23/26</a:t>
             </a:fld>
             <a:endParaRPr lang="en-US"/>
           </a:p>
@@ -3293,7 +3739,7 @@
           <a:p>
             <a:fld id="{645EA723-594D-2246-8483-776EEB0415A4}" type="datetimeFigureOut">
               <a:rPr lang="en-US" smtClean="0"/>
-              <a:t>2/18/26</a:t>
+              <a:t>2/23/26</a:t>
             </a:fld>
             <a:endParaRPr lang="en-US"/>
           </a:p>
@@ -3534,7 +3980,7 @@
           <a:p>
             <a:fld id="{645EA723-594D-2246-8483-776EEB0415A4}" type="datetimeFigureOut">
               <a:rPr lang="en-US" smtClean="0"/>
-              <a:t>2/18/26</a:t>
+              <a:t>2/23/26</a:t>
             </a:fld>
             <a:endParaRPr lang="en-US"/>
           </a:p>
@@ -10176,43 +10622,29 @@
             </a:r>
             <a:r>
               <a:rPr lang="en-US" dirty="0"/>
-              <a:t> notebooks</a:t>
+              <a:t> notebooks, when testing</a:t>
+            </a:r>
+            <a:r>
+              <a:rPr lang="en-US"/>
+              <a:t>, etc.</a:t>
+            </a:r>
+            <a:endParaRPr lang="en-US" dirty="0"/>
+          </a:p>
+          <a:p>
+            <a:r>
+              <a:rPr lang="en-US" dirty="0"/>
+              <a:t>I personally like to run my scripts directly from the terminal, where I can control everything</a:t>
             </a:r>
           </a:p>
           <a:p>
             <a:pPr lvl="1"/>
-            <a:r>
-              <a:rPr lang="en-US" dirty="0"/>
-              <a:t>See </a:t>
-            </a:r>
             <a:r>
               <a:rPr lang="en-US" dirty="0">
                 <a:solidFill>
                   <a:schemeClr val="accent3"/>
                 </a:solidFill>
               </a:rPr>
-              <a:t>example</a:t>
-            </a:r>
-          </a:p>
-          <a:p>
-            <a:r>
-              <a:rPr lang="en-US" dirty="0"/>
-              <a:t>I personally like to run my scripts directly from the terminal, where I can control everything</a:t>
-            </a:r>
-          </a:p>
-          <a:p>
-            <a:pPr lvl="1"/>
-            <a:r>
-              <a:rPr lang="en-US" dirty="0"/>
-              <a:t>Live </a:t>
-            </a:r>
-            <a:r>
-              <a:rPr lang="en-US" dirty="0">
-                <a:solidFill>
-                  <a:schemeClr val="accent3"/>
-                </a:solidFill>
-              </a:rPr>
-              <a:t>example</a:t>
+              <a:t>Live example</a:t>
             </a:r>
           </a:p>
         </p:txBody>
@@ -13119,7 +13551,13 @@
   <p:cSld>
     <p:spTree>
       <p:nvGrpSpPr>
-        <p:cNvPr id="1" name=""/>
+        <p:cNvPr id="1" name="">
+          <a:extLst>
+            <a:ext uri="{FF2B5EF4-FFF2-40B4-BE49-F238E27FC236}">
+              <a16:creationId xmlns:a16="http://schemas.microsoft.com/office/drawing/2014/main" id="{BF57AC35-B980-0F98-19C0-18F4AC7D86D2}"/>
+            </a:ext>
+          </a:extLst>
+        </p:cNvPr>
         <p:cNvGrpSpPr/>
         <p:nvPr/>
       </p:nvGrpSpPr>
@@ -13136,7 +13574,7 @@
           <p:cNvPr id="2" name="Title 1">
             <a:extLst>
               <a:ext uri="{FF2B5EF4-FFF2-40B4-BE49-F238E27FC236}">
-                <a16:creationId xmlns:a16="http://schemas.microsoft.com/office/drawing/2014/main" id="{C51A05AF-2D9B-1489-5EDD-99ADB12B549F}"/>
+                <a16:creationId xmlns:a16="http://schemas.microsoft.com/office/drawing/2014/main" id="{DF80EE39-173A-2261-222B-2EFF5A9C761D}"/>
               </a:ext>
             </a:extLst>
           </p:cNvPr>
@@ -13164,7 +13602,7 @@
           <p:cNvPr id="3" name="Content Placeholder 2">
             <a:extLst>
               <a:ext uri="{FF2B5EF4-FFF2-40B4-BE49-F238E27FC236}">
-                <a16:creationId xmlns:a16="http://schemas.microsoft.com/office/drawing/2014/main" id="{15D47A35-F95B-5495-6921-D1385B1CE85A}"/>
+                <a16:creationId xmlns:a16="http://schemas.microsoft.com/office/drawing/2014/main" id="{C9213966-5187-7D34-0332-A4FF9BB0201C}"/>
               </a:ext>
             </a:extLst>
           </p:cNvPr>
@@ -13177,17 +13615,114 @@
         </p:nvSpPr>
         <p:spPr/>
         <p:txBody>
-          <a:bodyPr/>
-          <a:lstStyle/>
-          <a:p>
-            <a:endParaRPr lang="en-US"/>
+          <a:bodyPr>
+            <a:normAutofit fontScale="92500" lnSpcReduction="20000"/>
+          </a:bodyPr>
+          <a:lstStyle/>
+          <a:p>
+            <a:r>
+              <a:rPr lang="en-US" dirty="0"/>
+              <a:t>Organization</a:t>
+            </a:r>
+          </a:p>
+          <a:p>
+            <a:pPr lvl="1"/>
+            <a:r>
+              <a:rPr lang="en-US" dirty="0"/>
+              <a:t>Separation of Concerns</a:t>
+            </a:r>
+          </a:p>
+          <a:p>
+            <a:pPr lvl="1"/>
+            <a:r>
+              <a:rPr lang="en-US" dirty="0"/>
+              <a:t>Modularity</a:t>
+            </a:r>
+          </a:p>
+          <a:p>
+            <a:pPr lvl="1"/>
+            <a:r>
+              <a:rPr lang="en-US" dirty="0"/>
+              <a:t>Containment</a:t>
+            </a:r>
+          </a:p>
+          <a:p>
+            <a:pPr lvl="1"/>
+            <a:r>
+              <a:rPr lang="en-US" dirty="0"/>
+              <a:t>Hierarchy</a:t>
+            </a:r>
+          </a:p>
+          <a:p>
+            <a:r>
+              <a:rPr lang="en-US" dirty="0"/>
+              <a:t>Efficiency</a:t>
+            </a:r>
+          </a:p>
+          <a:p>
+            <a:pPr lvl="1"/>
+            <a:r>
+              <a:rPr lang="en-US" dirty="0"/>
+              <a:t>Usability</a:t>
+            </a:r>
+          </a:p>
+          <a:p>
+            <a:pPr lvl="1"/>
+            <a:r>
+              <a:rPr lang="en-US" dirty="0"/>
+              <a:t>Portability</a:t>
+            </a:r>
+          </a:p>
+          <a:p>
+            <a:pPr lvl="1"/>
+            <a:r>
+              <a:rPr lang="en-US" dirty="0"/>
+              <a:t>Automation</a:t>
+            </a:r>
+          </a:p>
+          <a:p>
+            <a:pPr lvl="1"/>
+            <a:r>
+              <a:rPr lang="en-US" dirty="0"/>
+              <a:t>Scalability</a:t>
+            </a:r>
+          </a:p>
+          <a:p>
+            <a:r>
+              <a:rPr lang="en-US" dirty="0"/>
+              <a:t>Collaboration</a:t>
+            </a:r>
+          </a:p>
+          <a:p>
+            <a:pPr lvl="1"/>
+            <a:r>
+              <a:rPr lang="en-US" dirty="0"/>
+              <a:t>Transparency</a:t>
+            </a:r>
+          </a:p>
+          <a:p>
+            <a:pPr lvl="1"/>
+            <a:r>
+              <a:rPr lang="en-US" dirty="0"/>
+              <a:t>Reproducibility</a:t>
+            </a:r>
+          </a:p>
+          <a:p>
+            <a:pPr lvl="1"/>
+            <a:r>
+              <a:rPr lang="en-US" dirty="0"/>
+              <a:t>Version Control</a:t>
+            </a:r>
+          </a:p>
+          <a:p>
+            <a:endParaRPr lang="en-US" dirty="0"/>
           </a:p>
         </p:txBody>
       </p:sp>
     </p:spTree>
     <p:extLst>
       <p:ext uri="{BB962C8B-B14F-4D97-AF65-F5344CB8AC3E}">
-        <p14:creationId xmlns:p14="http://schemas.microsoft.com/office/powerpoint/2010/main" val="3938568073"/>
+        <p14:creationId xmlns:p14="http://schemas.microsoft.com/office/powerpoint/2010/main" val="3346238354"/>
       </p:ext>
     </p:extLst>
   </p:cSld>
@@ -14351,4 +14886,319 @@
     </a:ext>
   </a:extLst>
 </a:theme>
+</file>
+
+<file path=ppt/theme/theme2.xml><?xml version="1.0" encoding="utf-8"?>
+<a:theme xmlns:a="http://schemas.openxmlformats.org/drawingml/2006/main" name="Office Theme">
+  <a:themeElements>
+    <a:clrScheme name="Office">
+      <a:dk1>
+        <a:sysClr val="windowText" lastClr="000000"/>
+      </a:dk1>
+      <a:lt1>
+        <a:sysClr val="window" lastClr="FFFFFF"/>
+      </a:lt1>
+      <a:dk2>
+        <a:srgbClr val="0E2841"/>
+      </a:dk2>
+      <a:lt2>
+        <a:srgbClr val="E8E8E8"/>
+      </a:lt2>
+      <a:accent1>
+        <a:srgbClr val="156082"/>
+      </a:accent1>
+      <a:accent2>
+        <a:srgbClr val="E97132"/>
+      </a:accent2>
+      <a:accent3>
+        <a:srgbClr val="196B24"/>
+      </a:accent3>
+      <a:accent4>
+        <a:srgbClr val="0F9ED5"/>
+      </a:accent4>
+      <a:accent5>
+        <a:srgbClr val="A02B93"/>
+      </a:accent5>
+      <a:accent6>
+        <a:srgbClr val="4EA72E"/>
+      </a:accent6>
+      <a:hlink>
+        <a:srgbClr val="467886"/>
+      </a:hlink>
+      <a:folHlink>
+        <a:srgbClr val="96607D"/>
+      </a:folHlink>
+    </a:clrScheme>
+    <a:fontScheme name="Office">
+      <a:majorFont>
+        <a:latin typeface="Aptos Display" panose="02110004020202020204"/>
+        <a:ea typeface=""/>
+        <a:cs typeface=""/>
+        <a:font script="Jpan" typeface="游ゴシック Light"/>
+        <a:font script="Hang" typeface="맑은 고딕"/>
+        <a:font script="Hans" typeface="等线 Light"/>
+        <a:font script="Hant" typeface="新細明體"/>
+        <a:font script="Arab" typeface="Times New Roman"/>
+        <a:font script="Hebr" typeface="Times New Roman"/>
+        <a:font script="Thai" typeface="Angsana New"/>
+        <a:font script="Ethi" typeface="Nyala"/>
+        <a:font script="Beng" typeface="Vrinda"/>
+        <a:font script="Gujr" typeface="Shruti"/>
+        <a:font script="Khmr" typeface="MoolBoran"/>
+        <a:font script="Knda" typeface="Tunga"/>
+        <a:font script="Guru" typeface="Raavi"/>
+        <a:font script="Cans" typeface="Euphemia"/>
+        <a:font script="Cher" typeface="Plantagenet Cherokee"/>
+        <a:font script="Yiii" typeface="Microsoft Yi Baiti"/>
+        <a:font script="Tibt" typeface="Microsoft Himalaya"/>
+        <a:font script="Thaa" typeface="MV Boli"/>
+        <a:font script="Deva" typeface="Mangal"/>
+        <a:font script="Telu" typeface="Gautami"/>
+        <a:font script="Taml" typeface="Latha"/>
+        <a:font script="Syrc" typeface="Estrangelo Edessa"/>
+        <a:font script="Orya" typeface="Kalinga"/>
+        <a:font script="Mlym" typeface="Kartika"/>
+        <a:font script="Laoo" typeface="DokChampa"/>
+        <a:font script="Sinh" typeface="Iskoola Pota"/>
+        <a:font script="Mong" typeface="Mongolian Baiti"/>
+        <a:font script="Viet" typeface="Times New Roman"/>
+        <a:font script="Uigh" typeface="Microsoft Uighur"/>
+        <a:font script="Geor" typeface="Sylfaen"/>
+        <a:font script="Armn" typeface="Arial"/>
+        <a:font script="Bugi" typeface="Leelawadee UI"/>
+        <a:font script="Bopo" typeface="Microsoft JhengHei"/>
+        <a:font script="Java" typeface="Javanese Text"/>
+        <a:font script="Lisu" typeface="Segoe UI"/>
+        <a:font script="Mymr" typeface="Myanmar Text"/>
+        <a:font script="Nkoo" typeface="Ebrima"/>
+        <a:font script="Olck" typeface="Nirmala UI"/>
+        <a:font script="Osma" typeface="Ebrima"/>
+        <a:font script="Phag" typeface="Phagspa"/>
+        <a:font script="Syrn" typeface="Estrangelo Edessa"/>
+        <a:font script="Syrj" typeface="Estrangelo Edessa"/>
+        <a:font script="Syre" typeface="Estrangelo Edessa"/>
+        <a:font script="Sora" typeface="Nirmala UI"/>
+        <a:font script="Tale" typeface="Microsoft Tai Le"/>
+        <a:font script="Talu" typeface="Microsoft New Tai Lue"/>
+        <a:font script="Tfng" typeface="Ebrima"/>
+      </a:majorFont>
+      <a:minorFont>
+        <a:latin typeface="Aptos" panose="02110004020202020204"/>
+        <a:ea typeface=""/>
+        <a:cs typeface=""/>
+        <a:font script="Jpan" typeface="游ゴシック"/>
+        <a:font script="Hang" typeface="맑은 고딕"/>
+        <a:font script="Hans" typeface="等线"/>
+        <a:font script="Hant" typeface="新細明體"/>
+        <a:font script="Arab" typeface="Arial"/>
+        <a:font script="Hebr" typeface="Arial"/>
+        <a:font script="Thai" typeface="Cordia New"/>
+        <a:font script="Ethi" typeface="Nyala"/>
+        <a:font script="Beng" typeface="Vrinda"/>
+        <a:font script="Gujr" typeface="Shruti"/>
+        <a:font script="Khmr" typeface="DaunPenh"/>
+        <a:font script="Knda" typeface="Tunga"/>
+        <a:font script="Guru" typeface="Raavi"/>
+        <a:font script="Cans" typeface="Euphemia"/>
+        <a:font script="Cher" typeface="Plantagenet Cherokee"/>
+        <a:font script="Yiii" typeface="Microsoft Yi Baiti"/>
+        <a:font script="Tibt" typeface="Microsoft Himalaya"/>
+        <a:font script="Thaa" typeface="MV Boli"/>
+        <a:font script="Deva" typeface="Mangal"/>
+        <a:font script="Telu" typeface="Gautami"/>
+        <a:font script="Taml" typeface="Latha"/>
+        <a:font script="Syrc" typeface="Estrangelo Edessa"/>
+        <a:font script="Orya" typeface="Kalinga"/>
+        <a:font script="Mlym" typeface="Kartika"/>
+        <a:font script="Laoo" typeface="DokChampa"/>
+        <a:font script="Sinh" typeface="Iskoola Pota"/>
+        <a:font script="Mong" typeface="Mongolian Baiti"/>
+        <a:font script="Viet" typeface="Arial"/>
+        <a:font script="Uigh" typeface="Microsoft Uighur"/>
+        <a:font script="Geor" typeface="Sylfaen"/>
+        <a:font script="Armn" typeface="Arial"/>
+        <a:font script="Bugi" typeface="Leelawadee UI"/>
+        <a:font script="Bopo" typeface="Microsoft JhengHei"/>
+        <a:font script="Java" typeface="Javanese Text"/>
+        <a:font script="Lisu" typeface="Segoe UI"/>
+        <a:font script="Mymr" typeface="Myanmar Text"/>
+        <a:font script="Nkoo" typeface="Ebrima"/>
+        <a:font script="Olck" typeface="Nirmala UI"/>
+        <a:font script="Osma" typeface="Ebrima"/>
+        <a:font script="Phag" typeface="Phagspa"/>
+        <a:font script="Syrn" typeface="Estrangelo Edessa"/>
+        <a:font script="Syrj" typeface="Estrangelo Edessa"/>
+        <a:font script="Syre" typeface="Estrangelo Edessa"/>
+        <a:font script="Sora" typeface="Nirmala UI"/>
+        <a:font script="Tale" typeface="Microsoft Tai Le"/>
+        <a:font script="Talu" typeface="Microsoft New Tai Lue"/>
+        <a:font script="Tfng" typeface="Ebrima"/>
+      </a:minorFont>
+    </a:fontScheme>
+    <a:fmtScheme name="Office">
+      <a:fillStyleLst>
+        <a:solidFill>
+          <a:schemeClr val="phClr"/>
+        </a:solidFill>
+        <a:gradFill rotWithShape="1">
+          <a:gsLst>
+            <a:gs pos="0">
+              <a:schemeClr val="phClr">
+                <a:lumMod val="110000"/>
+                <a:satMod val="105000"/>
+                <a:tint val="67000"/>
+              </a:schemeClr>
+            </a:gs>
+            <a:gs pos="50000">
+              <a:schemeClr val="phClr">
+                <a:lumMod val="105000"/>
+                <a:satMod val="103000"/>
+                <a:tint val="73000"/>
+              </a:schemeClr>
+            </a:gs>
+            <a:gs pos="100000">
+              <a:schemeClr val="phClr">
+                <a:lumMod val="105000"/>
+                <a:satMod val="109000"/>
+                <a:tint val="81000"/>
+              </a:schemeClr>
+            </a:gs>
+          </a:gsLst>
+          <a:lin ang="5400000" scaled="0"/>
+        </a:gradFill>
+        <a:gradFill rotWithShape="1">
+          <a:gsLst>
+            <a:gs pos="0">
+              <a:schemeClr val="phClr">
+                <a:satMod val="103000"/>
+                <a:lumMod val="102000"/>
+                <a:tint val="94000"/>
+              </a:schemeClr>
+            </a:gs>
+            <a:gs pos="50000">
+              <a:schemeClr val="phClr">
+                <a:satMod val="110000"/>
+                <a:lumMod val="100000"/>
+                <a:shade val="100000"/>
+              </a:schemeClr>
+            </a:gs>
+            <a:gs pos="100000">
+              <a:schemeClr val="phClr">
+                <a:lumMod val="99000"/>
+                <a:satMod val="120000"/>
+                <a:shade val="78000"/>
+              </a:schemeClr>
+            </a:gs>
+          </a:gsLst>
+          <a:lin ang="5400000" scaled="0"/>
+        </a:gradFill>
+      </a:fillStyleLst>
+      <a:lnStyleLst>
+        <a:ln w="12700" cap="flat" cmpd="sng" algn="ctr">
+          <a:solidFill>
+            <a:schemeClr val="phClr"/>
+          </a:solidFill>
+          <a:prstDash val="solid"/>
+          <a:miter lim="800000"/>
+        </a:ln>
+        <a:ln w="19050" cap="flat" cmpd="sng" algn="ctr">
+          <a:solidFill>
+            <a:schemeClr val="phClr"/>
+          </a:solidFill>
+          <a:prstDash val="solid"/>
+          <a:miter lim="800000"/>
+        </a:ln>
+        <a:ln w="25400" cap="flat" cmpd="sng" algn="ctr">
+          <a:solidFill>
+            <a:schemeClr val="phClr"/>
+          </a:solidFill>
+          <a:prstDash val="solid"/>
+          <a:miter lim="800000"/>
+        </a:ln>
+      </a:lnStyleLst>
+      <a:effectStyleLst>
+        <a:effectStyle>
+          <a:effectLst/>
+        </a:effectStyle>
+        <a:effectStyle>
+          <a:effectLst/>
+        </a:effectStyle>
+        <a:effectStyle>
+          <a:effectLst>
+            <a:outerShdw blurRad="57150" dist="19050" dir="5400000" algn="ctr" rotWithShape="0">
+              <a:srgbClr val="000000">
+                <a:alpha val="63000"/>
+              </a:srgbClr>
+            </a:outerShdw>
+          </a:effectLst>
+        </a:effectStyle>
+      </a:effectStyleLst>
+      <a:bgFillStyleLst>
+        <a:solidFill>
+          <a:schemeClr val="phClr"/>
+        </a:solidFill>
+        <a:solidFill>
+          <a:schemeClr val="phClr">
+            <a:tint val="95000"/>
+            <a:satMod val="170000"/>
+          </a:schemeClr>
+        </a:solidFill>
+        <a:gradFill rotWithShape="1">
+          <a:gsLst>
+            <a:gs pos="0">
+              <a:schemeClr val="phClr">
+                <a:tint val="93000"/>
+                <a:satMod val="150000"/>
+                <a:shade val="98000"/>
+                <a:lumMod val="102000"/>
+              </a:schemeClr>
+            </a:gs>
+            <a:gs pos="50000">
+              <a:schemeClr val="phClr">
+                <a:tint val="98000"/>
+                <a:satMod val="130000"/>
+                <a:shade val="90000"/>
+                <a:lumMod val="103000"/>
+              </a:schemeClr>
+            </a:gs>
+            <a:gs pos="100000">
+              <a:schemeClr val="phClr">
+                <a:shade val="63000"/>
+                <a:satMod val="120000"/>
+              </a:schemeClr>
+            </a:gs>
+          </a:gsLst>
+          <a:lin ang="5400000" scaled="0"/>
+        </a:gradFill>
+      </a:bgFillStyleLst>
+    </a:fmtScheme>
+  </a:themeElements>
+  <a:objectDefaults>
+    <a:lnDef>
+      <a:spPr/>
+      <a:bodyPr/>
+      <a:lstStyle/>
+      <a:style>
+        <a:lnRef idx="2">
+          <a:schemeClr val="accent1"/>
+        </a:lnRef>
+        <a:fillRef idx="0">
+          <a:schemeClr val="accent1"/>
+        </a:fillRef>
+        <a:effectRef idx="1">
+          <a:schemeClr val="accent1"/>
+        </a:effectRef>
+        <a:fontRef idx="minor">
+          <a:schemeClr val="tx1"/>
+        </a:fontRef>
+      </a:style>
+    </a:lnDef>
+  </a:objectDefaults>
+  <a:extraClrSchemeLst/>
+  <a:extLst>
+    <a:ext uri="{05A4C25C-085E-4340-85A3-A5531E510DB2}">
+      <thm15:themeFamily xmlns:thm15="http://schemas.microsoft.com/office/thememl/2012/main" name="Office Theme" id="{2E142A2C-CD16-42D6-873A-C26D2A0506FA}" vid="{1BDDFF52-6CD6-40A5-AB3C-68EB2F1E4D0A}"/>
+    </a:ext>
+  </a:extLst>
+</a:theme>
 </file>
--- a/researchers_guide_to_code_organization_day_2.pptx
+++ b/researchers_guide_to_code_organization_day_2.pptx
@@ -5,7 +5,7 @@
     <p:sldMasterId id="2147483648" r:id="rId1"/>
   </p:sldMasterIdLst>
   <p:notesMasterIdLst>
-    <p:notesMasterId r:id="rId45"/>
+    <p:notesMasterId r:id="rId56"/>
   </p:notesMasterIdLst>
   <p:sldIdLst>
     <p:sldId id="324" r:id="rId2"/>
@@ -25,32 +25,43 @@
     <p:sldId id="330" r:id="rId16"/>
     <p:sldId id="320" r:id="rId17"/>
     <p:sldId id="321" r:id="rId18"/>
-    <p:sldId id="314" r:id="rId19"/>
-    <p:sldId id="332" r:id="rId20"/>
-    <p:sldId id="333" r:id="rId21"/>
-    <p:sldId id="349" r:id="rId22"/>
-    <p:sldId id="334" r:id="rId23"/>
-    <p:sldId id="350" r:id="rId24"/>
-    <p:sldId id="335" r:id="rId25"/>
-    <p:sldId id="351" r:id="rId26"/>
-    <p:sldId id="315" r:id="rId27"/>
-    <p:sldId id="336" r:id="rId28"/>
-    <p:sldId id="357" r:id="rId29"/>
-    <p:sldId id="352" r:id="rId30"/>
-    <p:sldId id="337" r:id="rId31"/>
-    <p:sldId id="354" r:id="rId32"/>
-    <p:sldId id="358" r:id="rId33"/>
-    <p:sldId id="338" r:id="rId34"/>
-    <p:sldId id="355" r:id="rId35"/>
-    <p:sldId id="316" r:id="rId36"/>
-    <p:sldId id="339" r:id="rId37"/>
-    <p:sldId id="356" r:id="rId38"/>
-    <p:sldId id="340" r:id="rId39"/>
-    <p:sldId id="341" r:id="rId40"/>
-    <p:sldId id="317" r:id="rId41"/>
-    <p:sldId id="343" r:id="rId42"/>
-    <p:sldId id="342" r:id="rId43"/>
-    <p:sldId id="344" r:id="rId44"/>
+    <p:sldId id="360" r:id="rId19"/>
+    <p:sldId id="314" r:id="rId20"/>
+    <p:sldId id="332" r:id="rId21"/>
+    <p:sldId id="333" r:id="rId22"/>
+    <p:sldId id="349" r:id="rId23"/>
+    <p:sldId id="334" r:id="rId24"/>
+    <p:sldId id="350" r:id="rId25"/>
+    <p:sldId id="335" r:id="rId26"/>
+    <p:sldId id="351" r:id="rId27"/>
+    <p:sldId id="361" r:id="rId28"/>
+    <p:sldId id="315" r:id="rId29"/>
+    <p:sldId id="336" r:id="rId30"/>
+    <p:sldId id="357" r:id="rId31"/>
+    <p:sldId id="352" r:id="rId32"/>
+    <p:sldId id="337" r:id="rId33"/>
+    <p:sldId id="354" r:id="rId34"/>
+    <p:sldId id="358" r:id="rId35"/>
+    <p:sldId id="338" r:id="rId36"/>
+    <p:sldId id="355" r:id="rId37"/>
+    <p:sldId id="362" r:id="rId38"/>
+    <p:sldId id="316" r:id="rId39"/>
+    <p:sldId id="339" r:id="rId40"/>
+    <p:sldId id="356" r:id="rId41"/>
+    <p:sldId id="340" r:id="rId42"/>
+    <p:sldId id="341" r:id="rId43"/>
+    <p:sldId id="414" r:id="rId44"/>
+    <p:sldId id="413" r:id="rId45"/>
+    <p:sldId id="415" r:id="rId46"/>
+    <p:sldId id="317" r:id="rId47"/>
+    <p:sldId id="343" r:id="rId48"/>
+    <p:sldId id="342" r:id="rId49"/>
+    <p:sldId id="344" r:id="rId50"/>
+    <p:sldId id="412" r:id="rId51"/>
+    <p:sldId id="363" r:id="rId52"/>
+    <p:sldId id="411" r:id="rId53"/>
+    <p:sldId id="410" r:id="rId54"/>
+    <p:sldId id="364" r:id="rId55"/>
   </p:sldIdLst>
   <p:sldSz cx="12192000" cy="6858000"/>
   <p:notesSz cx="6858000" cy="9144000"/>
@@ -239,7 +250,7 @@
           <a:p>
             <a:fld id="{F1CB1BD0-5A07-3246-A660-143DDC17CB21}" type="datetimeFigureOut">
               <a:rPr lang="en-US" smtClean="0"/>
-              <a:t>2/23/26</a:t>
+              <a:t>2/24/26</a:t>
             </a:fld>
             <a:endParaRPr lang="en-US"/>
           </a:p>
@@ -747,7 +758,7 @@
           <a:p>
             <a:fld id="{645EA723-594D-2246-8483-776EEB0415A4}" type="datetimeFigureOut">
               <a:rPr lang="en-US" smtClean="0"/>
-              <a:t>2/23/26</a:t>
+              <a:t>2/24/26</a:t>
             </a:fld>
             <a:endParaRPr lang="en-US"/>
           </a:p>
@@ -1058,7 +1069,7 @@
           <a:p>
             <a:fld id="{645EA723-594D-2246-8483-776EEB0415A4}" type="datetimeFigureOut">
               <a:rPr lang="en-US" smtClean="0"/>
-              <a:t>2/23/26</a:t>
+              <a:t>2/24/26</a:t>
             </a:fld>
             <a:endParaRPr lang="en-US"/>
           </a:p>
@@ -1346,7 +1357,7 @@
           <a:p>
             <a:fld id="{645EA723-594D-2246-8483-776EEB0415A4}" type="datetimeFigureOut">
               <a:rPr lang="en-US" smtClean="0"/>
-              <a:t>2/23/26</a:t>
+              <a:t>2/24/26</a:t>
             </a:fld>
             <a:endParaRPr lang="en-US"/>
           </a:p>
@@ -1544,7 +1555,7 @@
           <a:p>
             <a:fld id="{645EA723-594D-2246-8483-776EEB0415A4}" type="datetimeFigureOut">
               <a:rPr lang="en-US" smtClean="0"/>
-              <a:t>2/23/26</a:t>
+              <a:t>2/24/26</a:t>
             </a:fld>
             <a:endParaRPr lang="en-US"/>
           </a:p>
@@ -1752,7 +1763,7 @@
           <a:p>
             <a:fld id="{645EA723-594D-2246-8483-776EEB0415A4}" type="datetimeFigureOut">
               <a:rPr lang="en-US" smtClean="0"/>
-              <a:t>2/23/26</a:t>
+              <a:t>2/24/26</a:t>
             </a:fld>
             <a:endParaRPr lang="en-US"/>
           </a:p>
@@ -1979,7 +1990,7 @@
           <a:p>
             <a:fld id="{0C56C575-D94E-F044-B574-12900C1740FB}" type="datetimeFigureOut">
               <a:rPr lang="en-US" smtClean="0"/>
-              <a:t>2/23/26</a:t>
+              <a:t>2/24/26</a:t>
             </a:fld>
             <a:endParaRPr lang="en-US"/>
           </a:p>
@@ -2227,7 +2238,7 @@
           <a:p>
             <a:fld id="{0C56C575-D94E-F044-B574-12900C1740FB}" type="datetimeFigureOut">
               <a:rPr lang="en-US" smtClean="0"/>
-              <a:t>2/23/26</a:t>
+              <a:t>2/24/26</a:t>
             </a:fld>
             <a:endParaRPr lang="en-US" dirty="0"/>
           </a:p>
@@ -2533,7 +2544,7 @@
           <a:p>
             <a:fld id="{645EA723-594D-2246-8483-776EEB0415A4}" type="datetimeFigureOut">
               <a:rPr lang="en-US" smtClean="0"/>
-              <a:t>2/23/26</a:t>
+              <a:t>2/24/26</a:t>
             </a:fld>
             <a:endParaRPr lang="en-US"/>
           </a:p>
@@ -2808,7 +2819,7 @@
           <a:p>
             <a:fld id="{645EA723-594D-2246-8483-776EEB0415A4}" type="datetimeFigureOut">
               <a:rPr lang="en-US" smtClean="0"/>
-              <a:t>2/23/26</a:t>
+              <a:t>2/24/26</a:t>
             </a:fld>
             <a:endParaRPr lang="en-US"/>
           </a:p>
@@ -3073,7 +3084,7 @@
           <a:p>
             <a:fld id="{645EA723-594D-2246-8483-776EEB0415A4}" type="datetimeFigureOut">
               <a:rPr lang="en-US" smtClean="0"/>
-              <a:t>2/23/26</a:t>
+              <a:t>2/24/26</a:t>
             </a:fld>
             <a:endParaRPr lang="en-US"/>
           </a:p>
@@ -3485,7 +3496,7 @@
           <a:p>
             <a:fld id="{645EA723-594D-2246-8483-776EEB0415A4}" type="datetimeFigureOut">
               <a:rPr lang="en-US" smtClean="0"/>
-              <a:t>2/23/26</a:t>
+              <a:t>2/24/26</a:t>
             </a:fld>
             <a:endParaRPr lang="en-US"/>
           </a:p>
@@ -3626,7 +3637,7 @@
           <a:p>
             <a:fld id="{645EA723-594D-2246-8483-776EEB0415A4}" type="datetimeFigureOut">
               <a:rPr lang="en-US" smtClean="0"/>
-              <a:t>2/23/26</a:t>
+              <a:t>2/24/26</a:t>
             </a:fld>
             <a:endParaRPr lang="en-US"/>
           </a:p>
@@ -3739,7 +3750,7 @@
           <a:p>
             <a:fld id="{645EA723-594D-2246-8483-776EEB0415A4}" type="datetimeFigureOut">
               <a:rPr lang="en-US" smtClean="0"/>
-              <a:t>2/23/26</a:t>
+              <a:t>2/24/26</a:t>
             </a:fld>
             <a:endParaRPr lang="en-US"/>
           </a:p>
@@ -3980,7 +3991,7 @@
           <a:p>
             <a:fld id="{645EA723-594D-2246-8483-776EEB0415A4}" type="datetimeFigureOut">
               <a:rPr lang="en-US" smtClean="0"/>
-              <a:t>2/23/26</a:t>
+              <a:t>2/24/26</a:t>
             </a:fld>
             <a:endParaRPr lang="en-US"/>
           </a:p>
@@ -6333,6 +6344,156 @@
   <p:cSld>
     <p:spTree>
       <p:nvGrpSpPr>
+        <p:cNvPr id="1" name=""/>
+        <p:cNvGrpSpPr/>
+        <p:nvPr/>
+      </p:nvGrpSpPr>
+      <p:grpSpPr>
+        <a:xfrm>
+          <a:off x="0" y="0"/>
+          <a:ext cx="0" cy="0"/>
+          <a:chOff x="0" y="0"/>
+          <a:chExt cx="0" cy="0"/>
+        </a:xfrm>
+      </p:grpSpPr>
+      <p:sp>
+        <p:nvSpPr>
+          <p:cNvPr id="2" name="Title 1">
+            <a:extLst>
+              <a:ext uri="{FF2B5EF4-FFF2-40B4-BE49-F238E27FC236}">
+                <a16:creationId xmlns:a16="http://schemas.microsoft.com/office/drawing/2014/main" id="{E822D2AF-C224-D322-5216-3C12DABEC2AA}"/>
+              </a:ext>
+            </a:extLst>
+          </p:cNvPr>
+          <p:cNvSpPr>
+            <a:spLocks noGrp="1"/>
+          </p:cNvSpPr>
+          <p:nvPr>
+            <p:ph type="title"/>
+          </p:nvPr>
+        </p:nvSpPr>
+        <p:spPr/>
+        <p:txBody>
+          <a:bodyPr/>
+          <a:lstStyle/>
+          <a:p>
+            <a:r>
+              <a:rPr lang="en-US" dirty="0">
+                <a:solidFill>
+                  <a:srgbClr val="C00000"/>
+                </a:solidFill>
+              </a:rPr>
+              <a:t>Exercise</a:t>
+            </a:r>
+          </a:p>
+        </p:txBody>
+      </p:sp>
+      <p:sp>
+        <p:nvSpPr>
+          <p:cNvPr id="3" name="Content Placeholder 2">
+            <a:extLst>
+              <a:ext uri="{FF2B5EF4-FFF2-40B4-BE49-F238E27FC236}">
+                <a16:creationId xmlns:a16="http://schemas.microsoft.com/office/drawing/2014/main" id="{1596D2BD-7C80-97D6-78F5-3D6E81E69FE8}"/>
+              </a:ext>
+            </a:extLst>
+          </p:cNvPr>
+          <p:cNvSpPr>
+            <a:spLocks noGrp="1"/>
+          </p:cNvSpPr>
+          <p:nvPr>
+            <p:ph idx="1"/>
+          </p:nvPr>
+        </p:nvSpPr>
+        <p:spPr/>
+        <p:txBody>
+          <a:bodyPr>
+            <a:normAutofit fontScale="92500" lnSpcReduction="10000"/>
+          </a:bodyPr>
+          <a:lstStyle/>
+          <a:p>
+            <a:pPr marL="0" indent="0">
+              <a:buNone/>
+            </a:pPr>
+            <a:r>
+              <a:rPr lang="en-US" dirty="0"/>
+              <a:t>You’re building an epidemiological model to simulate a recent outbreak. Your project must handle:</a:t>
+            </a:r>
+          </a:p>
+          <a:p>
+            <a:r>
+              <a:rPr lang="en-US" b="1" dirty="0"/>
+              <a:t>Population Agents</a:t>
+            </a:r>
+            <a:r>
+              <a:rPr lang="en-US" dirty="0"/>
+              <a:t>: Different behavior for introverts (stay home) and extroverts (go out to parties).</a:t>
+            </a:r>
+          </a:p>
+          <a:p>
+            <a:r>
+              <a:rPr lang="en-US" b="1" dirty="0"/>
+              <a:t>Environments</a:t>
+            </a:r>
+            <a:r>
+              <a:rPr lang="en-US" dirty="0"/>
+              <a:t>: Different social networks, a dense “urban” one, and a sparse “rural” one.</a:t>
+            </a:r>
+          </a:p>
+          <a:p>
+            <a:r>
+              <a:rPr lang="en-US" b="1" dirty="0"/>
+              <a:t>Pipeline:</a:t>
+            </a:r>
+            <a:r>
+              <a:rPr lang="en-US" dirty="0"/>
+              <a:t> Uses raw historical data to start simulation, plots dynamics, compares statistics, validates with current data.</a:t>
+            </a:r>
+          </a:p>
+          <a:p>
+            <a:endParaRPr lang="en-US" b="1" dirty="0"/>
+          </a:p>
+          <a:p>
+            <a:pPr marL="0" indent="0">
+              <a:buNone/>
+            </a:pPr>
+            <a:r>
+              <a:rPr lang="en-US" dirty="0"/>
+              <a:t>Which modules would you need, and how do you organize your project accordingly?</a:t>
+            </a:r>
+          </a:p>
+          <a:p>
+            <a:pPr marL="0" indent="0">
+              <a:buNone/>
+            </a:pPr>
+            <a:r>
+              <a:rPr lang="en-US" dirty="0">
+                <a:solidFill>
+                  <a:srgbClr val="FF0000"/>
+                </a:solidFill>
+              </a:rPr>
+              <a:t>Talk to your neighbor about it!</a:t>
+            </a:r>
+          </a:p>
+        </p:txBody>
+      </p:sp>
+    </p:spTree>
+    <p:extLst>
+      <p:ext uri="{BB962C8B-B14F-4D97-AF65-F5344CB8AC3E}">
+        <p14:creationId xmlns:p14="http://schemas.microsoft.com/office/powerpoint/2010/main" val="2443786393"/>
+      </p:ext>
+    </p:extLst>
+  </p:cSld>
+  <p:clrMapOvr>
+    <a:masterClrMapping/>
+  </p:clrMapOvr>
+</p:sld>
+</file>
+
+<file path=ppt/slides/slide19.xml><?xml version="1.0" encoding="utf-8"?>
+<p:sld xmlns:a="http://schemas.openxmlformats.org/drawingml/2006/main" xmlns:r="http://schemas.openxmlformats.org/officeDocument/2006/relationships" xmlns:p="http://schemas.openxmlformats.org/presentationml/2006/main">
+  <p:cSld>
+    <p:spTree>
+      <p:nvGrpSpPr>
         <p:cNvPr id="1" name="">
           <a:extLst>
             <a:ext uri="{FF2B5EF4-FFF2-40B4-BE49-F238E27FC236}">
@@ -6864,194 +7025,6 @@
 </p:sld>
 </file>
 
-<file path=ppt/slides/slide19.xml><?xml version="1.0" encoding="utf-8"?>
-<p:sld xmlns:a="http://schemas.openxmlformats.org/drawingml/2006/main" xmlns:r="http://schemas.openxmlformats.org/officeDocument/2006/relationships" xmlns:p="http://schemas.openxmlformats.org/presentationml/2006/main">
-  <p:cSld>
-    <p:spTree>
-      <p:nvGrpSpPr>
-        <p:cNvPr id="1" name=""/>
-        <p:cNvGrpSpPr/>
-        <p:nvPr/>
-      </p:nvGrpSpPr>
-      <p:grpSpPr>
-        <a:xfrm>
-          <a:off x="0" y="0"/>
-          <a:ext cx="0" cy="0"/>
-          <a:chOff x="0" y="0"/>
-          <a:chExt cx="0" cy="0"/>
-        </a:xfrm>
-      </p:grpSpPr>
-      <p:sp>
-        <p:nvSpPr>
-          <p:cNvPr id="2" name="Title 1">
-            <a:extLst>
-              <a:ext uri="{FF2B5EF4-FFF2-40B4-BE49-F238E27FC236}">
-                <a16:creationId xmlns:a16="http://schemas.microsoft.com/office/drawing/2014/main" id="{FA38E451-EF42-F09B-BF0C-94F2615D83B5}"/>
-              </a:ext>
-            </a:extLst>
-          </p:cNvPr>
-          <p:cNvSpPr>
-            <a:spLocks noGrp="1"/>
-          </p:cNvSpPr>
-          <p:nvPr>
-            <p:ph type="title"/>
-          </p:nvPr>
-        </p:nvSpPr>
-        <p:spPr/>
-        <p:txBody>
-          <a:bodyPr/>
-          <a:lstStyle/>
-          <a:p>
-            <a:r>
-              <a:rPr lang="en-US" dirty="0"/>
-              <a:t>Naming Conventions</a:t>
-            </a:r>
-          </a:p>
-        </p:txBody>
-      </p:sp>
-      <p:sp>
-        <p:nvSpPr>
-          <p:cNvPr id="3" name="Content Placeholder 2">
-            <a:extLst>
-              <a:ext uri="{FF2B5EF4-FFF2-40B4-BE49-F238E27FC236}">
-                <a16:creationId xmlns:a16="http://schemas.microsoft.com/office/drawing/2014/main" id="{DB57D6BC-A86E-42D4-E658-52B4732143C0}"/>
-              </a:ext>
-            </a:extLst>
-          </p:cNvPr>
-          <p:cNvSpPr>
-            <a:spLocks noGrp="1"/>
-          </p:cNvSpPr>
-          <p:nvPr>
-            <p:ph idx="1"/>
-          </p:nvPr>
-        </p:nvSpPr>
-        <p:spPr/>
-        <p:txBody>
-          <a:bodyPr>
-            <a:normAutofit/>
-          </a:bodyPr>
-          <a:lstStyle/>
-          <a:p>
-            <a:pPr marL="0" indent="0">
-              <a:buNone/>
-            </a:pPr>
-            <a:r>
-              <a:rPr lang="en-US" dirty="0"/>
-              <a:t>Similar to the folder/file case</a:t>
-            </a:r>
-          </a:p>
-          <a:p>
-            <a:pPr lvl="1"/>
-            <a:r>
-              <a:rPr lang="en-US" dirty="0" err="1"/>
-              <a:t>snake_case</a:t>
-            </a:r>
-            <a:r>
-              <a:rPr lang="en-US" dirty="0"/>
-              <a:t>: </a:t>
-            </a:r>
-            <a:r>
-              <a:rPr lang="en-US" i="1" dirty="0" err="1"/>
-              <a:t>my_variable_name</a:t>
-            </a:r>
-            <a:endParaRPr lang="en-US" dirty="0"/>
-          </a:p>
-          <a:p>
-            <a:pPr lvl="1"/>
-            <a:r>
-              <a:rPr lang="en-US" dirty="0"/>
-              <a:t>camelCase: </a:t>
-            </a:r>
-            <a:r>
-              <a:rPr lang="en-US" dirty="0" err="1"/>
-              <a:t>MyClassName</a:t>
-            </a:r>
-            <a:endParaRPr lang="en-US" dirty="0"/>
-          </a:p>
-          <a:p>
-            <a:pPr marL="0" indent="0">
-              <a:buNone/>
-            </a:pPr>
-            <a:endParaRPr lang="en-US" dirty="0"/>
-          </a:p>
-          <a:p>
-            <a:pPr marL="0" indent="0">
-              <a:buNone/>
-            </a:pPr>
-            <a:r>
-              <a:rPr lang="en-US" dirty="0"/>
-              <a:t>Different programming languages use different conventions.</a:t>
-            </a:r>
-          </a:p>
-          <a:p>
-            <a:pPr lvl="1"/>
-            <a:r>
-              <a:rPr lang="en-US" dirty="0"/>
-              <a:t>consult the conventions of your community</a:t>
-            </a:r>
-          </a:p>
-          <a:p>
-            <a:pPr lvl="1"/>
-            <a:r>
-              <a:rPr lang="en-US" dirty="0"/>
-              <a:t>pay particular attention to:</a:t>
-            </a:r>
-          </a:p>
-          <a:p>
-            <a:pPr lvl="2">
-              <a:buFont typeface="Wingdings" pitchFamily="2" charset="2"/>
-              <a:buChar char="§"/>
-            </a:pPr>
-            <a:r>
-              <a:rPr lang="en-US" dirty="0"/>
-              <a:t>variables</a:t>
-            </a:r>
-          </a:p>
-          <a:p>
-            <a:pPr lvl="2">
-              <a:buFont typeface="Wingdings" pitchFamily="2" charset="2"/>
-              <a:buChar char="§"/>
-            </a:pPr>
-            <a:r>
-              <a:rPr lang="en-US" dirty="0"/>
-              <a:t>constants</a:t>
-            </a:r>
-          </a:p>
-          <a:p>
-            <a:pPr lvl="2">
-              <a:buFont typeface="Wingdings" pitchFamily="2" charset="2"/>
-              <a:buChar char="§"/>
-            </a:pPr>
-            <a:r>
-              <a:rPr lang="en-US" dirty="0"/>
-              <a:t>functions</a:t>
-            </a:r>
-          </a:p>
-          <a:p>
-            <a:pPr lvl="2">
-              <a:buFont typeface="Wingdings" pitchFamily="2" charset="2"/>
-              <a:buChar char="§"/>
-            </a:pPr>
-            <a:r>
-              <a:rPr lang="en-US" dirty="0"/>
-              <a:t>classes</a:t>
-            </a:r>
-          </a:p>
-        </p:txBody>
-      </p:sp>
-    </p:spTree>
-    <p:extLst>
-      <p:ext uri="{BB962C8B-B14F-4D97-AF65-F5344CB8AC3E}">
-        <p14:creationId xmlns:p14="http://schemas.microsoft.com/office/powerpoint/2010/main" val="3456599127"/>
-      </p:ext>
-    </p:extLst>
-  </p:cSld>
-  <p:clrMapOvr>
-    <a:masterClrMapping/>
-  </p:clrMapOvr>
-</p:sld>
-</file>
-
 <file path=ppt/slides/slide2.xml><?xml version="1.0" encoding="utf-8"?>
 <p:sld xmlns:a="http://schemas.openxmlformats.org/drawingml/2006/main" xmlns:r="http://schemas.openxmlformats.org/officeDocument/2006/relationships" xmlns:p="http://schemas.openxmlformats.org/presentationml/2006/main">
   <p:cSld>
@@ -7604,6 +7577,194 @@
           <p:cNvPr id="2" name="Title 1">
             <a:extLst>
               <a:ext uri="{FF2B5EF4-FFF2-40B4-BE49-F238E27FC236}">
+                <a16:creationId xmlns:a16="http://schemas.microsoft.com/office/drawing/2014/main" id="{FA38E451-EF42-F09B-BF0C-94F2615D83B5}"/>
+              </a:ext>
+            </a:extLst>
+          </p:cNvPr>
+          <p:cNvSpPr>
+            <a:spLocks noGrp="1"/>
+          </p:cNvSpPr>
+          <p:nvPr>
+            <p:ph type="title"/>
+          </p:nvPr>
+        </p:nvSpPr>
+        <p:spPr/>
+        <p:txBody>
+          <a:bodyPr/>
+          <a:lstStyle/>
+          <a:p>
+            <a:r>
+              <a:rPr lang="en-US" dirty="0"/>
+              <a:t>Naming Conventions</a:t>
+            </a:r>
+          </a:p>
+        </p:txBody>
+      </p:sp>
+      <p:sp>
+        <p:nvSpPr>
+          <p:cNvPr id="3" name="Content Placeholder 2">
+            <a:extLst>
+              <a:ext uri="{FF2B5EF4-FFF2-40B4-BE49-F238E27FC236}">
+                <a16:creationId xmlns:a16="http://schemas.microsoft.com/office/drawing/2014/main" id="{DB57D6BC-A86E-42D4-E658-52B4732143C0}"/>
+              </a:ext>
+            </a:extLst>
+          </p:cNvPr>
+          <p:cNvSpPr>
+            <a:spLocks noGrp="1"/>
+          </p:cNvSpPr>
+          <p:nvPr>
+            <p:ph idx="1"/>
+          </p:nvPr>
+        </p:nvSpPr>
+        <p:spPr/>
+        <p:txBody>
+          <a:bodyPr>
+            <a:normAutofit/>
+          </a:bodyPr>
+          <a:lstStyle/>
+          <a:p>
+            <a:pPr marL="0" indent="0">
+              <a:buNone/>
+            </a:pPr>
+            <a:r>
+              <a:rPr lang="en-US" dirty="0"/>
+              <a:t>Similar to the folder/file case</a:t>
+            </a:r>
+          </a:p>
+          <a:p>
+            <a:pPr lvl="1"/>
+            <a:r>
+              <a:rPr lang="en-US" dirty="0" err="1"/>
+              <a:t>snake_case</a:t>
+            </a:r>
+            <a:r>
+              <a:rPr lang="en-US" dirty="0"/>
+              <a:t>: </a:t>
+            </a:r>
+            <a:r>
+              <a:rPr lang="en-US" i="1" dirty="0" err="1"/>
+              <a:t>my_variable_name</a:t>
+            </a:r>
+            <a:endParaRPr lang="en-US" dirty="0"/>
+          </a:p>
+          <a:p>
+            <a:pPr lvl="1"/>
+            <a:r>
+              <a:rPr lang="en-US" dirty="0"/>
+              <a:t>camelCase: </a:t>
+            </a:r>
+            <a:r>
+              <a:rPr lang="en-US" dirty="0" err="1"/>
+              <a:t>MyClassName</a:t>
+            </a:r>
+            <a:endParaRPr lang="en-US" dirty="0"/>
+          </a:p>
+          <a:p>
+            <a:pPr marL="0" indent="0">
+              <a:buNone/>
+            </a:pPr>
+            <a:endParaRPr lang="en-US" dirty="0"/>
+          </a:p>
+          <a:p>
+            <a:pPr marL="0" indent="0">
+              <a:buNone/>
+            </a:pPr>
+            <a:r>
+              <a:rPr lang="en-US" dirty="0"/>
+              <a:t>Different programming languages use different conventions.</a:t>
+            </a:r>
+          </a:p>
+          <a:p>
+            <a:pPr lvl="1"/>
+            <a:r>
+              <a:rPr lang="en-US" dirty="0"/>
+              <a:t>consult the conventions of your community</a:t>
+            </a:r>
+          </a:p>
+          <a:p>
+            <a:pPr lvl="1"/>
+            <a:r>
+              <a:rPr lang="en-US" dirty="0"/>
+              <a:t>pay particular attention to:</a:t>
+            </a:r>
+          </a:p>
+          <a:p>
+            <a:pPr lvl="2">
+              <a:buFont typeface="Wingdings" pitchFamily="2" charset="2"/>
+              <a:buChar char="§"/>
+            </a:pPr>
+            <a:r>
+              <a:rPr lang="en-US" dirty="0"/>
+              <a:t>variables</a:t>
+            </a:r>
+          </a:p>
+          <a:p>
+            <a:pPr lvl="2">
+              <a:buFont typeface="Wingdings" pitchFamily="2" charset="2"/>
+              <a:buChar char="§"/>
+            </a:pPr>
+            <a:r>
+              <a:rPr lang="en-US" dirty="0"/>
+              <a:t>constants</a:t>
+            </a:r>
+          </a:p>
+          <a:p>
+            <a:pPr lvl="2">
+              <a:buFont typeface="Wingdings" pitchFamily="2" charset="2"/>
+              <a:buChar char="§"/>
+            </a:pPr>
+            <a:r>
+              <a:rPr lang="en-US" dirty="0"/>
+              <a:t>functions</a:t>
+            </a:r>
+          </a:p>
+          <a:p>
+            <a:pPr lvl="2">
+              <a:buFont typeface="Wingdings" pitchFamily="2" charset="2"/>
+              <a:buChar char="§"/>
+            </a:pPr>
+            <a:r>
+              <a:rPr lang="en-US" dirty="0"/>
+              <a:t>classes</a:t>
+            </a:r>
+          </a:p>
+        </p:txBody>
+      </p:sp>
+    </p:spTree>
+    <p:extLst>
+      <p:ext uri="{BB962C8B-B14F-4D97-AF65-F5344CB8AC3E}">
+        <p14:creationId xmlns:p14="http://schemas.microsoft.com/office/powerpoint/2010/main" val="3456599127"/>
+      </p:ext>
+    </p:extLst>
+  </p:cSld>
+  <p:clrMapOvr>
+    <a:masterClrMapping/>
+  </p:clrMapOvr>
+</p:sld>
+</file>
+
+<file path=ppt/slides/slide21.xml><?xml version="1.0" encoding="utf-8"?>
+<p:sld xmlns:a="http://schemas.openxmlformats.org/drawingml/2006/main" xmlns:r="http://schemas.openxmlformats.org/officeDocument/2006/relationships" xmlns:p="http://schemas.openxmlformats.org/presentationml/2006/main">
+  <p:cSld>
+    <p:spTree>
+      <p:nvGrpSpPr>
+        <p:cNvPr id="1" name=""/>
+        <p:cNvGrpSpPr/>
+        <p:nvPr/>
+      </p:nvGrpSpPr>
+      <p:grpSpPr>
+        <a:xfrm>
+          <a:off x="0" y="0"/>
+          <a:ext cx="0" cy="0"/>
+          <a:chOff x="0" y="0"/>
+          <a:chExt cx="0" cy="0"/>
+        </a:xfrm>
+      </p:grpSpPr>
+      <p:sp>
+        <p:nvSpPr>
+          <p:cNvPr id="2" name="Title 1">
+            <a:extLst>
+              <a:ext uri="{FF2B5EF4-FFF2-40B4-BE49-F238E27FC236}">
                 <a16:creationId xmlns:a16="http://schemas.microsoft.com/office/drawing/2014/main" id="{05DD59E1-6045-0D7A-FD3F-8F59EB55D6BA}"/>
               </a:ext>
             </a:extLst>
@@ -7711,7 +7872,7 @@
 </p:sld>
 </file>
 
-<file path=ppt/slides/slide21.xml><?xml version="1.0" encoding="utf-8"?>
+<file path=ppt/slides/slide22.xml><?xml version="1.0" encoding="utf-8"?>
 <p:sld xmlns:a="http://schemas.openxmlformats.org/drawingml/2006/main" xmlns:r="http://schemas.openxmlformats.org/officeDocument/2006/relationships" xmlns:p="http://schemas.openxmlformats.org/presentationml/2006/main">
   <p:cSld>
     <p:spTree>
@@ -7805,7 +7966,7 @@
 </p:sld>
 </file>
 
-<file path=ppt/slides/slide22.xml><?xml version="1.0" encoding="utf-8"?>
+<file path=ppt/slides/slide23.xml><?xml version="1.0" encoding="utf-8"?>
 <p:sld xmlns:a="http://schemas.openxmlformats.org/drawingml/2006/main" xmlns:r="http://schemas.openxmlformats.org/officeDocument/2006/relationships" xmlns:p="http://schemas.openxmlformats.org/presentationml/2006/main">
   <p:cSld>
     <p:spTree>
@@ -7917,7 +8078,7 @@
 </p:sld>
 </file>
 
-<file path=ppt/slides/slide23.xml><?xml version="1.0" encoding="utf-8"?>
+<file path=ppt/slides/slide24.xml><?xml version="1.0" encoding="utf-8"?>
 <p:sld xmlns:a="http://schemas.openxmlformats.org/drawingml/2006/main" xmlns:r="http://schemas.openxmlformats.org/officeDocument/2006/relationships" xmlns:p="http://schemas.openxmlformats.org/presentationml/2006/main">
   <p:cSld>
     <p:spTree>
@@ -8515,7 +8676,7 @@
 </p:sld>
 </file>
 
-<file path=ppt/slides/slide24.xml><?xml version="1.0" encoding="utf-8"?>
+<file path=ppt/slides/slide25.xml><?xml version="1.0" encoding="utf-8"?>
 <p:sld xmlns:a="http://schemas.openxmlformats.org/drawingml/2006/main" xmlns:r="http://schemas.openxmlformats.org/officeDocument/2006/relationships" xmlns:p="http://schemas.openxmlformats.org/presentationml/2006/main">
   <p:cSld>
     <p:spTree>
@@ -8640,7 +8801,7 @@
 </p:sld>
 </file>
 
-<file path=ppt/slides/slide25.xml><?xml version="1.0" encoding="utf-8"?>
+<file path=ppt/slides/slide26.xml><?xml version="1.0" encoding="utf-8"?>
 <p:sld xmlns:a="http://schemas.openxmlformats.org/drawingml/2006/main" xmlns:r="http://schemas.openxmlformats.org/officeDocument/2006/relationships" xmlns:p="http://schemas.openxmlformats.org/presentationml/2006/main">
   <p:cSld>
     <p:spTree>
@@ -8864,7 +9025,130 @@
 </p:sld>
 </file>
 
-<file path=ppt/slides/slide26.xml><?xml version="1.0" encoding="utf-8"?>
+<file path=ppt/slides/slide27.xml><?xml version="1.0" encoding="utf-8"?>
+<p:sld xmlns:a="http://schemas.openxmlformats.org/drawingml/2006/main" xmlns:r="http://schemas.openxmlformats.org/officeDocument/2006/relationships" xmlns:p="http://schemas.openxmlformats.org/presentationml/2006/main">
+  <p:cSld>
+    <p:spTree>
+      <p:nvGrpSpPr>
+        <p:cNvPr id="1" name=""/>
+        <p:cNvGrpSpPr/>
+        <p:nvPr/>
+      </p:nvGrpSpPr>
+      <p:grpSpPr>
+        <a:xfrm>
+          <a:off x="0" y="0"/>
+          <a:ext cx="0" cy="0"/>
+          <a:chOff x="0" y="0"/>
+          <a:chExt cx="0" cy="0"/>
+        </a:xfrm>
+      </p:grpSpPr>
+      <p:sp>
+        <p:nvSpPr>
+          <p:cNvPr id="2" name="Title 1">
+            <a:extLst>
+              <a:ext uri="{FF2B5EF4-FFF2-40B4-BE49-F238E27FC236}">
+                <a16:creationId xmlns:a16="http://schemas.microsoft.com/office/drawing/2014/main" id="{AD0105EC-C556-EBAA-5BB5-375B2E79F3F9}"/>
+              </a:ext>
+            </a:extLst>
+          </p:cNvPr>
+          <p:cNvSpPr>
+            <a:spLocks noGrp="1"/>
+          </p:cNvSpPr>
+          <p:nvPr>
+            <p:ph type="title"/>
+          </p:nvPr>
+        </p:nvSpPr>
+        <p:spPr/>
+        <p:txBody>
+          <a:bodyPr/>
+          <a:lstStyle/>
+          <a:p>
+            <a:r>
+              <a:rPr lang="en-US" dirty="0">
+                <a:solidFill>
+                  <a:srgbClr val="C00000"/>
+                </a:solidFill>
+              </a:rPr>
+              <a:t>Exercise</a:t>
+            </a:r>
+          </a:p>
+        </p:txBody>
+      </p:sp>
+      <p:sp>
+        <p:nvSpPr>
+          <p:cNvPr id="3" name="Content Placeholder 2">
+            <a:extLst>
+              <a:ext uri="{FF2B5EF4-FFF2-40B4-BE49-F238E27FC236}">
+                <a16:creationId xmlns:a16="http://schemas.microsoft.com/office/drawing/2014/main" id="{A84E0181-CD4E-C54E-7BDD-E1166F53EC86}"/>
+              </a:ext>
+            </a:extLst>
+          </p:cNvPr>
+          <p:cNvSpPr>
+            <a:spLocks noGrp="1"/>
+          </p:cNvSpPr>
+          <p:nvPr>
+            <p:ph idx="1"/>
+          </p:nvPr>
+        </p:nvSpPr>
+        <p:spPr/>
+        <p:txBody>
+          <a:bodyPr/>
+          <a:lstStyle/>
+          <a:p>
+            <a:pPr marL="0" indent="0">
+              <a:buNone/>
+            </a:pPr>
+            <a:r>
+              <a:rPr lang="en-US" dirty="0"/>
+              <a:t>In your exercise folder create a new file with a function computing the volume of a cylinder. Requirements:</a:t>
+            </a:r>
+          </a:p>
+          <a:p>
+            <a:pPr marL="0" indent="0">
+              <a:buNone/>
+            </a:pPr>
+            <a:endParaRPr lang="en-US" dirty="0"/>
+          </a:p>
+          <a:p>
+            <a:r>
+              <a:rPr lang="en-US" dirty="0"/>
+              <a:t>File-level and function-level documentation</a:t>
+            </a:r>
+          </a:p>
+          <a:p>
+            <a:r>
+              <a:rPr lang="en-US" dirty="0"/>
+              <a:t>If you need to use constants, place them at the top of the file</a:t>
+            </a:r>
+          </a:p>
+          <a:p>
+            <a:r>
+              <a:rPr lang="en-US" dirty="0"/>
+              <a:t>Besides constants, the function should not depend on global variables</a:t>
+            </a:r>
+          </a:p>
+          <a:p>
+            <a:endParaRPr lang="en-US" dirty="0"/>
+          </a:p>
+          <a:p>
+            <a:endParaRPr lang="en-US" dirty="0"/>
+          </a:p>
+        </p:txBody>
+      </p:sp>
+    </p:spTree>
+    <p:extLst>
+      <p:ext uri="{BB962C8B-B14F-4D97-AF65-F5344CB8AC3E}">
+        <p14:creationId xmlns:p14="http://schemas.microsoft.com/office/powerpoint/2010/main" val="4198849797"/>
+      </p:ext>
+    </p:extLst>
+  </p:cSld>
+  <p:clrMapOvr>
+    <a:masterClrMapping/>
+  </p:clrMapOvr>
+</p:sld>
+</file>
+
+<file path=ppt/slides/slide28.xml><?xml version="1.0" encoding="utf-8"?>
 <p:sld xmlns:a="http://schemas.openxmlformats.org/drawingml/2006/main" xmlns:r="http://schemas.openxmlformats.org/officeDocument/2006/relationships" xmlns:p="http://schemas.openxmlformats.org/presentationml/2006/main">
   <p:cSld>
     <p:spTree>
@@ -9400,245 +9684,6 @@
 </p:sld>
 </file>
 
-<file path=ppt/slides/slide27.xml><?xml version="1.0" encoding="utf-8"?>
-<p:sld xmlns:a="http://schemas.openxmlformats.org/drawingml/2006/main" xmlns:r="http://schemas.openxmlformats.org/officeDocument/2006/relationships" xmlns:p="http://schemas.openxmlformats.org/presentationml/2006/main">
-  <p:cSld>
-    <p:spTree>
-      <p:nvGrpSpPr>
-        <p:cNvPr id="1" name=""/>
-        <p:cNvGrpSpPr/>
-        <p:nvPr/>
-      </p:nvGrpSpPr>
-      <p:grpSpPr>
-        <a:xfrm>
-          <a:off x="0" y="0"/>
-          <a:ext cx="0" cy="0"/>
-          <a:chOff x="0" y="0"/>
-          <a:chExt cx="0" cy="0"/>
-        </a:xfrm>
-      </p:grpSpPr>
-      <p:sp>
-        <p:nvSpPr>
-          <p:cNvPr id="2" name="Title 1">
-            <a:extLst>
-              <a:ext uri="{FF2B5EF4-FFF2-40B4-BE49-F238E27FC236}">
-                <a16:creationId xmlns:a16="http://schemas.microsoft.com/office/drawing/2014/main" id="{7242942C-5D01-934A-1594-1CD39E8D784B}"/>
-              </a:ext>
-            </a:extLst>
-          </p:cNvPr>
-          <p:cNvSpPr>
-            <a:spLocks noGrp="1"/>
-          </p:cNvSpPr>
-          <p:nvPr>
-            <p:ph type="title"/>
-          </p:nvPr>
-        </p:nvSpPr>
-        <p:spPr/>
-        <p:txBody>
-          <a:bodyPr/>
-          <a:lstStyle/>
-          <a:p>
-            <a:r>
-              <a:rPr lang="en-US" dirty="0"/>
-              <a:t>Configuration Files</a:t>
-            </a:r>
-          </a:p>
-        </p:txBody>
-      </p:sp>
-      <p:sp>
-        <p:nvSpPr>
-          <p:cNvPr id="3" name="Content Placeholder 2">
-            <a:extLst>
-              <a:ext uri="{FF2B5EF4-FFF2-40B4-BE49-F238E27FC236}">
-                <a16:creationId xmlns:a16="http://schemas.microsoft.com/office/drawing/2014/main" id="{F6A1761D-F38E-B5D6-6D23-131737BD982D}"/>
-              </a:ext>
-            </a:extLst>
-          </p:cNvPr>
-          <p:cNvSpPr>
-            <a:spLocks noGrp="1"/>
-          </p:cNvSpPr>
-          <p:nvPr>
-            <p:ph idx="1"/>
-          </p:nvPr>
-        </p:nvSpPr>
-        <p:spPr/>
-        <p:txBody>
-          <a:bodyPr/>
-          <a:lstStyle/>
-          <a:p>
-            <a:r>
-              <a:rPr lang="en-US" dirty="0"/>
-              <a:t>Configuration files are auxiliary files with information about your script:</a:t>
-            </a:r>
-          </a:p>
-          <a:p>
-            <a:pPr lvl="1"/>
-            <a:r>
-              <a:rPr lang="en-US" dirty="0"/>
-              <a:t>parameters</a:t>
-            </a:r>
-          </a:p>
-          <a:p>
-            <a:pPr lvl="1"/>
-            <a:r>
-              <a:rPr lang="en-US" dirty="0"/>
-              <a:t>file directories</a:t>
-            </a:r>
-          </a:p>
-          <a:p>
-            <a:pPr lvl="1"/>
-            <a:r>
-              <a:rPr lang="en-US" dirty="0"/>
-              <a:t>models</a:t>
-            </a:r>
-          </a:p>
-          <a:p>
-            <a:pPr lvl="1"/>
-            <a:r>
-              <a:rPr lang="en-US" dirty="0"/>
-              <a:t>other settings and variables</a:t>
-            </a:r>
-          </a:p>
-          <a:p>
-            <a:r>
-              <a:rPr lang="en-US" dirty="0"/>
-              <a:t>Common types:</a:t>
-            </a:r>
-          </a:p>
-          <a:p>
-            <a:pPr lvl="1"/>
-            <a:r>
-              <a:rPr lang="en-US" dirty="0" err="1"/>
-              <a:t>config.toml</a:t>
-            </a:r>
-            <a:endParaRPr lang="en-US" dirty="0"/>
-          </a:p>
-          <a:p>
-            <a:pPr lvl="1"/>
-            <a:r>
-              <a:rPr lang="en-US" dirty="0" err="1"/>
-              <a:t>config.yaml</a:t>
-            </a:r>
-            <a:endParaRPr lang="en-US" dirty="0"/>
-          </a:p>
-          <a:p>
-            <a:pPr lvl="1"/>
-            <a:r>
-              <a:rPr lang="en-US" dirty="0" err="1"/>
-              <a:t>config.json</a:t>
-            </a:r>
-            <a:endParaRPr lang="en-US" dirty="0"/>
-          </a:p>
-        </p:txBody>
-      </p:sp>
-    </p:spTree>
-    <p:extLst>
-      <p:ext uri="{BB962C8B-B14F-4D97-AF65-F5344CB8AC3E}">
-        <p14:creationId xmlns:p14="http://schemas.microsoft.com/office/powerpoint/2010/main" val="1613235996"/>
-      </p:ext>
-    </p:extLst>
-  </p:cSld>
-  <p:clrMapOvr>
-    <a:masterClrMapping/>
-  </p:clrMapOvr>
-</p:sld>
-</file>
-
-<file path=ppt/slides/slide28.xml><?xml version="1.0" encoding="utf-8"?>
-<p:sld xmlns:a="http://schemas.openxmlformats.org/drawingml/2006/main" xmlns:r="http://schemas.openxmlformats.org/officeDocument/2006/relationships" xmlns:p="http://schemas.openxmlformats.org/presentationml/2006/main">
-  <p:cSld>
-    <p:spTree>
-      <p:nvGrpSpPr>
-        <p:cNvPr id="1" name=""/>
-        <p:cNvGrpSpPr/>
-        <p:nvPr/>
-      </p:nvGrpSpPr>
-      <p:grpSpPr>
-        <a:xfrm>
-          <a:off x="0" y="0"/>
-          <a:ext cx="0" cy="0"/>
-          <a:chOff x="0" y="0"/>
-          <a:chExt cx="0" cy="0"/>
-        </a:xfrm>
-      </p:grpSpPr>
-      <p:sp>
-        <p:nvSpPr>
-          <p:cNvPr id="2" name="Title 1">
-            <a:extLst>
-              <a:ext uri="{FF2B5EF4-FFF2-40B4-BE49-F238E27FC236}">
-                <a16:creationId xmlns:a16="http://schemas.microsoft.com/office/drawing/2014/main" id="{B2BB025C-69CB-7F7F-1400-067C2DF5AC20}"/>
-              </a:ext>
-            </a:extLst>
-          </p:cNvPr>
-          <p:cNvSpPr>
-            <a:spLocks noGrp="1"/>
-          </p:cNvSpPr>
-          <p:nvPr>
-            <p:ph type="title"/>
-          </p:nvPr>
-        </p:nvSpPr>
-        <p:spPr/>
-        <p:txBody>
-          <a:bodyPr/>
-          <a:lstStyle/>
-          <a:p>
-            <a:r>
-              <a:rPr lang="en-US" dirty="0"/>
-              <a:t>Configuration Files</a:t>
-            </a:r>
-          </a:p>
-        </p:txBody>
-      </p:sp>
-      <p:sp>
-        <p:nvSpPr>
-          <p:cNvPr id="3" name="Content Placeholder 2">
-            <a:extLst>
-              <a:ext uri="{FF2B5EF4-FFF2-40B4-BE49-F238E27FC236}">
-                <a16:creationId xmlns:a16="http://schemas.microsoft.com/office/drawing/2014/main" id="{AB73B060-4099-D211-A99D-498CCFF55501}"/>
-              </a:ext>
-            </a:extLst>
-          </p:cNvPr>
-          <p:cNvSpPr>
-            <a:spLocks noGrp="1"/>
-          </p:cNvSpPr>
-          <p:nvPr>
-            <p:ph idx="1"/>
-          </p:nvPr>
-        </p:nvSpPr>
-        <p:spPr/>
-        <p:txBody>
-          <a:bodyPr/>
-          <a:lstStyle/>
-          <a:p>
-            <a:r>
-              <a:rPr lang="en-US" dirty="0"/>
-              <a:t>All you have to do is “load” the configuration at the beginning of your script.</a:t>
-            </a:r>
-          </a:p>
-          <a:p>
-            <a:endParaRPr lang="en-US" dirty="0"/>
-          </a:p>
-          <a:p>
-            <a:r>
-              <a:rPr lang="en-US" dirty="0"/>
-              <a:t>There are packages that help you with specific files.</a:t>
-            </a:r>
-          </a:p>
-        </p:txBody>
-      </p:sp>
-    </p:spTree>
-    <p:extLst>
-      <p:ext uri="{BB962C8B-B14F-4D97-AF65-F5344CB8AC3E}">
-        <p14:creationId xmlns:p14="http://schemas.microsoft.com/office/powerpoint/2010/main" val="1279843461"/>
-      </p:ext>
-    </p:extLst>
-  </p:cSld>
-  <p:clrMapOvr>
-    <a:masterClrMapping/>
-  </p:clrMapOvr>
-</p:sld>
-</file>
-
 <file path=ppt/slides/slide29.xml><?xml version="1.0" encoding="utf-8"?>
 <p:sld xmlns:a="http://schemas.openxmlformats.org/drawingml/2006/main" xmlns:r="http://schemas.openxmlformats.org/officeDocument/2006/relationships" xmlns:p="http://schemas.openxmlformats.org/presentationml/2006/main">
   <p:cSld>
@@ -9661,7 +9706,7 @@
           <p:cNvPr id="2" name="Title 1">
             <a:extLst>
               <a:ext uri="{FF2B5EF4-FFF2-40B4-BE49-F238E27FC236}">
-                <a16:creationId xmlns:a16="http://schemas.microsoft.com/office/drawing/2014/main" id="{80AE4E6B-8F73-B334-13E1-E7569911A3A4}"/>
+                <a16:creationId xmlns:a16="http://schemas.microsoft.com/office/drawing/2014/main" id="{7242942C-5D01-934A-1594-1CD39E8D784B}"/>
               </a:ext>
             </a:extLst>
           </p:cNvPr>
@@ -9678,211 +9723,93 @@
           <a:lstStyle/>
           <a:p>
             <a:r>
-              <a:rPr lang="en-US" dirty="0">
-                <a:solidFill>
-                  <a:schemeClr val="accent6">
-                    <a:lumMod val="75000"/>
-                  </a:schemeClr>
-                </a:solidFill>
-              </a:rPr>
-              <a:t>Example</a:t>
-            </a:r>
-          </a:p>
-        </p:txBody>
-      </p:sp>
-      <p:pic>
-        <p:nvPicPr>
-          <p:cNvPr id="4" name="Picture 3">
-            <a:extLst>
-              <a:ext uri="{FF2B5EF4-FFF2-40B4-BE49-F238E27FC236}">
-                <a16:creationId xmlns:a16="http://schemas.microsoft.com/office/drawing/2014/main" id="{E78B1FE7-5FA9-30C9-0188-ACE74A658048}"/>
-              </a:ext>
-            </a:extLst>
-          </p:cNvPr>
-          <p:cNvPicPr>
-            <a:picLocks noChangeAspect="1"/>
-          </p:cNvPicPr>
-          <p:nvPr/>
-        </p:nvPicPr>
-        <p:blipFill>
-          <a:blip r:embed="rId2"/>
-          <a:stretch>
-            <a:fillRect/>
-          </a:stretch>
-        </p:blipFill>
-        <p:spPr>
-          <a:xfrm>
-            <a:off x="584200" y="1752600"/>
-            <a:ext cx="3617686" cy="2911494"/>
-          </a:xfrm>
-          <a:prstGeom prst="rect">
-            <a:avLst/>
-          </a:prstGeom>
-        </p:spPr>
-      </p:pic>
-      <p:pic>
-        <p:nvPicPr>
-          <p:cNvPr id="5" name="Picture 4">
-            <a:extLst>
-              <a:ext uri="{FF2B5EF4-FFF2-40B4-BE49-F238E27FC236}">
-                <a16:creationId xmlns:a16="http://schemas.microsoft.com/office/drawing/2014/main" id="{DBB90166-41A0-3BB1-FB4C-55CB15564EA8}"/>
-              </a:ext>
-            </a:extLst>
-          </p:cNvPr>
-          <p:cNvPicPr>
-            <a:picLocks noChangeAspect="1"/>
-          </p:cNvPicPr>
-          <p:nvPr/>
-        </p:nvPicPr>
-        <p:blipFill>
-          <a:blip r:embed="rId3"/>
-          <a:stretch>
-            <a:fillRect/>
-          </a:stretch>
-        </p:blipFill>
-        <p:spPr>
-          <a:xfrm>
-            <a:off x="4426858" y="1788479"/>
-            <a:ext cx="3715657" cy="2823411"/>
-          </a:xfrm>
-          <a:prstGeom prst="rect">
-            <a:avLst/>
-          </a:prstGeom>
-        </p:spPr>
-      </p:pic>
-      <p:pic>
-        <p:nvPicPr>
-          <p:cNvPr id="6" name="Picture 5">
-            <a:extLst>
-              <a:ext uri="{FF2B5EF4-FFF2-40B4-BE49-F238E27FC236}">
-                <a16:creationId xmlns:a16="http://schemas.microsoft.com/office/drawing/2014/main" id="{2CE41036-ECCF-3D0A-97DE-99044EF07A53}"/>
-              </a:ext>
-            </a:extLst>
-          </p:cNvPr>
-          <p:cNvPicPr>
-            <a:picLocks noChangeAspect="1"/>
-          </p:cNvPicPr>
-          <p:nvPr/>
-        </p:nvPicPr>
-        <p:blipFill>
-          <a:blip r:embed="rId4"/>
-          <a:stretch>
-            <a:fillRect/>
-          </a:stretch>
-        </p:blipFill>
-        <p:spPr>
-          <a:xfrm>
-            <a:off x="8418285" y="1778898"/>
-            <a:ext cx="3392714" cy="2891982"/>
-          </a:xfrm>
-          <a:prstGeom prst="rect">
-            <a:avLst/>
-          </a:prstGeom>
-        </p:spPr>
-      </p:pic>
-      <p:sp>
-        <p:nvSpPr>
-          <p:cNvPr id="7" name="TextBox 6">
-            <a:extLst>
-              <a:ext uri="{FF2B5EF4-FFF2-40B4-BE49-F238E27FC236}">
-                <a16:creationId xmlns:a16="http://schemas.microsoft.com/office/drawing/2014/main" id="{B7BD6A57-9681-5C94-8327-6B4F150FA6A6}"/>
-              </a:ext>
-            </a:extLst>
-          </p:cNvPr>
-          <p:cNvSpPr txBox="1"/>
-          <p:nvPr/>
-        </p:nvSpPr>
-        <p:spPr>
-          <a:xfrm>
-            <a:off x="9579429" y="5116285"/>
-            <a:ext cx="1281120" cy="369332"/>
-          </a:xfrm>
-          <a:prstGeom prst="rect">
-            <a:avLst/>
-          </a:prstGeom>
-          <a:noFill/>
-        </p:spPr>
-        <p:txBody>
-          <a:bodyPr wrap="none" rtlCol="0">
-            <a:spAutoFit/>
-          </a:bodyPr>
-          <a:lstStyle/>
-          <a:p>
+              <a:rPr lang="en-US" dirty="0"/>
+              <a:t>Configuration Files</a:t>
+            </a:r>
+          </a:p>
+        </p:txBody>
+      </p:sp>
+      <p:sp>
+        <p:nvSpPr>
+          <p:cNvPr id="3" name="Content Placeholder 2">
+            <a:extLst>
+              <a:ext uri="{FF2B5EF4-FFF2-40B4-BE49-F238E27FC236}">
+                <a16:creationId xmlns:a16="http://schemas.microsoft.com/office/drawing/2014/main" id="{F6A1761D-F38E-B5D6-6D23-131737BD982D}"/>
+              </a:ext>
+            </a:extLst>
+          </p:cNvPr>
+          <p:cNvSpPr>
+            <a:spLocks noGrp="1"/>
+          </p:cNvSpPr>
+          <p:nvPr>
+            <p:ph idx="1"/>
+          </p:nvPr>
+        </p:nvSpPr>
+        <p:spPr/>
+        <p:txBody>
+          <a:bodyPr/>
+          <a:lstStyle/>
+          <a:p>
+            <a:r>
+              <a:rPr lang="en-US" dirty="0"/>
+              <a:t>Configuration files are auxiliary files with information about your script:</a:t>
+            </a:r>
+          </a:p>
+          <a:p>
+            <a:pPr lvl="1"/>
+            <a:r>
+              <a:rPr lang="en-US" dirty="0"/>
+              <a:t>parameters</a:t>
+            </a:r>
+          </a:p>
+          <a:p>
+            <a:pPr lvl="1"/>
+            <a:r>
+              <a:rPr lang="en-US" dirty="0"/>
+              <a:t>file directories</a:t>
+            </a:r>
+          </a:p>
+          <a:p>
+            <a:pPr lvl="1"/>
+            <a:r>
+              <a:rPr lang="en-US" dirty="0"/>
+              <a:t>models</a:t>
+            </a:r>
+          </a:p>
+          <a:p>
+            <a:pPr lvl="1"/>
+            <a:r>
+              <a:rPr lang="en-US" dirty="0"/>
+              <a:t>other settings and variables</a:t>
+            </a:r>
+          </a:p>
+          <a:p>
+            <a:r>
+              <a:rPr lang="en-US" dirty="0"/>
+              <a:t>Common types:</a:t>
+            </a:r>
+          </a:p>
+          <a:p>
+            <a:pPr lvl="1"/>
+            <a:r>
+              <a:rPr lang="en-US" dirty="0" err="1"/>
+              <a:t>config.toml</a:t>
+            </a:r>
+            <a:endParaRPr lang="en-US" dirty="0"/>
+          </a:p>
+          <a:p>
+            <a:pPr lvl="1"/>
+            <a:r>
+              <a:rPr lang="en-US" dirty="0" err="1"/>
+              <a:t>config.yaml</a:t>
+            </a:r>
+            <a:endParaRPr lang="en-US" dirty="0"/>
+          </a:p>
+          <a:p>
+            <a:pPr lvl="1"/>
             <a:r>
               <a:rPr lang="en-US" dirty="0" err="1"/>
               <a:t>config.json</a:t>
-            </a:r>
-            <a:endParaRPr lang="en-US" dirty="0"/>
-          </a:p>
-        </p:txBody>
-      </p:sp>
-      <p:sp>
-        <p:nvSpPr>
-          <p:cNvPr id="8" name="TextBox 7">
-            <a:extLst>
-              <a:ext uri="{FF2B5EF4-FFF2-40B4-BE49-F238E27FC236}">
-                <a16:creationId xmlns:a16="http://schemas.microsoft.com/office/drawing/2014/main" id="{29E89430-EC02-2436-9AB0-2BFB46757DE5}"/>
-              </a:ext>
-            </a:extLst>
-          </p:cNvPr>
-          <p:cNvSpPr txBox="1"/>
-          <p:nvPr/>
-        </p:nvSpPr>
-        <p:spPr>
-          <a:xfrm>
-            <a:off x="4985657" y="5116285"/>
-            <a:ext cx="1327671" cy="369332"/>
-          </a:xfrm>
-          <a:prstGeom prst="rect">
-            <a:avLst/>
-          </a:prstGeom>
-          <a:noFill/>
-        </p:spPr>
-        <p:txBody>
-          <a:bodyPr wrap="none" rtlCol="0">
-            <a:spAutoFit/>
-          </a:bodyPr>
-          <a:lstStyle/>
-          <a:p>
-            <a:r>
-              <a:rPr lang="en-US" dirty="0" err="1"/>
-              <a:t>config.yaml</a:t>
-            </a:r>
-            <a:endParaRPr lang="en-US" dirty="0"/>
-          </a:p>
-        </p:txBody>
-      </p:sp>
-      <p:sp>
-        <p:nvSpPr>
-          <p:cNvPr id="9" name="TextBox 8">
-            <a:extLst>
-              <a:ext uri="{FF2B5EF4-FFF2-40B4-BE49-F238E27FC236}">
-                <a16:creationId xmlns:a16="http://schemas.microsoft.com/office/drawing/2014/main" id="{2B2F2853-5673-394D-2E3E-86A58D8A8EA8}"/>
-              </a:ext>
-            </a:extLst>
-          </p:cNvPr>
-          <p:cNvSpPr txBox="1"/>
-          <p:nvPr/>
-        </p:nvSpPr>
-        <p:spPr>
-          <a:xfrm>
-            <a:off x="1164771" y="5116285"/>
-            <a:ext cx="1308628" cy="369332"/>
-          </a:xfrm>
-          <a:prstGeom prst="rect">
-            <a:avLst/>
-          </a:prstGeom>
-          <a:noFill/>
-        </p:spPr>
-        <p:txBody>
-          <a:bodyPr wrap="none" rtlCol="0">
-            <a:spAutoFit/>
-          </a:bodyPr>
-          <a:lstStyle/>
-          <a:p>
-            <a:r>
-              <a:rPr lang="en-US" dirty="0" err="1"/>
-              <a:t>config.toml</a:t>
             </a:r>
             <a:endParaRPr lang="en-US" dirty="0"/>
           </a:p>
@@ -9891,7 +9818,7 @@
     </p:spTree>
     <p:extLst>
       <p:ext uri="{BB962C8B-B14F-4D97-AF65-F5344CB8AC3E}">
-        <p14:creationId xmlns:p14="http://schemas.microsoft.com/office/powerpoint/2010/main" val="1413120108"/>
+        <p14:creationId xmlns:p14="http://schemas.microsoft.com/office/powerpoint/2010/main" val="1613235996"/>
       </p:ext>
     </p:extLst>
   </p:cSld>
@@ -10071,6 +9998,363 @@
           <p:cNvPr id="2" name="Title 1">
             <a:extLst>
               <a:ext uri="{FF2B5EF4-FFF2-40B4-BE49-F238E27FC236}">
+                <a16:creationId xmlns:a16="http://schemas.microsoft.com/office/drawing/2014/main" id="{B2BB025C-69CB-7F7F-1400-067C2DF5AC20}"/>
+              </a:ext>
+            </a:extLst>
+          </p:cNvPr>
+          <p:cNvSpPr>
+            <a:spLocks noGrp="1"/>
+          </p:cNvSpPr>
+          <p:nvPr>
+            <p:ph type="title"/>
+          </p:nvPr>
+        </p:nvSpPr>
+        <p:spPr/>
+        <p:txBody>
+          <a:bodyPr/>
+          <a:lstStyle/>
+          <a:p>
+            <a:r>
+              <a:rPr lang="en-US" dirty="0"/>
+              <a:t>Configuration Files</a:t>
+            </a:r>
+          </a:p>
+        </p:txBody>
+      </p:sp>
+      <p:sp>
+        <p:nvSpPr>
+          <p:cNvPr id="3" name="Content Placeholder 2">
+            <a:extLst>
+              <a:ext uri="{FF2B5EF4-FFF2-40B4-BE49-F238E27FC236}">
+                <a16:creationId xmlns:a16="http://schemas.microsoft.com/office/drawing/2014/main" id="{AB73B060-4099-D211-A99D-498CCFF55501}"/>
+              </a:ext>
+            </a:extLst>
+          </p:cNvPr>
+          <p:cNvSpPr>
+            <a:spLocks noGrp="1"/>
+          </p:cNvSpPr>
+          <p:nvPr>
+            <p:ph idx="1"/>
+          </p:nvPr>
+        </p:nvSpPr>
+        <p:spPr/>
+        <p:txBody>
+          <a:bodyPr/>
+          <a:lstStyle/>
+          <a:p>
+            <a:r>
+              <a:rPr lang="en-US" dirty="0"/>
+              <a:t>All you have to do is “load” the configuration at the beginning of your script.</a:t>
+            </a:r>
+          </a:p>
+          <a:p>
+            <a:endParaRPr lang="en-US" dirty="0"/>
+          </a:p>
+          <a:p>
+            <a:r>
+              <a:rPr lang="en-US" dirty="0"/>
+              <a:t>There are packages that help you with specific files.</a:t>
+            </a:r>
+          </a:p>
+        </p:txBody>
+      </p:sp>
+    </p:spTree>
+    <p:extLst>
+      <p:ext uri="{BB962C8B-B14F-4D97-AF65-F5344CB8AC3E}">
+        <p14:creationId xmlns:p14="http://schemas.microsoft.com/office/powerpoint/2010/main" val="1279843461"/>
+      </p:ext>
+    </p:extLst>
+  </p:cSld>
+  <p:clrMapOvr>
+    <a:masterClrMapping/>
+  </p:clrMapOvr>
+</p:sld>
+</file>
+
+<file path=ppt/slides/slide31.xml><?xml version="1.0" encoding="utf-8"?>
+<p:sld xmlns:a="http://schemas.openxmlformats.org/drawingml/2006/main" xmlns:r="http://schemas.openxmlformats.org/officeDocument/2006/relationships" xmlns:p="http://schemas.openxmlformats.org/presentationml/2006/main">
+  <p:cSld>
+    <p:spTree>
+      <p:nvGrpSpPr>
+        <p:cNvPr id="1" name=""/>
+        <p:cNvGrpSpPr/>
+        <p:nvPr/>
+      </p:nvGrpSpPr>
+      <p:grpSpPr>
+        <a:xfrm>
+          <a:off x="0" y="0"/>
+          <a:ext cx="0" cy="0"/>
+          <a:chOff x="0" y="0"/>
+          <a:chExt cx="0" cy="0"/>
+        </a:xfrm>
+      </p:grpSpPr>
+      <p:sp>
+        <p:nvSpPr>
+          <p:cNvPr id="2" name="Title 1">
+            <a:extLst>
+              <a:ext uri="{FF2B5EF4-FFF2-40B4-BE49-F238E27FC236}">
+                <a16:creationId xmlns:a16="http://schemas.microsoft.com/office/drawing/2014/main" id="{80AE4E6B-8F73-B334-13E1-E7569911A3A4}"/>
+              </a:ext>
+            </a:extLst>
+          </p:cNvPr>
+          <p:cNvSpPr>
+            <a:spLocks noGrp="1"/>
+          </p:cNvSpPr>
+          <p:nvPr>
+            <p:ph type="title"/>
+          </p:nvPr>
+        </p:nvSpPr>
+        <p:spPr/>
+        <p:txBody>
+          <a:bodyPr/>
+          <a:lstStyle/>
+          <a:p>
+            <a:r>
+              <a:rPr lang="en-US" dirty="0">
+                <a:solidFill>
+                  <a:schemeClr val="accent6">
+                    <a:lumMod val="75000"/>
+                  </a:schemeClr>
+                </a:solidFill>
+              </a:rPr>
+              <a:t>Example</a:t>
+            </a:r>
+          </a:p>
+        </p:txBody>
+      </p:sp>
+      <p:pic>
+        <p:nvPicPr>
+          <p:cNvPr id="4" name="Picture 3">
+            <a:extLst>
+              <a:ext uri="{FF2B5EF4-FFF2-40B4-BE49-F238E27FC236}">
+                <a16:creationId xmlns:a16="http://schemas.microsoft.com/office/drawing/2014/main" id="{E78B1FE7-5FA9-30C9-0188-ACE74A658048}"/>
+              </a:ext>
+            </a:extLst>
+          </p:cNvPr>
+          <p:cNvPicPr>
+            <a:picLocks noChangeAspect="1"/>
+          </p:cNvPicPr>
+          <p:nvPr/>
+        </p:nvPicPr>
+        <p:blipFill>
+          <a:blip r:embed="rId2"/>
+          <a:stretch>
+            <a:fillRect/>
+          </a:stretch>
+        </p:blipFill>
+        <p:spPr>
+          <a:xfrm>
+            <a:off x="584200" y="1752600"/>
+            <a:ext cx="3617686" cy="2911494"/>
+          </a:xfrm>
+          <a:prstGeom prst="rect">
+            <a:avLst/>
+          </a:prstGeom>
+        </p:spPr>
+      </p:pic>
+      <p:pic>
+        <p:nvPicPr>
+          <p:cNvPr id="5" name="Picture 4">
+            <a:extLst>
+              <a:ext uri="{FF2B5EF4-FFF2-40B4-BE49-F238E27FC236}">
+                <a16:creationId xmlns:a16="http://schemas.microsoft.com/office/drawing/2014/main" id="{DBB90166-41A0-3BB1-FB4C-55CB15564EA8}"/>
+              </a:ext>
+            </a:extLst>
+          </p:cNvPr>
+          <p:cNvPicPr>
+            <a:picLocks noChangeAspect="1"/>
+          </p:cNvPicPr>
+          <p:nvPr/>
+        </p:nvPicPr>
+        <p:blipFill>
+          <a:blip r:embed="rId3"/>
+          <a:stretch>
+            <a:fillRect/>
+          </a:stretch>
+        </p:blipFill>
+        <p:spPr>
+          <a:xfrm>
+            <a:off x="4426858" y="1788479"/>
+            <a:ext cx="3715657" cy="2823411"/>
+          </a:xfrm>
+          <a:prstGeom prst="rect">
+            <a:avLst/>
+          </a:prstGeom>
+        </p:spPr>
+      </p:pic>
+      <p:pic>
+        <p:nvPicPr>
+          <p:cNvPr id="6" name="Picture 5">
+            <a:extLst>
+              <a:ext uri="{FF2B5EF4-FFF2-40B4-BE49-F238E27FC236}">
+                <a16:creationId xmlns:a16="http://schemas.microsoft.com/office/drawing/2014/main" id="{2CE41036-ECCF-3D0A-97DE-99044EF07A53}"/>
+              </a:ext>
+            </a:extLst>
+          </p:cNvPr>
+          <p:cNvPicPr>
+            <a:picLocks noChangeAspect="1"/>
+          </p:cNvPicPr>
+          <p:nvPr/>
+        </p:nvPicPr>
+        <p:blipFill>
+          <a:blip r:embed="rId4"/>
+          <a:stretch>
+            <a:fillRect/>
+          </a:stretch>
+        </p:blipFill>
+        <p:spPr>
+          <a:xfrm>
+            <a:off x="8418285" y="1778898"/>
+            <a:ext cx="3392714" cy="2891982"/>
+          </a:xfrm>
+          <a:prstGeom prst="rect">
+            <a:avLst/>
+          </a:prstGeom>
+        </p:spPr>
+      </p:pic>
+      <p:sp>
+        <p:nvSpPr>
+          <p:cNvPr id="7" name="TextBox 6">
+            <a:extLst>
+              <a:ext uri="{FF2B5EF4-FFF2-40B4-BE49-F238E27FC236}">
+                <a16:creationId xmlns:a16="http://schemas.microsoft.com/office/drawing/2014/main" id="{B7BD6A57-9681-5C94-8327-6B4F150FA6A6}"/>
+              </a:ext>
+            </a:extLst>
+          </p:cNvPr>
+          <p:cNvSpPr txBox="1"/>
+          <p:nvPr/>
+        </p:nvSpPr>
+        <p:spPr>
+          <a:xfrm>
+            <a:off x="9579429" y="5116285"/>
+            <a:ext cx="1281120" cy="369332"/>
+          </a:xfrm>
+          <a:prstGeom prst="rect">
+            <a:avLst/>
+          </a:prstGeom>
+          <a:noFill/>
+        </p:spPr>
+        <p:txBody>
+          <a:bodyPr wrap="none" rtlCol="0">
+            <a:spAutoFit/>
+          </a:bodyPr>
+          <a:lstStyle/>
+          <a:p>
+            <a:r>
+              <a:rPr lang="en-US" dirty="0" err="1"/>
+              <a:t>config.json</a:t>
+            </a:r>
+            <a:endParaRPr lang="en-US" dirty="0"/>
+          </a:p>
+        </p:txBody>
+      </p:sp>
+      <p:sp>
+        <p:nvSpPr>
+          <p:cNvPr id="8" name="TextBox 7">
+            <a:extLst>
+              <a:ext uri="{FF2B5EF4-FFF2-40B4-BE49-F238E27FC236}">
+                <a16:creationId xmlns:a16="http://schemas.microsoft.com/office/drawing/2014/main" id="{29E89430-EC02-2436-9AB0-2BFB46757DE5}"/>
+              </a:ext>
+            </a:extLst>
+          </p:cNvPr>
+          <p:cNvSpPr txBox="1"/>
+          <p:nvPr/>
+        </p:nvSpPr>
+        <p:spPr>
+          <a:xfrm>
+            <a:off x="4985657" y="5116285"/>
+            <a:ext cx="1327671" cy="369332"/>
+          </a:xfrm>
+          <a:prstGeom prst="rect">
+            <a:avLst/>
+          </a:prstGeom>
+          <a:noFill/>
+        </p:spPr>
+        <p:txBody>
+          <a:bodyPr wrap="none" rtlCol="0">
+            <a:spAutoFit/>
+          </a:bodyPr>
+          <a:lstStyle/>
+          <a:p>
+            <a:r>
+              <a:rPr lang="en-US" dirty="0" err="1"/>
+              <a:t>config.yaml</a:t>
+            </a:r>
+            <a:endParaRPr lang="en-US" dirty="0"/>
+          </a:p>
+        </p:txBody>
+      </p:sp>
+      <p:sp>
+        <p:nvSpPr>
+          <p:cNvPr id="9" name="TextBox 8">
+            <a:extLst>
+              <a:ext uri="{FF2B5EF4-FFF2-40B4-BE49-F238E27FC236}">
+                <a16:creationId xmlns:a16="http://schemas.microsoft.com/office/drawing/2014/main" id="{2B2F2853-5673-394D-2E3E-86A58D8A8EA8}"/>
+              </a:ext>
+            </a:extLst>
+          </p:cNvPr>
+          <p:cNvSpPr txBox="1"/>
+          <p:nvPr/>
+        </p:nvSpPr>
+        <p:spPr>
+          <a:xfrm>
+            <a:off x="1164771" y="5116285"/>
+            <a:ext cx="1308628" cy="369332"/>
+          </a:xfrm>
+          <a:prstGeom prst="rect">
+            <a:avLst/>
+          </a:prstGeom>
+          <a:noFill/>
+        </p:spPr>
+        <p:txBody>
+          <a:bodyPr wrap="none" rtlCol="0">
+            <a:spAutoFit/>
+          </a:bodyPr>
+          <a:lstStyle/>
+          <a:p>
+            <a:r>
+              <a:rPr lang="en-US" dirty="0" err="1"/>
+              <a:t>config.toml</a:t>
+            </a:r>
+            <a:endParaRPr lang="en-US" dirty="0"/>
+          </a:p>
+        </p:txBody>
+      </p:sp>
+    </p:spTree>
+    <p:extLst>
+      <p:ext uri="{BB962C8B-B14F-4D97-AF65-F5344CB8AC3E}">
+        <p14:creationId xmlns:p14="http://schemas.microsoft.com/office/powerpoint/2010/main" val="1413120108"/>
+      </p:ext>
+    </p:extLst>
+  </p:cSld>
+  <p:clrMapOvr>
+    <a:masterClrMapping/>
+  </p:clrMapOvr>
+</p:sld>
+</file>
+
+<file path=ppt/slides/slide32.xml><?xml version="1.0" encoding="utf-8"?>
+<p:sld xmlns:a="http://schemas.openxmlformats.org/drawingml/2006/main" xmlns:r="http://schemas.openxmlformats.org/officeDocument/2006/relationships" xmlns:p="http://schemas.openxmlformats.org/presentationml/2006/main">
+  <p:cSld>
+    <p:spTree>
+      <p:nvGrpSpPr>
+        <p:cNvPr id="1" name=""/>
+        <p:cNvGrpSpPr/>
+        <p:nvPr/>
+      </p:nvGrpSpPr>
+      <p:grpSpPr>
+        <a:xfrm>
+          <a:off x="0" y="0"/>
+          <a:ext cx="0" cy="0"/>
+          <a:chOff x="0" y="0"/>
+          <a:chExt cx="0" cy="0"/>
+        </a:xfrm>
+      </p:grpSpPr>
+      <p:sp>
+        <p:nvSpPr>
+          <p:cNvPr id="2" name="Title 1">
+            <a:extLst>
+              <a:ext uri="{FF2B5EF4-FFF2-40B4-BE49-F238E27FC236}">
                 <a16:creationId xmlns:a16="http://schemas.microsoft.com/office/drawing/2014/main" id="{D5BEF9FE-071F-5250-1F15-31B1B71BC6A8}"/>
               </a:ext>
             </a:extLst>
@@ -10177,7 +10461,7 @@
 </p:sld>
 </file>
 
-<file path=ppt/slides/slide31.xml><?xml version="1.0" encoding="utf-8"?>
+<file path=ppt/slides/slide33.xml><?xml version="1.0" encoding="utf-8"?>
 <p:sld xmlns:a="http://schemas.openxmlformats.org/drawingml/2006/main" xmlns:r="http://schemas.openxmlformats.org/officeDocument/2006/relationships" xmlns:p="http://schemas.openxmlformats.org/presentationml/2006/main">
   <p:cSld>
     <p:spTree>
@@ -10277,232 +10561,6 @@
 </p:sld>
 </file>
 
-<file path=ppt/slides/slide32.xml><?xml version="1.0" encoding="utf-8"?>
-<p:sld xmlns:a="http://schemas.openxmlformats.org/drawingml/2006/main" xmlns:r="http://schemas.openxmlformats.org/officeDocument/2006/relationships" xmlns:p="http://schemas.openxmlformats.org/presentationml/2006/main">
-  <p:cSld>
-    <p:spTree>
-      <p:nvGrpSpPr>
-        <p:cNvPr id="1" name=""/>
-        <p:cNvGrpSpPr/>
-        <p:nvPr/>
-      </p:nvGrpSpPr>
-      <p:grpSpPr>
-        <a:xfrm>
-          <a:off x="0" y="0"/>
-          <a:ext cx="0" cy="0"/>
-          <a:chOff x="0" y="0"/>
-          <a:chExt cx="0" cy="0"/>
-        </a:xfrm>
-      </p:grpSpPr>
-      <p:sp>
-        <p:nvSpPr>
-          <p:cNvPr id="2" name="Title 1">
-            <a:extLst>
-              <a:ext uri="{FF2B5EF4-FFF2-40B4-BE49-F238E27FC236}">
-                <a16:creationId xmlns:a16="http://schemas.microsoft.com/office/drawing/2014/main" id="{3BB2D1F9-7EBF-6B02-3564-1FF2B2E60B95}"/>
-              </a:ext>
-            </a:extLst>
-          </p:cNvPr>
-          <p:cNvSpPr>
-            <a:spLocks noGrp="1"/>
-          </p:cNvSpPr>
-          <p:nvPr>
-            <p:ph type="title"/>
-          </p:nvPr>
-        </p:nvSpPr>
-        <p:spPr/>
-        <p:txBody>
-          <a:bodyPr/>
-          <a:lstStyle/>
-          <a:p>
-            <a:r>
-              <a:rPr lang="en-US" dirty="0"/>
-              <a:t>Secrets - Collaboration</a:t>
-            </a:r>
-          </a:p>
-        </p:txBody>
-      </p:sp>
-      <p:sp>
-        <p:nvSpPr>
-          <p:cNvPr id="3" name="Content Placeholder 2">
-            <a:extLst>
-              <a:ext uri="{FF2B5EF4-FFF2-40B4-BE49-F238E27FC236}">
-                <a16:creationId xmlns:a16="http://schemas.microsoft.com/office/drawing/2014/main" id="{1356D6C8-FFBF-BCB2-E2E1-76675118D4B0}"/>
-              </a:ext>
-            </a:extLst>
-          </p:cNvPr>
-          <p:cNvSpPr>
-            <a:spLocks noGrp="1"/>
-          </p:cNvSpPr>
-          <p:nvPr>
-            <p:ph idx="1"/>
-          </p:nvPr>
-        </p:nvSpPr>
-        <p:spPr/>
-        <p:txBody>
-          <a:bodyPr/>
-          <a:lstStyle/>
-          <a:p>
-            <a:r>
-              <a:rPr lang="en-US" dirty="0"/>
-              <a:t>You may want to provide a template for collaborators for the .env file:</a:t>
-            </a:r>
-          </a:p>
-          <a:p>
-            <a:pPr lvl="1"/>
-            <a:r>
-              <a:rPr lang="en-US" dirty="0" err="1"/>
-              <a:t>template.env</a:t>
-            </a:r>
-            <a:endParaRPr lang="en-US" dirty="0"/>
-          </a:p>
-          <a:p>
-            <a:pPr lvl="1"/>
-            <a:r>
-              <a:rPr lang="en-US" dirty="0"/>
-              <a:t>.</a:t>
-            </a:r>
-            <a:r>
-              <a:rPr lang="en-US" dirty="0" err="1"/>
-              <a:t>env.example</a:t>
-            </a:r>
-            <a:endParaRPr lang="en-US" dirty="0"/>
-          </a:p>
-          <a:p>
-            <a:pPr lvl="1"/>
-            <a:r>
-              <a:rPr lang="en-US" dirty="0"/>
-              <a:t>in the readme file</a:t>
-            </a:r>
-          </a:p>
-        </p:txBody>
-      </p:sp>
-    </p:spTree>
-    <p:extLst>
-      <p:ext uri="{BB962C8B-B14F-4D97-AF65-F5344CB8AC3E}">
-        <p14:creationId xmlns:p14="http://schemas.microsoft.com/office/powerpoint/2010/main" val="3939715400"/>
-      </p:ext>
-    </p:extLst>
-  </p:cSld>
-  <p:clrMapOvr>
-    <a:masterClrMapping/>
-  </p:clrMapOvr>
-</p:sld>
-</file>
-
-<file path=ppt/slides/slide33.xml><?xml version="1.0" encoding="utf-8"?>
-<p:sld xmlns:a="http://schemas.openxmlformats.org/drawingml/2006/main" xmlns:r="http://schemas.openxmlformats.org/officeDocument/2006/relationships" xmlns:p="http://schemas.openxmlformats.org/presentationml/2006/main">
-  <p:cSld>
-    <p:spTree>
-      <p:nvGrpSpPr>
-        <p:cNvPr id="1" name=""/>
-        <p:cNvGrpSpPr/>
-        <p:nvPr/>
-      </p:nvGrpSpPr>
-      <p:grpSpPr>
-        <a:xfrm>
-          <a:off x="0" y="0"/>
-          <a:ext cx="0" cy="0"/>
-          <a:chOff x="0" y="0"/>
-          <a:chExt cx="0" cy="0"/>
-        </a:xfrm>
-      </p:grpSpPr>
-      <p:sp>
-        <p:nvSpPr>
-          <p:cNvPr id="2" name="Title 1">
-            <a:extLst>
-              <a:ext uri="{FF2B5EF4-FFF2-40B4-BE49-F238E27FC236}">
-                <a16:creationId xmlns:a16="http://schemas.microsoft.com/office/drawing/2014/main" id="{203C84FC-645E-A4F2-E9C5-E48937FF069A}"/>
-              </a:ext>
-            </a:extLst>
-          </p:cNvPr>
-          <p:cNvSpPr>
-            <a:spLocks noGrp="1"/>
-          </p:cNvSpPr>
-          <p:nvPr>
-            <p:ph type="title"/>
-          </p:nvPr>
-        </p:nvSpPr>
-        <p:spPr/>
-        <p:txBody>
-          <a:bodyPr/>
-          <a:lstStyle/>
-          <a:p>
-            <a:r>
-              <a:rPr lang="en-US" dirty="0"/>
-              <a:t>Path Management</a:t>
-            </a:r>
-          </a:p>
-        </p:txBody>
-      </p:sp>
-      <p:sp>
-        <p:nvSpPr>
-          <p:cNvPr id="3" name="Content Placeholder 2">
-            <a:extLst>
-              <a:ext uri="{FF2B5EF4-FFF2-40B4-BE49-F238E27FC236}">
-                <a16:creationId xmlns:a16="http://schemas.microsoft.com/office/drawing/2014/main" id="{4B0EFD42-E445-98B0-BB39-8C1CAE9BFAE7}"/>
-              </a:ext>
-            </a:extLst>
-          </p:cNvPr>
-          <p:cNvSpPr>
-            <a:spLocks noGrp="1"/>
-          </p:cNvSpPr>
-          <p:nvPr>
-            <p:ph idx="1"/>
-          </p:nvPr>
-        </p:nvSpPr>
-        <p:spPr/>
-        <p:txBody>
-          <a:bodyPr/>
-          <a:lstStyle/>
-          <a:p>
-            <a:r>
-              <a:rPr lang="en-US" dirty="0"/>
-              <a:t>Don’t hardcode!</a:t>
-            </a:r>
-          </a:p>
-          <a:p>
-            <a:r>
-              <a:rPr lang="en-US" dirty="0"/>
-              <a:t>Save </a:t>
-            </a:r>
-            <a:r>
-              <a:rPr lang="en-US" i="1" dirty="0"/>
-              <a:t>relative paths</a:t>
-            </a:r>
-            <a:r>
-              <a:rPr lang="en-US" dirty="0"/>
-              <a:t> (relative from project’s “root”) in config files</a:t>
-            </a:r>
-          </a:p>
-          <a:p>
-            <a:r>
-              <a:rPr lang="en-US" dirty="0"/>
-              <a:t>Make sure script is run from project’s root</a:t>
-            </a:r>
-          </a:p>
-          <a:p>
-            <a:pPr lvl="1"/>
-            <a:r>
-              <a:rPr lang="en-US" dirty="0"/>
-              <a:t>provide info on how to do it in readme file if necessary</a:t>
-            </a:r>
-          </a:p>
-        </p:txBody>
-      </p:sp>
-    </p:spTree>
-    <p:extLst>
-      <p:ext uri="{BB962C8B-B14F-4D97-AF65-F5344CB8AC3E}">
-        <p14:creationId xmlns:p14="http://schemas.microsoft.com/office/powerpoint/2010/main" val="1730380459"/>
-      </p:ext>
-    </p:extLst>
-  </p:cSld>
-  <p:clrMapOvr>
-    <a:masterClrMapping/>
-  </p:clrMapOvr>
-</p:sld>
-</file>
-
 <file path=ppt/slides/slide34.xml><?xml version="1.0" encoding="utf-8"?>
 <p:sld xmlns:a="http://schemas.openxmlformats.org/drawingml/2006/main" xmlns:r="http://schemas.openxmlformats.org/officeDocument/2006/relationships" xmlns:p="http://schemas.openxmlformats.org/presentationml/2006/main">
   <p:cSld>
@@ -10525,6 +10583,232 @@
           <p:cNvPr id="2" name="Title 1">
             <a:extLst>
               <a:ext uri="{FF2B5EF4-FFF2-40B4-BE49-F238E27FC236}">
+                <a16:creationId xmlns:a16="http://schemas.microsoft.com/office/drawing/2014/main" id="{3BB2D1F9-7EBF-6B02-3564-1FF2B2E60B95}"/>
+              </a:ext>
+            </a:extLst>
+          </p:cNvPr>
+          <p:cNvSpPr>
+            <a:spLocks noGrp="1"/>
+          </p:cNvSpPr>
+          <p:nvPr>
+            <p:ph type="title"/>
+          </p:nvPr>
+        </p:nvSpPr>
+        <p:spPr/>
+        <p:txBody>
+          <a:bodyPr/>
+          <a:lstStyle/>
+          <a:p>
+            <a:r>
+              <a:rPr lang="en-US" dirty="0"/>
+              <a:t>Secrets - Collaboration</a:t>
+            </a:r>
+          </a:p>
+        </p:txBody>
+      </p:sp>
+      <p:sp>
+        <p:nvSpPr>
+          <p:cNvPr id="3" name="Content Placeholder 2">
+            <a:extLst>
+              <a:ext uri="{FF2B5EF4-FFF2-40B4-BE49-F238E27FC236}">
+                <a16:creationId xmlns:a16="http://schemas.microsoft.com/office/drawing/2014/main" id="{1356D6C8-FFBF-BCB2-E2E1-76675118D4B0}"/>
+              </a:ext>
+            </a:extLst>
+          </p:cNvPr>
+          <p:cNvSpPr>
+            <a:spLocks noGrp="1"/>
+          </p:cNvSpPr>
+          <p:nvPr>
+            <p:ph idx="1"/>
+          </p:nvPr>
+        </p:nvSpPr>
+        <p:spPr/>
+        <p:txBody>
+          <a:bodyPr/>
+          <a:lstStyle/>
+          <a:p>
+            <a:r>
+              <a:rPr lang="en-US" dirty="0"/>
+              <a:t>You may want to provide a template for collaborators for the .env file:</a:t>
+            </a:r>
+          </a:p>
+          <a:p>
+            <a:pPr lvl="1"/>
+            <a:r>
+              <a:rPr lang="en-US" dirty="0" err="1"/>
+              <a:t>template.env</a:t>
+            </a:r>
+            <a:endParaRPr lang="en-US" dirty="0"/>
+          </a:p>
+          <a:p>
+            <a:pPr lvl="1"/>
+            <a:r>
+              <a:rPr lang="en-US" dirty="0"/>
+              <a:t>.</a:t>
+            </a:r>
+            <a:r>
+              <a:rPr lang="en-US" dirty="0" err="1"/>
+              <a:t>env.example</a:t>
+            </a:r>
+            <a:endParaRPr lang="en-US" dirty="0"/>
+          </a:p>
+          <a:p>
+            <a:pPr lvl="1"/>
+            <a:r>
+              <a:rPr lang="en-US" dirty="0"/>
+              <a:t>in the readme file</a:t>
+            </a:r>
+          </a:p>
+        </p:txBody>
+      </p:sp>
+    </p:spTree>
+    <p:extLst>
+      <p:ext uri="{BB962C8B-B14F-4D97-AF65-F5344CB8AC3E}">
+        <p14:creationId xmlns:p14="http://schemas.microsoft.com/office/powerpoint/2010/main" val="3939715400"/>
+      </p:ext>
+    </p:extLst>
+  </p:cSld>
+  <p:clrMapOvr>
+    <a:masterClrMapping/>
+  </p:clrMapOvr>
+</p:sld>
+</file>
+
+<file path=ppt/slides/slide35.xml><?xml version="1.0" encoding="utf-8"?>
+<p:sld xmlns:a="http://schemas.openxmlformats.org/drawingml/2006/main" xmlns:r="http://schemas.openxmlformats.org/officeDocument/2006/relationships" xmlns:p="http://schemas.openxmlformats.org/presentationml/2006/main">
+  <p:cSld>
+    <p:spTree>
+      <p:nvGrpSpPr>
+        <p:cNvPr id="1" name=""/>
+        <p:cNvGrpSpPr/>
+        <p:nvPr/>
+      </p:nvGrpSpPr>
+      <p:grpSpPr>
+        <a:xfrm>
+          <a:off x="0" y="0"/>
+          <a:ext cx="0" cy="0"/>
+          <a:chOff x="0" y="0"/>
+          <a:chExt cx="0" cy="0"/>
+        </a:xfrm>
+      </p:grpSpPr>
+      <p:sp>
+        <p:nvSpPr>
+          <p:cNvPr id="2" name="Title 1">
+            <a:extLst>
+              <a:ext uri="{FF2B5EF4-FFF2-40B4-BE49-F238E27FC236}">
+                <a16:creationId xmlns:a16="http://schemas.microsoft.com/office/drawing/2014/main" id="{203C84FC-645E-A4F2-E9C5-E48937FF069A}"/>
+              </a:ext>
+            </a:extLst>
+          </p:cNvPr>
+          <p:cNvSpPr>
+            <a:spLocks noGrp="1"/>
+          </p:cNvSpPr>
+          <p:nvPr>
+            <p:ph type="title"/>
+          </p:nvPr>
+        </p:nvSpPr>
+        <p:spPr/>
+        <p:txBody>
+          <a:bodyPr/>
+          <a:lstStyle/>
+          <a:p>
+            <a:r>
+              <a:rPr lang="en-US" dirty="0"/>
+              <a:t>Path Management</a:t>
+            </a:r>
+          </a:p>
+        </p:txBody>
+      </p:sp>
+      <p:sp>
+        <p:nvSpPr>
+          <p:cNvPr id="3" name="Content Placeholder 2">
+            <a:extLst>
+              <a:ext uri="{FF2B5EF4-FFF2-40B4-BE49-F238E27FC236}">
+                <a16:creationId xmlns:a16="http://schemas.microsoft.com/office/drawing/2014/main" id="{4B0EFD42-E445-98B0-BB39-8C1CAE9BFAE7}"/>
+              </a:ext>
+            </a:extLst>
+          </p:cNvPr>
+          <p:cNvSpPr>
+            <a:spLocks noGrp="1"/>
+          </p:cNvSpPr>
+          <p:nvPr>
+            <p:ph idx="1"/>
+          </p:nvPr>
+        </p:nvSpPr>
+        <p:spPr/>
+        <p:txBody>
+          <a:bodyPr/>
+          <a:lstStyle/>
+          <a:p>
+            <a:r>
+              <a:rPr lang="en-US" dirty="0"/>
+              <a:t>Don’t hardcode!</a:t>
+            </a:r>
+          </a:p>
+          <a:p>
+            <a:r>
+              <a:rPr lang="en-US" dirty="0"/>
+              <a:t>Save </a:t>
+            </a:r>
+            <a:r>
+              <a:rPr lang="en-US" i="1" dirty="0"/>
+              <a:t>relative paths</a:t>
+            </a:r>
+            <a:r>
+              <a:rPr lang="en-US" dirty="0"/>
+              <a:t> (relative from project’s “root”) in config files</a:t>
+            </a:r>
+          </a:p>
+          <a:p>
+            <a:r>
+              <a:rPr lang="en-US" dirty="0"/>
+              <a:t>Make sure script is run from project’s root</a:t>
+            </a:r>
+          </a:p>
+          <a:p>
+            <a:pPr lvl="1"/>
+            <a:r>
+              <a:rPr lang="en-US" dirty="0"/>
+              <a:t>provide info on how to do it in readme file if necessary</a:t>
+            </a:r>
+          </a:p>
+        </p:txBody>
+      </p:sp>
+    </p:spTree>
+    <p:extLst>
+      <p:ext uri="{BB962C8B-B14F-4D97-AF65-F5344CB8AC3E}">
+        <p14:creationId xmlns:p14="http://schemas.microsoft.com/office/powerpoint/2010/main" val="1730380459"/>
+      </p:ext>
+    </p:extLst>
+  </p:cSld>
+  <p:clrMapOvr>
+    <a:masterClrMapping/>
+  </p:clrMapOvr>
+</p:sld>
+</file>
+
+<file path=ppt/slides/slide36.xml><?xml version="1.0" encoding="utf-8"?>
+<p:sld xmlns:a="http://schemas.openxmlformats.org/drawingml/2006/main" xmlns:r="http://schemas.openxmlformats.org/officeDocument/2006/relationships" xmlns:p="http://schemas.openxmlformats.org/presentationml/2006/main">
+  <p:cSld>
+    <p:spTree>
+      <p:nvGrpSpPr>
+        <p:cNvPr id="1" name=""/>
+        <p:cNvGrpSpPr/>
+        <p:nvPr/>
+      </p:nvGrpSpPr>
+      <p:grpSpPr>
+        <a:xfrm>
+          <a:off x="0" y="0"/>
+          <a:ext cx="0" cy="0"/>
+          <a:chOff x="0" y="0"/>
+          <a:chExt cx="0" cy="0"/>
+        </a:xfrm>
+      </p:grpSpPr>
+      <p:sp>
+        <p:nvSpPr>
+          <p:cNvPr id="2" name="Title 1">
+            <a:extLst>
+              <a:ext uri="{FF2B5EF4-FFF2-40B4-BE49-F238E27FC236}">
                 <a16:creationId xmlns:a16="http://schemas.microsoft.com/office/drawing/2014/main" id="{B01516B4-D7CF-910D-ADB0-3E7C2B6220B3}"/>
               </a:ext>
             </a:extLst>
@@ -10662,7 +10946,118 @@
 </p:sld>
 </file>
 
-<file path=ppt/slides/slide35.xml><?xml version="1.0" encoding="utf-8"?>
+<file path=ppt/slides/slide37.xml><?xml version="1.0" encoding="utf-8"?>
+<p:sld xmlns:a="http://schemas.openxmlformats.org/drawingml/2006/main" xmlns:r="http://schemas.openxmlformats.org/officeDocument/2006/relationships" xmlns:p="http://schemas.openxmlformats.org/presentationml/2006/main">
+  <p:cSld>
+    <p:spTree>
+      <p:nvGrpSpPr>
+        <p:cNvPr id="1" name=""/>
+        <p:cNvGrpSpPr/>
+        <p:nvPr/>
+      </p:nvGrpSpPr>
+      <p:grpSpPr>
+        <a:xfrm>
+          <a:off x="0" y="0"/>
+          <a:ext cx="0" cy="0"/>
+          <a:chOff x="0" y="0"/>
+          <a:chExt cx="0" cy="0"/>
+        </a:xfrm>
+      </p:grpSpPr>
+      <p:sp>
+        <p:nvSpPr>
+          <p:cNvPr id="2" name="Title 1">
+            <a:extLst>
+              <a:ext uri="{FF2B5EF4-FFF2-40B4-BE49-F238E27FC236}">
+                <a16:creationId xmlns:a16="http://schemas.microsoft.com/office/drawing/2014/main" id="{46402878-5D76-1F5C-BF6C-BF53CC1A004F}"/>
+              </a:ext>
+            </a:extLst>
+          </p:cNvPr>
+          <p:cNvSpPr>
+            <a:spLocks noGrp="1"/>
+          </p:cNvSpPr>
+          <p:nvPr>
+            <p:ph type="title"/>
+          </p:nvPr>
+        </p:nvSpPr>
+        <p:spPr/>
+        <p:txBody>
+          <a:bodyPr/>
+          <a:lstStyle/>
+          <a:p>
+            <a:r>
+              <a:rPr lang="en-US" dirty="0">
+                <a:solidFill>
+                  <a:srgbClr val="C00000"/>
+                </a:solidFill>
+              </a:rPr>
+              <a:t>Exercise</a:t>
+            </a:r>
+          </a:p>
+        </p:txBody>
+      </p:sp>
+      <p:sp>
+        <p:nvSpPr>
+          <p:cNvPr id="3" name="Content Placeholder 2">
+            <a:extLst>
+              <a:ext uri="{FF2B5EF4-FFF2-40B4-BE49-F238E27FC236}">
+                <a16:creationId xmlns:a16="http://schemas.microsoft.com/office/drawing/2014/main" id="{7CABA901-9C63-ED49-0E81-67C6CBFBAC92}"/>
+              </a:ext>
+            </a:extLst>
+          </p:cNvPr>
+          <p:cNvSpPr>
+            <a:spLocks noGrp="1"/>
+          </p:cNvSpPr>
+          <p:nvPr>
+            <p:ph idx="1"/>
+          </p:nvPr>
+        </p:nvSpPr>
+        <p:spPr/>
+        <p:txBody>
+          <a:bodyPr/>
+          <a:lstStyle/>
+          <a:p>
+            <a:pPr marL="0" indent="0">
+              <a:buNone/>
+            </a:pPr>
+            <a:r>
+              <a:rPr lang="en-US" dirty="0"/>
+              <a:t>Take a few minutes to think about one of your current projects, and the parameters, settings, etc. that it depends on.</a:t>
+            </a:r>
+          </a:p>
+          <a:p>
+            <a:pPr marL="0" indent="0">
+              <a:buNone/>
+            </a:pPr>
+            <a:endParaRPr lang="en-US" dirty="0"/>
+          </a:p>
+          <a:p>
+            <a:r>
+              <a:rPr lang="en-US" dirty="0"/>
+              <a:t>Think about how you would pull these out from the script and place them in a configuration file</a:t>
+            </a:r>
+          </a:p>
+          <a:p>
+            <a:r>
+              <a:rPr lang="en-US" dirty="0"/>
+              <a:t>Don’t worry about specific syntax of your config file. Focus on how you would organize these params, and how they are likely to change for different runs / use cases.</a:t>
+            </a:r>
+          </a:p>
+        </p:txBody>
+      </p:sp>
+    </p:spTree>
+    <p:extLst>
+      <p:ext uri="{BB962C8B-B14F-4D97-AF65-F5344CB8AC3E}">
+        <p14:creationId xmlns:p14="http://schemas.microsoft.com/office/powerpoint/2010/main" val="807676928"/>
+      </p:ext>
+    </p:extLst>
+  </p:cSld>
+  <p:clrMapOvr>
+    <a:masterClrMapping/>
+  </p:clrMapOvr>
+</p:sld>
+</file>
+
+<file path=ppt/slides/slide38.xml><?xml version="1.0" encoding="utf-8"?>
 <p:sld xmlns:a="http://schemas.openxmlformats.org/drawingml/2006/main" xmlns:r="http://schemas.openxmlformats.org/officeDocument/2006/relationships" xmlns:p="http://schemas.openxmlformats.org/presentationml/2006/main">
   <p:cSld>
     <p:spTree>
@@ -11198,7 +11593,7 @@
 </p:sld>
 </file>
 
-<file path=ppt/slides/slide36.xml><?xml version="1.0" encoding="utf-8"?>
+<file path=ppt/slides/slide39.xml><?xml version="1.0" encoding="utf-8"?>
 <p:sld xmlns:a="http://schemas.openxmlformats.org/drawingml/2006/main" xmlns:r="http://schemas.openxmlformats.org/officeDocument/2006/relationships" xmlns:p="http://schemas.openxmlformats.org/presentationml/2006/main">
   <p:cSld>
     <p:spTree>
@@ -11355,7 +11750,7 @@
 </p:sld>
 </file>
 
-<file path=ppt/slides/slide37.xml><?xml version="1.0" encoding="utf-8"?>
+<file path=ppt/slides/slide4.xml><?xml version="1.0" encoding="utf-8"?>
 <p:sld xmlns:a="http://schemas.openxmlformats.org/drawingml/2006/main" xmlns:r="http://schemas.openxmlformats.org/officeDocument/2006/relationships" xmlns:p="http://schemas.openxmlformats.org/presentationml/2006/main">
   <p:cSld>
     <p:spTree>
@@ -11377,6 +11772,150 @@
           <p:cNvPr id="2" name="Title 1">
             <a:extLst>
               <a:ext uri="{FF2B5EF4-FFF2-40B4-BE49-F238E27FC236}">
+                <a16:creationId xmlns:a16="http://schemas.microsoft.com/office/drawing/2014/main" id="{7C564DA0-ED9E-6387-408A-72C90A78AF68}"/>
+              </a:ext>
+            </a:extLst>
+          </p:cNvPr>
+          <p:cNvSpPr>
+            <a:spLocks noGrp="1"/>
+          </p:cNvSpPr>
+          <p:nvPr>
+            <p:ph type="title"/>
+          </p:nvPr>
+        </p:nvSpPr>
+        <p:spPr/>
+        <p:txBody>
+          <a:bodyPr/>
+          <a:lstStyle/>
+          <a:p>
+            <a:r>
+              <a:rPr lang="en-US" dirty="0"/>
+              <a:t>Motivation</a:t>
+            </a:r>
+          </a:p>
+        </p:txBody>
+      </p:sp>
+      <p:sp>
+        <p:nvSpPr>
+          <p:cNvPr id="3" name="Content Placeholder 2">
+            <a:extLst>
+              <a:ext uri="{FF2B5EF4-FFF2-40B4-BE49-F238E27FC236}">
+                <a16:creationId xmlns:a16="http://schemas.microsoft.com/office/drawing/2014/main" id="{E8079CF4-7A39-6BCE-DB4B-7377711A0A96}"/>
+              </a:ext>
+            </a:extLst>
+          </p:cNvPr>
+          <p:cNvSpPr>
+            <a:spLocks noGrp="1"/>
+          </p:cNvSpPr>
+          <p:nvPr>
+            <p:ph idx="1"/>
+          </p:nvPr>
+        </p:nvSpPr>
+        <p:spPr/>
+        <p:txBody>
+          <a:bodyPr/>
+          <a:lstStyle/>
+          <a:p>
+            <a:pPr marL="0" indent="0">
+              <a:buNone/>
+            </a:pPr>
+            <a:r>
+              <a:rPr lang="en-US" dirty="0"/>
+              <a:t>Using proper principles when programming will:</a:t>
+            </a:r>
+          </a:p>
+          <a:p>
+            <a:pPr>
+              <a:spcAft>
+                <a:spcPts val="1200"/>
+              </a:spcAft>
+            </a:pPr>
+            <a:r>
+              <a:rPr lang="en-US" dirty="0"/>
+              <a:t>Allow you to easily debug</a:t>
+            </a:r>
+          </a:p>
+          <a:p>
+            <a:pPr>
+              <a:spcAft>
+                <a:spcPts val="1200"/>
+              </a:spcAft>
+            </a:pPr>
+            <a:r>
+              <a:rPr lang="en-US" dirty="0"/>
+              <a:t>Allow you to share your code and make it easy for others to run and contribute</a:t>
+            </a:r>
+          </a:p>
+          <a:p>
+            <a:pPr>
+              <a:spcAft>
+                <a:spcPts val="1200"/>
+              </a:spcAft>
+            </a:pPr>
+            <a:r>
+              <a:rPr lang="en-US" dirty="0"/>
+              <a:t>Avoid errors due to untracked and inconsistent parameters</a:t>
+            </a:r>
+          </a:p>
+          <a:p>
+            <a:pPr>
+              <a:spcAft>
+                <a:spcPts val="1200"/>
+              </a:spcAft>
+            </a:pPr>
+            <a:r>
+              <a:rPr lang="en-US" dirty="0"/>
+              <a:t>Allow you to easily change full sections of your code</a:t>
+            </a:r>
+          </a:p>
+          <a:p>
+            <a:pPr>
+              <a:spcAft>
+                <a:spcPts val="1200"/>
+              </a:spcAft>
+            </a:pPr>
+            <a:r>
+              <a:rPr lang="en-US" dirty="0"/>
+              <a:t>etc.</a:t>
+            </a:r>
+          </a:p>
+        </p:txBody>
+      </p:sp>
+    </p:spTree>
+    <p:extLst>
+      <p:ext uri="{BB962C8B-B14F-4D97-AF65-F5344CB8AC3E}">
+        <p14:creationId xmlns:p14="http://schemas.microsoft.com/office/powerpoint/2010/main" val="4003667735"/>
+      </p:ext>
+    </p:extLst>
+  </p:cSld>
+  <p:clrMapOvr>
+    <a:masterClrMapping/>
+  </p:clrMapOvr>
+</p:sld>
+</file>
+
+<file path=ppt/slides/slide40.xml><?xml version="1.0" encoding="utf-8"?>
+<p:sld xmlns:a="http://schemas.openxmlformats.org/drawingml/2006/main" xmlns:r="http://schemas.openxmlformats.org/officeDocument/2006/relationships" xmlns:p="http://schemas.openxmlformats.org/presentationml/2006/main">
+  <p:cSld>
+    <p:spTree>
+      <p:nvGrpSpPr>
+        <p:cNvPr id="1" name=""/>
+        <p:cNvGrpSpPr/>
+        <p:nvPr/>
+      </p:nvGrpSpPr>
+      <p:grpSpPr>
+        <a:xfrm>
+          <a:off x="0" y="0"/>
+          <a:ext cx="0" cy="0"/>
+          <a:chOff x="0" y="0"/>
+          <a:chExt cx="0" cy="0"/>
+        </a:xfrm>
+      </p:grpSpPr>
+      <p:sp>
+        <p:nvSpPr>
+          <p:cNvPr id="2" name="Title 1">
+            <a:extLst>
+              <a:ext uri="{FF2B5EF4-FFF2-40B4-BE49-F238E27FC236}">
                 <a16:creationId xmlns:a16="http://schemas.microsoft.com/office/drawing/2014/main" id="{A1618EC4-DE29-216D-3341-355FF4B03652}"/>
               </a:ext>
             </a:extLst>
@@ -11536,7 +12075,7 @@
 </p:sld>
 </file>
 
-<file path=ppt/slides/slide38.xml><?xml version="1.0" encoding="utf-8"?>
+<file path=ppt/slides/slide41.xml><?xml version="1.0" encoding="utf-8"?>
 <p:sld xmlns:a="http://schemas.openxmlformats.org/drawingml/2006/main" xmlns:r="http://schemas.openxmlformats.org/officeDocument/2006/relationships" xmlns:p="http://schemas.openxmlformats.org/presentationml/2006/main">
   <p:cSld>
     <p:spTree>
@@ -11785,7 +12324,7 @@
 </p:sld>
 </file>
 
-<file path=ppt/slides/slide39.xml><?xml version="1.0" encoding="utf-8"?>
+<file path=ppt/slides/slide42.xml><?xml version="1.0" encoding="utf-8"?>
 <p:sld xmlns:a="http://schemas.openxmlformats.org/drawingml/2006/main" xmlns:r="http://schemas.openxmlformats.org/officeDocument/2006/relationships" xmlns:p="http://schemas.openxmlformats.org/presentationml/2006/main">
   <p:cSld>
     <p:spTree>
@@ -11846,7 +12385,12 @@
             <p:ph idx="1"/>
           </p:nvPr>
         </p:nvSpPr>
-        <p:spPr/>
+        <p:spPr>
+          <a:xfrm>
+            <a:off x="838200" y="1473201"/>
+            <a:ext cx="10515600" cy="4994506"/>
+          </a:xfrm>
+        </p:spPr>
         <p:txBody>
           <a:bodyPr/>
           <a:lstStyle/>
@@ -11895,6 +12439,9 @@
               <a:rPr lang="en-US" dirty="0"/>
               <a:t>Have a dedicated folder for testing scripts and results</a:t>
             </a:r>
+          </a:p>
+          <a:p>
+            <a:endParaRPr lang="en-US" dirty="0"/>
           </a:p>
         </p:txBody>
       </p:sp>
@@ -11911,7 +12458,7 @@
 </p:sld>
 </file>
 
-<file path=ppt/slides/slide4.xml><?xml version="1.0" encoding="utf-8"?>
+<file path=ppt/slides/slide43.xml><?xml version="1.0" encoding="utf-8"?>
 <p:sld xmlns:a="http://schemas.openxmlformats.org/drawingml/2006/main" xmlns:r="http://schemas.openxmlformats.org/officeDocument/2006/relationships" xmlns:p="http://schemas.openxmlformats.org/presentationml/2006/main">
   <p:cSld>
     <p:spTree>
@@ -11933,7 +12480,7 @@
           <p:cNvPr id="2" name="Title 1">
             <a:extLst>
               <a:ext uri="{FF2B5EF4-FFF2-40B4-BE49-F238E27FC236}">
-                <a16:creationId xmlns:a16="http://schemas.microsoft.com/office/drawing/2014/main" id="{7C564DA0-ED9E-6387-408A-72C90A78AF68}"/>
+                <a16:creationId xmlns:a16="http://schemas.microsoft.com/office/drawing/2014/main" id="{1754D130-FD76-0C06-D697-EFC683427F46}"/>
               </a:ext>
             </a:extLst>
           </p:cNvPr>
@@ -11951,7 +12498,7 @@
           <a:p>
             <a:r>
               <a:rPr lang="en-US" dirty="0"/>
-              <a:t>Motivation</a:t>
+              <a:t>Testing</a:t>
             </a:r>
           </a:p>
         </p:txBody>
@@ -11961,7 +12508,7 @@
           <p:cNvPr id="3" name="Content Placeholder 2">
             <a:extLst>
               <a:ext uri="{FF2B5EF4-FFF2-40B4-BE49-F238E27FC236}">
-                <a16:creationId xmlns:a16="http://schemas.microsoft.com/office/drawing/2014/main" id="{E8079CF4-7A39-6BCE-DB4B-7377711A0A96}"/>
+                <a16:creationId xmlns:a16="http://schemas.microsoft.com/office/drawing/2014/main" id="{BC70AEE2-299F-F739-6C7A-D6D5CAFB589E}"/>
               </a:ext>
             </a:extLst>
           </p:cNvPr>
@@ -11977,67 +12524,28 @@
           <a:bodyPr/>
           <a:lstStyle/>
           <a:p>
-            <a:pPr marL="0" indent="0">
-              <a:buNone/>
-            </a:pPr>
-            <a:r>
-              <a:rPr lang="en-US" dirty="0"/>
-              <a:t>Using proper principles when programming will:</a:t>
-            </a:r>
-          </a:p>
-          <a:p>
-            <a:pPr>
-              <a:spcAft>
-                <a:spcPts val="1200"/>
-              </a:spcAft>
-            </a:pPr>
-            <a:r>
-              <a:rPr lang="en-US" dirty="0"/>
-              <a:t>Allow you to easily debug</a:t>
-            </a:r>
-          </a:p>
-          <a:p>
-            <a:pPr>
-              <a:spcAft>
-                <a:spcPts val="1200"/>
-              </a:spcAft>
-            </a:pPr>
-            <a:r>
-              <a:rPr lang="en-US" dirty="0"/>
-              <a:t>Allow you to share your code and make it easy for others to run and contribute</a:t>
-            </a:r>
-          </a:p>
-          <a:p>
-            <a:pPr>
-              <a:spcAft>
-                <a:spcPts val="1200"/>
-              </a:spcAft>
-            </a:pPr>
-            <a:r>
-              <a:rPr lang="en-US" dirty="0"/>
-              <a:t>Avoid errors due to untracked and inconsistent parameters</a:t>
-            </a:r>
-          </a:p>
-          <a:p>
-            <a:pPr>
-              <a:spcAft>
-                <a:spcPts val="1200"/>
-              </a:spcAft>
-            </a:pPr>
-            <a:r>
-              <a:rPr lang="en-US" dirty="0"/>
-              <a:t>Allow you to easily change full sections of your code</a:t>
-            </a:r>
-          </a:p>
-          <a:p>
-            <a:pPr>
-              <a:spcAft>
-                <a:spcPts val="1200"/>
-              </a:spcAft>
-            </a:pPr>
-            <a:r>
-              <a:rPr lang="en-US" dirty="0"/>
-              <a:t>etc.</a:t>
+            <a:r>
+              <a:rPr lang="en-US" dirty="0"/>
+              <a:t>Most languages have dedicated packages / libraries for testing.</a:t>
+            </a:r>
+          </a:p>
+          <a:p>
+            <a:r>
+              <a:rPr lang="en-US" dirty="0"/>
+              <a:t>These packages streamline the testing procedure, and provide a specific framework for creating these tests</a:t>
+            </a:r>
+          </a:p>
+          <a:p>
+            <a:pPr lvl="1"/>
+            <a:r>
+              <a:rPr lang="en-US" dirty="0"/>
+              <a:t>ex: creating individual functions for each test, all in one script</a:t>
+            </a:r>
+          </a:p>
+          <a:p>
+            <a:r>
+              <a:rPr lang="en-US" dirty="0"/>
+              <a:t>Different packages have different testing frameworks. You’ll need to do a bit of research on how it’s done in yours.</a:t>
             </a:r>
           </a:p>
         </p:txBody>
@@ -12045,7 +12553,7 @@
     </p:spTree>
     <p:extLst>
       <p:ext uri="{BB962C8B-B14F-4D97-AF65-F5344CB8AC3E}">
-        <p14:creationId xmlns:p14="http://schemas.microsoft.com/office/powerpoint/2010/main" val="4003667735"/>
+        <p14:creationId xmlns:p14="http://schemas.microsoft.com/office/powerpoint/2010/main" val="3578532973"/>
       </p:ext>
     </p:extLst>
   </p:cSld>
@@ -12055,7 +12563,312 @@
 </p:sld>
 </file>
 
-<file path=ppt/slides/slide40.xml><?xml version="1.0" encoding="utf-8"?>
+<file path=ppt/slides/slide44.xml><?xml version="1.0" encoding="utf-8"?>
+<p:sld xmlns:a="http://schemas.openxmlformats.org/drawingml/2006/main" xmlns:r="http://schemas.openxmlformats.org/officeDocument/2006/relationships" xmlns:p="http://schemas.openxmlformats.org/presentationml/2006/main">
+  <p:cSld>
+    <p:spTree>
+      <p:nvGrpSpPr>
+        <p:cNvPr id="1" name=""/>
+        <p:cNvGrpSpPr/>
+        <p:nvPr/>
+      </p:nvGrpSpPr>
+      <p:grpSpPr>
+        <a:xfrm>
+          <a:off x="0" y="0"/>
+          <a:ext cx="0" cy="0"/>
+          <a:chOff x="0" y="0"/>
+          <a:chExt cx="0" cy="0"/>
+        </a:xfrm>
+      </p:grpSpPr>
+      <p:sp>
+        <p:nvSpPr>
+          <p:cNvPr id="2" name="Title 1">
+            <a:extLst>
+              <a:ext uri="{FF2B5EF4-FFF2-40B4-BE49-F238E27FC236}">
+                <a16:creationId xmlns:a16="http://schemas.microsoft.com/office/drawing/2014/main" id="{1B6584B4-5125-BBA9-5CF4-A4AA61EDCD43}"/>
+              </a:ext>
+            </a:extLst>
+          </p:cNvPr>
+          <p:cNvSpPr>
+            <a:spLocks noGrp="1"/>
+          </p:cNvSpPr>
+          <p:nvPr>
+            <p:ph type="title"/>
+          </p:nvPr>
+        </p:nvSpPr>
+        <p:spPr/>
+        <p:txBody>
+          <a:bodyPr/>
+          <a:lstStyle/>
+          <a:p>
+            <a:r>
+              <a:rPr lang="en-US" dirty="0">
+                <a:solidFill>
+                  <a:schemeClr val="accent3"/>
+                </a:solidFill>
+              </a:rPr>
+              <a:t>Example</a:t>
+            </a:r>
+          </a:p>
+        </p:txBody>
+      </p:sp>
+      <p:sp>
+        <p:nvSpPr>
+          <p:cNvPr id="3" name="Content Placeholder 2">
+            <a:extLst>
+              <a:ext uri="{FF2B5EF4-FFF2-40B4-BE49-F238E27FC236}">
+                <a16:creationId xmlns:a16="http://schemas.microsoft.com/office/drawing/2014/main" id="{6E8EB424-1712-E0FD-BE64-642957C64750}"/>
+              </a:ext>
+            </a:extLst>
+          </p:cNvPr>
+          <p:cNvSpPr>
+            <a:spLocks noGrp="1"/>
+          </p:cNvSpPr>
+          <p:nvPr>
+            <p:ph idx="1"/>
+          </p:nvPr>
+        </p:nvSpPr>
+        <p:spPr/>
+        <p:txBody>
+          <a:bodyPr/>
+          <a:lstStyle/>
+          <a:p>
+            <a:pPr marL="0" indent="0">
+              <a:buNone/>
+            </a:pPr>
+            <a:r>
+              <a:rPr lang="en-US" dirty="0"/>
+              <a:t>If my function computes the area of a rectangle. Build these tests:</a:t>
+            </a:r>
+          </a:p>
+          <a:p>
+            <a:r>
+              <a:rPr lang="en-US" dirty="0"/>
+              <a:t>area(1,1) = 1</a:t>
+            </a:r>
+          </a:p>
+          <a:p>
+            <a:r>
+              <a:rPr lang="en-US" dirty="0"/>
+              <a:t>area(-1,1) should tell me the value is not allowed</a:t>
+            </a:r>
+          </a:p>
+          <a:p>
+            <a:r>
+              <a:rPr lang="en-US" dirty="0"/>
+              <a:t>area(-1,-1) should NOT give “1” as a result</a:t>
+            </a:r>
+          </a:p>
+        </p:txBody>
+      </p:sp>
+    </p:spTree>
+    <p:extLst>
+      <p:ext uri="{BB962C8B-B14F-4D97-AF65-F5344CB8AC3E}">
+        <p14:creationId xmlns:p14="http://schemas.microsoft.com/office/powerpoint/2010/main" val="240303817"/>
+      </p:ext>
+    </p:extLst>
+  </p:cSld>
+  <p:clrMapOvr>
+    <a:masterClrMapping/>
+  </p:clrMapOvr>
+</p:sld>
+</file>
+
+<file path=ppt/slides/slide45.xml><?xml version="1.0" encoding="utf-8"?>
+<p:sld xmlns:a="http://schemas.openxmlformats.org/drawingml/2006/main" xmlns:r="http://schemas.openxmlformats.org/officeDocument/2006/relationships" xmlns:p="http://schemas.openxmlformats.org/presentationml/2006/main">
+  <p:cSld>
+    <p:spTree>
+      <p:nvGrpSpPr>
+        <p:cNvPr id="1" name=""/>
+        <p:cNvGrpSpPr/>
+        <p:nvPr/>
+      </p:nvGrpSpPr>
+      <p:grpSpPr>
+        <a:xfrm>
+          <a:off x="0" y="0"/>
+          <a:ext cx="0" cy="0"/>
+          <a:chOff x="0" y="0"/>
+          <a:chExt cx="0" cy="0"/>
+        </a:xfrm>
+      </p:grpSpPr>
+      <p:sp>
+        <p:nvSpPr>
+          <p:cNvPr id="2" name="Title 1">
+            <a:extLst>
+              <a:ext uri="{FF2B5EF4-FFF2-40B4-BE49-F238E27FC236}">
+                <a16:creationId xmlns:a16="http://schemas.microsoft.com/office/drawing/2014/main" id="{2F02CD50-DFAD-0CCA-9A53-555399BBB22A}"/>
+              </a:ext>
+            </a:extLst>
+          </p:cNvPr>
+          <p:cNvSpPr>
+            <a:spLocks noGrp="1"/>
+          </p:cNvSpPr>
+          <p:nvPr>
+            <p:ph type="title"/>
+          </p:nvPr>
+        </p:nvSpPr>
+        <p:spPr/>
+        <p:txBody>
+          <a:bodyPr/>
+          <a:lstStyle/>
+          <a:p>
+            <a:r>
+              <a:rPr lang="en-US" dirty="0">
+                <a:solidFill>
+                  <a:srgbClr val="C00000"/>
+                </a:solidFill>
+              </a:rPr>
+              <a:t>Exercise</a:t>
+            </a:r>
+          </a:p>
+        </p:txBody>
+      </p:sp>
+      <p:sp>
+        <p:nvSpPr>
+          <p:cNvPr id="3" name="Content Placeholder 2">
+            <a:extLst>
+              <a:ext uri="{FF2B5EF4-FFF2-40B4-BE49-F238E27FC236}">
+                <a16:creationId xmlns:a16="http://schemas.microsoft.com/office/drawing/2014/main" id="{8A0DDF4A-9780-D8B8-C783-7BCD4FE4406C}"/>
+              </a:ext>
+            </a:extLst>
+          </p:cNvPr>
+          <p:cNvSpPr>
+            <a:spLocks noGrp="1"/>
+          </p:cNvSpPr>
+          <p:nvPr>
+            <p:ph idx="1"/>
+          </p:nvPr>
+        </p:nvSpPr>
+        <p:spPr/>
+        <p:txBody>
+          <a:bodyPr>
+            <a:normAutofit fontScale="85000" lnSpcReduction="20000"/>
+          </a:bodyPr>
+          <a:lstStyle/>
+          <a:p>
+            <a:pPr marL="0" indent="0">
+              <a:buNone/>
+            </a:pPr>
+            <a:r>
+              <a:rPr lang="en-US" dirty="0">
+                <a:solidFill>
+                  <a:srgbClr val="FF0000"/>
+                </a:solidFill>
+              </a:rPr>
+              <a:t>Discuss with your neighbor.</a:t>
+            </a:r>
+          </a:p>
+          <a:p>
+            <a:pPr marL="0" indent="0">
+              <a:buNone/>
+            </a:pPr>
+            <a:r>
+              <a:rPr lang="en-US" dirty="0"/>
+              <a:t>Pick one or two of the functions below, what sort of unit tests would you do for such function? Feel free to interpret what they do according to your field.</a:t>
+            </a:r>
+          </a:p>
+          <a:p>
+            <a:pPr marL="0" indent="0">
+              <a:buNone/>
+            </a:pPr>
+            <a:endParaRPr lang="en-US" dirty="0"/>
+          </a:p>
+          <a:p>
+            <a:r>
+              <a:rPr lang="en-US" dirty="0" err="1"/>
+              <a:t>standardize_participant_name</a:t>
+            </a:r>
+            <a:r>
+              <a:rPr lang="en-US" dirty="0"/>
+              <a:t>()</a:t>
+            </a:r>
+          </a:p>
+          <a:p>
+            <a:r>
+              <a:rPr lang="en-US" dirty="0" err="1"/>
+              <a:t>clean_signal</a:t>
+            </a:r>
+            <a:r>
+              <a:rPr lang="en-US" dirty="0"/>
+              <a:t>()</a:t>
+            </a:r>
+          </a:p>
+          <a:p>
+            <a:r>
+              <a:rPr lang="en-US" dirty="0" err="1"/>
+              <a:t>validate_survey</a:t>
+            </a:r>
+            <a:r>
+              <a:rPr lang="en-US" dirty="0"/>
+              <a:t>()</a:t>
+            </a:r>
+          </a:p>
+          <a:p>
+            <a:r>
+              <a:rPr lang="en-US" dirty="0" err="1"/>
+              <a:t>merge_trials_with_metadata</a:t>
+            </a:r>
+            <a:r>
+              <a:rPr lang="en-US" dirty="0"/>
+              <a:t>()</a:t>
+            </a:r>
+          </a:p>
+          <a:p>
+            <a:r>
+              <a:rPr lang="en-US" dirty="0" err="1"/>
+              <a:t>align_signals</a:t>
+            </a:r>
+            <a:r>
+              <a:rPr lang="en-US" dirty="0"/>
+              <a:t>()</a:t>
+            </a:r>
+          </a:p>
+          <a:p>
+            <a:r>
+              <a:rPr lang="en-US" dirty="0" err="1"/>
+              <a:t>detect_outliers</a:t>
+            </a:r>
+            <a:r>
+              <a:rPr lang="en-US" dirty="0"/>
+              <a:t>()</a:t>
+            </a:r>
+          </a:p>
+          <a:p>
+            <a:r>
+              <a:rPr lang="en-US" dirty="0" err="1"/>
+              <a:t>run_preprocessing</a:t>
+            </a:r>
+            <a:r>
+              <a:rPr lang="en-US" dirty="0"/>
+              <a:t>()</a:t>
+            </a:r>
+          </a:p>
+          <a:p>
+            <a:r>
+              <a:rPr lang="en-US" dirty="0" err="1"/>
+              <a:t>visualize_results</a:t>
+            </a:r>
+            <a:r>
+              <a:rPr lang="en-US" dirty="0"/>
+              <a:t>()</a:t>
+            </a:r>
+          </a:p>
+        </p:txBody>
+      </p:sp>
+    </p:spTree>
+    <p:extLst>
+      <p:ext uri="{BB962C8B-B14F-4D97-AF65-F5344CB8AC3E}">
+        <p14:creationId xmlns:p14="http://schemas.microsoft.com/office/powerpoint/2010/main" val="944109984"/>
+      </p:ext>
+    </p:extLst>
+  </p:cSld>
+  <p:clrMapOvr>
+    <a:masterClrMapping/>
+  </p:clrMapOvr>
+</p:sld>
+</file>
+
+<file path=ppt/slides/slide46.xml><?xml version="1.0" encoding="utf-8"?>
 <p:sld xmlns:a="http://schemas.openxmlformats.org/drawingml/2006/main" xmlns:r="http://schemas.openxmlformats.org/officeDocument/2006/relationships" xmlns:p="http://schemas.openxmlformats.org/presentationml/2006/main">
   <p:cSld>
     <p:spTree>
@@ -12591,7 +13404,7 @@
 </p:sld>
 </file>
 
-<file path=ppt/slides/slide41.xml><?xml version="1.0" encoding="utf-8"?>
+<file path=ppt/slides/slide47.xml><?xml version="1.0" encoding="utf-8"?>
 <p:sld xmlns:a="http://schemas.openxmlformats.org/drawingml/2006/main" xmlns:r="http://schemas.openxmlformats.org/officeDocument/2006/relationships" xmlns:p="http://schemas.openxmlformats.org/presentationml/2006/main">
   <p:cSld>
     <p:spTree>
@@ -12700,7 +13513,7 @@
 </p:sld>
 </file>
 
-<file path=ppt/slides/slide42.xml><?xml version="1.0" encoding="utf-8"?>
+<file path=ppt/slides/slide48.xml><?xml version="1.0" encoding="utf-8"?>
 <p:sld xmlns:a="http://schemas.openxmlformats.org/drawingml/2006/main" xmlns:r="http://schemas.openxmlformats.org/officeDocument/2006/relationships" xmlns:p="http://schemas.openxmlformats.org/presentationml/2006/main">
   <p:cSld>
     <p:spTree>
@@ -12833,7 +13646,7 @@
 </p:sld>
 </file>
 
-<file path=ppt/slides/slide43.xml><?xml version="1.0" encoding="utf-8"?>
+<file path=ppt/slides/slide49.xml><?xml version="1.0" encoding="utf-8"?>
 <p:sld xmlns:a="http://schemas.openxmlformats.org/drawingml/2006/main" xmlns:r="http://schemas.openxmlformats.org/officeDocument/2006/relationships" xmlns:p="http://schemas.openxmlformats.org/presentationml/2006/main">
   <p:cSld>
     <p:spTree>
@@ -13537,6 +14350,1930 @@
     <p:extLst>
       <p:ext uri="{BB962C8B-B14F-4D97-AF65-F5344CB8AC3E}">
         <p14:creationId xmlns:p14="http://schemas.microsoft.com/office/powerpoint/2010/main" val="1671896808"/>
+      </p:ext>
+    </p:extLst>
+  </p:cSld>
+  <p:clrMapOvr>
+    <a:masterClrMapping/>
+  </p:clrMapOvr>
+</p:sld>
+</file>
+
+<file path=ppt/slides/slide50.xml><?xml version="1.0" encoding="utf-8"?>
+<p:sld xmlns:a="http://schemas.openxmlformats.org/drawingml/2006/main" xmlns:r="http://schemas.openxmlformats.org/officeDocument/2006/relationships" xmlns:p="http://schemas.openxmlformats.org/presentationml/2006/main">
+  <p:cSld>
+    <p:spTree>
+      <p:nvGrpSpPr>
+        <p:cNvPr id="1" name=""/>
+        <p:cNvGrpSpPr/>
+        <p:nvPr/>
+      </p:nvGrpSpPr>
+      <p:grpSpPr>
+        <a:xfrm>
+          <a:off x="0" y="0"/>
+          <a:ext cx="0" cy="0"/>
+          <a:chOff x="0" y="0"/>
+          <a:chExt cx="0" cy="0"/>
+        </a:xfrm>
+      </p:grpSpPr>
+      <p:sp>
+        <p:nvSpPr>
+          <p:cNvPr id="2" name="Title 1">
+            <a:extLst>
+              <a:ext uri="{FF2B5EF4-FFF2-40B4-BE49-F238E27FC236}">
+                <a16:creationId xmlns:a16="http://schemas.microsoft.com/office/drawing/2014/main" id="{65039BD7-68E6-D6A4-81B5-D58126370997}"/>
+              </a:ext>
+            </a:extLst>
+          </p:cNvPr>
+          <p:cNvSpPr>
+            <a:spLocks noGrp="1"/>
+          </p:cNvSpPr>
+          <p:nvPr>
+            <p:ph type="title"/>
+          </p:nvPr>
+        </p:nvSpPr>
+        <p:spPr/>
+        <p:txBody>
+          <a:bodyPr/>
+          <a:lstStyle/>
+          <a:p>
+            <a:r>
+              <a:rPr lang="en-US" dirty="0">
+                <a:solidFill>
+                  <a:srgbClr val="C00000"/>
+                </a:solidFill>
+              </a:rPr>
+              <a:t>Final Exercise</a:t>
+            </a:r>
+          </a:p>
+        </p:txBody>
+      </p:sp>
+      <p:sp>
+        <p:nvSpPr>
+          <p:cNvPr id="3" name="Content Placeholder 2">
+            <a:extLst>
+              <a:ext uri="{FF2B5EF4-FFF2-40B4-BE49-F238E27FC236}">
+                <a16:creationId xmlns:a16="http://schemas.microsoft.com/office/drawing/2014/main" id="{AEF5819C-FC5A-0E42-C55F-BAA6749DE226}"/>
+              </a:ext>
+            </a:extLst>
+          </p:cNvPr>
+          <p:cNvSpPr>
+            <a:spLocks noGrp="1"/>
+          </p:cNvSpPr>
+          <p:nvPr>
+            <p:ph idx="1"/>
+          </p:nvPr>
+        </p:nvSpPr>
+        <p:spPr/>
+        <p:txBody>
+          <a:bodyPr>
+            <a:normAutofit fontScale="92500" lnSpcReduction="20000"/>
+          </a:bodyPr>
+          <a:lstStyle/>
+          <a:p>
+            <a:pPr marL="0" indent="0">
+              <a:buNone/>
+            </a:pPr>
+            <a:r>
+              <a:rPr lang="en-US" dirty="0">
+                <a:solidFill>
+                  <a:srgbClr val="FF0000"/>
+                </a:solidFill>
+              </a:rPr>
+              <a:t>Find a neighbor</a:t>
+            </a:r>
+            <a:r>
+              <a:rPr lang="en-US" dirty="0"/>
+              <a:t> and take a minute to explain to each other a project you’re working on. Then:</a:t>
+            </a:r>
+          </a:p>
+          <a:p>
+            <a:r>
+              <a:rPr lang="en-US" dirty="0"/>
+              <a:t>Discuss what structure better fits the project.</a:t>
+            </a:r>
+          </a:p>
+          <a:p>
+            <a:r>
+              <a:rPr lang="en-US" dirty="0"/>
+              <a:t>Discuss path dependencies, settings, parameters, constants, etc. and where in the project that information would go.</a:t>
+            </a:r>
+          </a:p>
+          <a:p>
+            <a:r>
+              <a:rPr lang="en-US" dirty="0"/>
+              <a:t>What common errors have you encountered, or do you anticipate could encounter? (unallowed values, variable types, etc.)</a:t>
+            </a:r>
+          </a:p>
+          <a:p>
+            <a:r>
+              <a:rPr lang="en-US" dirty="0"/>
+              <a:t>What sort of systematic tests would you create to make sure individual aspects of your code are running smoothly?</a:t>
+            </a:r>
+          </a:p>
+          <a:p>
+            <a:r>
+              <a:rPr lang="en-US" dirty="0"/>
+              <a:t>Feel free to reveal any “smelly” code practices you’ve already committed in your code.</a:t>
+            </a:r>
+          </a:p>
+          <a:p>
+            <a:r>
+              <a:rPr lang="en-US" dirty="0"/>
+              <a:t>Discuss tools that you’re planning to use and why they will be particularly helpful to you.</a:t>
+            </a:r>
+          </a:p>
+        </p:txBody>
+      </p:sp>
+    </p:spTree>
+    <p:extLst>
+      <p:ext uri="{BB962C8B-B14F-4D97-AF65-F5344CB8AC3E}">
+        <p14:creationId xmlns:p14="http://schemas.microsoft.com/office/powerpoint/2010/main" val="47857977"/>
+      </p:ext>
+    </p:extLst>
+  </p:cSld>
+  <p:clrMapOvr>
+    <a:masterClrMapping/>
+  </p:clrMapOvr>
+</p:sld>
+</file>
+
+<file path=ppt/slides/slide51.xml><?xml version="1.0" encoding="utf-8"?>
+<p:sld xmlns:a="http://schemas.openxmlformats.org/drawingml/2006/main" xmlns:r="http://schemas.openxmlformats.org/officeDocument/2006/relationships" xmlns:p="http://schemas.openxmlformats.org/presentationml/2006/main">
+  <p:cSld>
+    <p:spTree>
+      <p:nvGrpSpPr>
+        <p:cNvPr id="1" name="">
+          <a:extLst>
+            <a:ext uri="{FF2B5EF4-FFF2-40B4-BE49-F238E27FC236}">
+              <a16:creationId xmlns:a16="http://schemas.microsoft.com/office/drawing/2014/main" id="{A76E9688-19BC-34E4-A532-067AB904DF0D}"/>
+            </a:ext>
+          </a:extLst>
+        </p:cNvPr>
+        <p:cNvGrpSpPr/>
+        <p:nvPr/>
+      </p:nvGrpSpPr>
+      <p:grpSpPr>
+        <a:xfrm>
+          <a:off x="0" y="0"/>
+          <a:ext cx="0" cy="0"/>
+          <a:chOff x="0" y="0"/>
+          <a:chExt cx="0" cy="0"/>
+        </a:xfrm>
+      </p:grpSpPr>
+      <p:sp>
+        <p:nvSpPr>
+          <p:cNvPr id="24" name="Freeform 23">
+            <a:extLst>
+              <a:ext uri="{FF2B5EF4-FFF2-40B4-BE49-F238E27FC236}">
+                <a16:creationId xmlns:a16="http://schemas.microsoft.com/office/drawing/2014/main" id="{D3942794-5E05-291B-8543-4A8ACE2D57E2}"/>
+              </a:ext>
+            </a:extLst>
+          </p:cNvPr>
+          <p:cNvSpPr/>
+          <p:nvPr/>
+        </p:nvSpPr>
+        <p:spPr>
+          <a:xfrm>
+            <a:off x="10054397" y="2636920"/>
+            <a:ext cx="2137603" cy="4221080"/>
+          </a:xfrm>
+          <a:custGeom>
+            <a:avLst/>
+            <a:gdLst>
+              <a:gd name="connsiteX0" fmla="*/ 2137603 w 2137603"/>
+              <a:gd name="connsiteY0" fmla="*/ 0 h 4221080"/>
+              <a:gd name="connsiteX1" fmla="*/ 2137603 w 2137603"/>
+              <a:gd name="connsiteY1" fmla="*/ 578403 h 4221080"/>
+              <a:gd name="connsiteX2" fmla="*/ 292910 w 2137603"/>
+              <a:gd name="connsiteY2" fmla="*/ 4221080 h 4221080"/>
+              <a:gd name="connsiteX3" fmla="*/ 0 w 2137603"/>
+              <a:gd name="connsiteY3" fmla="*/ 4221080 h 4221080"/>
+            </a:gdLst>
+            <a:ahLst/>
+            <a:cxnLst>
+              <a:cxn ang="0">
+                <a:pos x="connsiteX0" y="connsiteY0"/>
+              </a:cxn>
+              <a:cxn ang="0">
+                <a:pos x="connsiteX1" y="connsiteY1"/>
+              </a:cxn>
+              <a:cxn ang="0">
+                <a:pos x="connsiteX2" y="connsiteY2"/>
+              </a:cxn>
+              <a:cxn ang="0">
+                <a:pos x="connsiteX3" y="connsiteY3"/>
+              </a:cxn>
+            </a:cxnLst>
+            <a:rect l="l" t="t" r="r" b="b"/>
+            <a:pathLst>
+              <a:path w="2137603" h="4221080">
+                <a:moveTo>
+                  <a:pt x="2137603" y="0"/>
+                </a:moveTo>
+                <a:lnTo>
+                  <a:pt x="2137603" y="578403"/>
+                </a:lnTo>
+                <a:lnTo>
+                  <a:pt x="292910" y="4221080"/>
+                </a:lnTo>
+                <a:lnTo>
+                  <a:pt x="0" y="4221080"/>
+                </a:lnTo>
+                <a:close/>
+              </a:path>
+            </a:pathLst>
+          </a:custGeom>
+          <a:solidFill>
+            <a:srgbClr val="4E2A84"/>
+          </a:solidFill>
+          <a:ln>
+            <a:noFill/>
+          </a:ln>
+        </p:spPr>
+        <p:style>
+          <a:lnRef idx="2">
+            <a:schemeClr val="accent1">
+              <a:shade val="15000"/>
+            </a:schemeClr>
+          </a:lnRef>
+          <a:fillRef idx="1">
+            <a:schemeClr val="accent1"/>
+          </a:fillRef>
+          <a:effectRef idx="0">
+            <a:schemeClr val="accent1"/>
+          </a:effectRef>
+          <a:fontRef idx="minor">
+            <a:schemeClr val="lt1"/>
+          </a:fontRef>
+        </p:style>
+        <p:txBody>
+          <a:bodyPr wrap="square" rtlCol="0" anchor="ctr">
+            <a:noAutofit/>
+          </a:bodyPr>
+          <a:lstStyle/>
+          <a:p>
+            <a:pPr marL="0" marR="0" lvl="0" indent="0" algn="ctr" defTabSz="914400" rtl="0" eaLnBrk="1" fontAlgn="auto" latinLnBrk="0" hangingPunct="1">
+              <a:lnSpc>
+                <a:spcPct val="100000"/>
+              </a:lnSpc>
+              <a:spcBef>
+                <a:spcPts val="0"/>
+              </a:spcBef>
+              <a:spcAft>
+                <a:spcPts val="0"/>
+              </a:spcAft>
+              <a:buClrTx/>
+              <a:buSzTx/>
+              <a:buFontTx/>
+              <a:buNone/>
+              <a:tabLst/>
+              <a:defRPr/>
+            </a:pPr>
+            <a:endParaRPr kumimoji="0" lang="en-US" sz="1800" b="0" i="0" u="none" strike="noStrike" kern="1200" cap="none" spc="0" normalizeH="0" baseline="0" noProof="0">
+              <a:ln>
+                <a:noFill/>
+              </a:ln>
+              <a:solidFill>
+                <a:prstClr val="white"/>
+              </a:solidFill>
+              <a:effectLst/>
+              <a:uLnTx/>
+              <a:uFillTx/>
+              <a:latin typeface="Aptos" panose="02110004020202020204"/>
+              <a:ea typeface="+mn-ea"/>
+              <a:cs typeface="+mn-cs"/>
+            </a:endParaRPr>
+          </a:p>
+        </p:txBody>
+      </p:sp>
+      <p:sp>
+        <p:nvSpPr>
+          <p:cNvPr id="22" name="Freeform 21">
+            <a:extLst>
+              <a:ext uri="{FF2B5EF4-FFF2-40B4-BE49-F238E27FC236}">
+                <a16:creationId xmlns:a16="http://schemas.microsoft.com/office/drawing/2014/main" id="{46227CF2-B3B4-9012-17BA-5F01C0EAFE97}"/>
+              </a:ext>
+            </a:extLst>
+          </p:cNvPr>
+          <p:cNvSpPr/>
+          <p:nvPr/>
+        </p:nvSpPr>
+        <p:spPr>
+          <a:xfrm>
+            <a:off x="9324482" y="1195572"/>
+            <a:ext cx="2867518" cy="5662428"/>
+          </a:xfrm>
+          <a:custGeom>
+            <a:avLst/>
+            <a:gdLst>
+              <a:gd name="connsiteX0" fmla="*/ 2867518 w 2867518"/>
+              <a:gd name="connsiteY0" fmla="*/ 0 h 5662428"/>
+              <a:gd name="connsiteX1" fmla="*/ 2867518 w 2867518"/>
+              <a:gd name="connsiteY1" fmla="*/ 578403 h 5662428"/>
+              <a:gd name="connsiteX2" fmla="*/ 292910 w 2867518"/>
+              <a:gd name="connsiteY2" fmla="*/ 5662428 h 5662428"/>
+              <a:gd name="connsiteX3" fmla="*/ 0 w 2867518"/>
+              <a:gd name="connsiteY3" fmla="*/ 5662428 h 5662428"/>
+            </a:gdLst>
+            <a:ahLst/>
+            <a:cxnLst>
+              <a:cxn ang="0">
+                <a:pos x="connsiteX0" y="connsiteY0"/>
+              </a:cxn>
+              <a:cxn ang="0">
+                <a:pos x="connsiteX1" y="connsiteY1"/>
+              </a:cxn>
+              <a:cxn ang="0">
+                <a:pos x="connsiteX2" y="connsiteY2"/>
+              </a:cxn>
+              <a:cxn ang="0">
+                <a:pos x="connsiteX3" y="connsiteY3"/>
+              </a:cxn>
+            </a:cxnLst>
+            <a:rect l="l" t="t" r="r" b="b"/>
+            <a:pathLst>
+              <a:path w="2867518" h="5662428">
+                <a:moveTo>
+                  <a:pt x="2867518" y="0"/>
+                </a:moveTo>
+                <a:lnTo>
+                  <a:pt x="2867518" y="578403"/>
+                </a:lnTo>
+                <a:lnTo>
+                  <a:pt x="292910" y="5662428"/>
+                </a:lnTo>
+                <a:lnTo>
+                  <a:pt x="0" y="5662428"/>
+                </a:lnTo>
+                <a:close/>
+              </a:path>
+            </a:pathLst>
+          </a:custGeom>
+          <a:solidFill>
+            <a:srgbClr val="4E2A84"/>
+          </a:solidFill>
+          <a:ln>
+            <a:noFill/>
+          </a:ln>
+        </p:spPr>
+        <p:style>
+          <a:lnRef idx="2">
+            <a:schemeClr val="accent1">
+              <a:shade val="15000"/>
+            </a:schemeClr>
+          </a:lnRef>
+          <a:fillRef idx="1">
+            <a:schemeClr val="accent1"/>
+          </a:fillRef>
+          <a:effectRef idx="0">
+            <a:schemeClr val="accent1"/>
+          </a:effectRef>
+          <a:fontRef idx="minor">
+            <a:schemeClr val="lt1"/>
+          </a:fontRef>
+        </p:style>
+        <p:txBody>
+          <a:bodyPr wrap="square" rtlCol="0" anchor="ctr">
+            <a:noAutofit/>
+          </a:bodyPr>
+          <a:lstStyle/>
+          <a:p>
+            <a:pPr marL="0" marR="0" lvl="0" indent="0" algn="ctr" defTabSz="914400" rtl="0" eaLnBrk="1" fontAlgn="auto" latinLnBrk="0" hangingPunct="1">
+              <a:lnSpc>
+                <a:spcPct val="100000"/>
+              </a:lnSpc>
+              <a:spcBef>
+                <a:spcPts val="0"/>
+              </a:spcBef>
+              <a:spcAft>
+                <a:spcPts val="0"/>
+              </a:spcAft>
+              <a:buClrTx/>
+              <a:buSzTx/>
+              <a:buFontTx/>
+              <a:buNone/>
+              <a:tabLst/>
+              <a:defRPr/>
+            </a:pPr>
+            <a:endParaRPr kumimoji="0" lang="en-US" sz="1800" b="0" i="0" u="none" strike="noStrike" kern="1200" cap="none" spc="0" normalizeH="0" baseline="0" noProof="0">
+              <a:ln>
+                <a:noFill/>
+              </a:ln>
+              <a:solidFill>
+                <a:prstClr val="white"/>
+              </a:solidFill>
+              <a:effectLst/>
+              <a:uLnTx/>
+              <a:uFillTx/>
+              <a:latin typeface="Aptos" panose="02110004020202020204"/>
+              <a:ea typeface="+mn-ea"/>
+              <a:cs typeface="+mn-cs"/>
+            </a:endParaRPr>
+          </a:p>
+        </p:txBody>
+      </p:sp>
+      <p:sp>
+        <p:nvSpPr>
+          <p:cNvPr id="15" name="Parallelogram 14">
+            <a:extLst>
+              <a:ext uri="{FF2B5EF4-FFF2-40B4-BE49-F238E27FC236}">
+                <a16:creationId xmlns:a16="http://schemas.microsoft.com/office/drawing/2014/main" id="{DBEDA763-0CD2-FA7A-251F-8A1AD9BEB56C}"/>
+              </a:ext>
+            </a:extLst>
+          </p:cNvPr>
+          <p:cNvSpPr/>
+          <p:nvPr/>
+        </p:nvSpPr>
+        <p:spPr>
+          <a:xfrm>
+            <a:off x="4981075" y="0"/>
+            <a:ext cx="6845968" cy="6858000"/>
+          </a:xfrm>
+          <a:prstGeom prst="parallelogram">
+            <a:avLst>
+              <a:gd name="adj" fmla="val 49291"/>
+            </a:avLst>
+          </a:prstGeom>
+          <a:solidFill>
+            <a:srgbClr val="4E2A84"/>
+          </a:solidFill>
+          <a:ln>
+            <a:noFill/>
+          </a:ln>
+        </p:spPr>
+        <p:style>
+          <a:lnRef idx="2">
+            <a:schemeClr val="accent1">
+              <a:shade val="15000"/>
+            </a:schemeClr>
+          </a:lnRef>
+          <a:fillRef idx="1">
+            <a:schemeClr val="accent1"/>
+          </a:fillRef>
+          <a:effectRef idx="0">
+            <a:schemeClr val="accent1"/>
+          </a:effectRef>
+          <a:fontRef idx="minor">
+            <a:schemeClr val="lt1"/>
+          </a:fontRef>
+        </p:style>
+        <p:txBody>
+          <a:bodyPr rtlCol="0" anchor="ctr"/>
+          <a:lstStyle/>
+          <a:p>
+            <a:pPr marL="0" marR="0" lvl="0" indent="0" algn="ctr" defTabSz="914400" rtl="0" eaLnBrk="1" fontAlgn="auto" latinLnBrk="0" hangingPunct="1">
+              <a:lnSpc>
+                <a:spcPct val="100000"/>
+              </a:lnSpc>
+              <a:spcBef>
+                <a:spcPts val="0"/>
+              </a:spcBef>
+              <a:spcAft>
+                <a:spcPts val="0"/>
+              </a:spcAft>
+              <a:buClrTx/>
+              <a:buSzTx/>
+              <a:buFontTx/>
+              <a:buNone/>
+              <a:tabLst/>
+              <a:defRPr/>
+            </a:pPr>
+            <a:endParaRPr kumimoji="0" lang="en-US" sz="1800" b="0" i="0" u="none" strike="noStrike" kern="1200" cap="none" spc="0" normalizeH="0" baseline="0" noProof="0">
+              <a:ln>
+                <a:noFill/>
+              </a:ln>
+              <a:solidFill>
+                <a:prstClr val="white"/>
+              </a:solidFill>
+              <a:effectLst/>
+              <a:uLnTx/>
+              <a:uFillTx/>
+              <a:latin typeface="Aptos" panose="02110004020202020204"/>
+              <a:ea typeface="+mn-ea"/>
+              <a:cs typeface="+mn-cs"/>
+            </a:endParaRPr>
+          </a:p>
+        </p:txBody>
+      </p:sp>
+      <p:sp>
+        <p:nvSpPr>
+          <p:cNvPr id="14" name="Parallelogram 13">
+            <a:extLst>
+              <a:ext uri="{FF2B5EF4-FFF2-40B4-BE49-F238E27FC236}">
+                <a16:creationId xmlns:a16="http://schemas.microsoft.com/office/drawing/2014/main" id="{769DDE58-8D8E-A11A-45F8-FF1B2ADD2736}"/>
+              </a:ext>
+            </a:extLst>
+          </p:cNvPr>
+          <p:cNvSpPr/>
+          <p:nvPr/>
+        </p:nvSpPr>
+        <p:spPr>
+          <a:xfrm>
+            <a:off x="3356518" y="0"/>
+            <a:ext cx="4565784" cy="6858000"/>
+          </a:xfrm>
+          <a:prstGeom prst="parallelogram">
+            <a:avLst>
+              <a:gd name="adj" fmla="val 74735"/>
+            </a:avLst>
+          </a:prstGeom>
+          <a:solidFill>
+            <a:srgbClr val="4E2A84"/>
+          </a:solidFill>
+          <a:ln>
+            <a:noFill/>
+          </a:ln>
+        </p:spPr>
+        <p:style>
+          <a:lnRef idx="2">
+            <a:schemeClr val="accent1">
+              <a:shade val="15000"/>
+            </a:schemeClr>
+          </a:lnRef>
+          <a:fillRef idx="1">
+            <a:schemeClr val="accent1"/>
+          </a:fillRef>
+          <a:effectRef idx="0">
+            <a:schemeClr val="accent1"/>
+          </a:effectRef>
+          <a:fontRef idx="minor">
+            <a:schemeClr val="lt1"/>
+          </a:fontRef>
+        </p:style>
+        <p:txBody>
+          <a:bodyPr rtlCol="0" anchor="ctr"/>
+          <a:lstStyle/>
+          <a:p>
+            <a:pPr marL="0" marR="0" lvl="0" indent="0" algn="ctr" defTabSz="914400" rtl="0" eaLnBrk="1" fontAlgn="auto" latinLnBrk="0" hangingPunct="1">
+              <a:lnSpc>
+                <a:spcPct val="100000"/>
+              </a:lnSpc>
+              <a:spcBef>
+                <a:spcPts val="0"/>
+              </a:spcBef>
+              <a:spcAft>
+                <a:spcPts val="0"/>
+              </a:spcAft>
+              <a:buClrTx/>
+              <a:buSzTx/>
+              <a:buFontTx/>
+              <a:buNone/>
+              <a:tabLst/>
+              <a:defRPr/>
+            </a:pPr>
+            <a:endParaRPr kumimoji="0" lang="en-US" sz="1800" b="0" i="0" u="none" strike="noStrike" kern="1200" cap="none" spc="0" normalizeH="0" baseline="0" noProof="0">
+              <a:ln>
+                <a:noFill/>
+              </a:ln>
+              <a:solidFill>
+                <a:prstClr val="white"/>
+              </a:solidFill>
+              <a:effectLst/>
+              <a:uLnTx/>
+              <a:uFillTx/>
+              <a:latin typeface="Aptos" panose="02110004020202020204"/>
+              <a:ea typeface="+mn-ea"/>
+              <a:cs typeface="+mn-cs"/>
+            </a:endParaRPr>
+          </a:p>
+        </p:txBody>
+      </p:sp>
+      <p:sp>
+        <p:nvSpPr>
+          <p:cNvPr id="2" name="TextBox 1">
+            <a:extLst>
+              <a:ext uri="{FF2B5EF4-FFF2-40B4-BE49-F238E27FC236}">
+                <a16:creationId xmlns:a16="http://schemas.microsoft.com/office/drawing/2014/main" id="{F2C42C00-7032-1204-CA48-F326F0A9CFF8}"/>
+              </a:ext>
+            </a:extLst>
+          </p:cNvPr>
+          <p:cNvSpPr txBox="1">
+            <a:spLocks noGrp="1" noRot="1" noMove="1" noResize="1" noEditPoints="1" noAdjustHandles="1" noChangeArrowheads="1" noChangeShapeType="1"/>
+          </p:cNvSpPr>
+          <p:nvPr/>
+        </p:nvSpPr>
+        <p:spPr>
+          <a:xfrm>
+            <a:off x="0" y="3208103"/>
+            <a:ext cx="12192000" cy="2286000"/>
+          </a:xfrm>
+          <a:prstGeom prst="rect">
+            <a:avLst/>
+          </a:prstGeom>
+          <a:solidFill>
+            <a:srgbClr val="E4E0EE"/>
+          </a:solidFill>
+        </p:spPr>
+        <p:txBody>
+          <a:bodyPr wrap="square" lIns="914400" rIns="914400" rtlCol="0" anchor="ctr">
+            <a:noAutofit/>
+          </a:bodyPr>
+          <a:lstStyle/>
+          <a:p>
+            <a:pPr marL="0" marR="0" lvl="0" indent="0" algn="l" defTabSz="914400" rtl="0" eaLnBrk="1" fontAlgn="auto" latinLnBrk="0" hangingPunct="1">
+              <a:lnSpc>
+                <a:spcPct val="100000"/>
+              </a:lnSpc>
+              <a:spcBef>
+                <a:spcPts val="0"/>
+              </a:spcBef>
+              <a:spcAft>
+                <a:spcPts val="0"/>
+              </a:spcAft>
+              <a:buClrTx/>
+              <a:buSzTx/>
+              <a:buFontTx/>
+              <a:buNone/>
+              <a:tabLst/>
+              <a:defRPr/>
+            </a:pPr>
+            <a:r>
+              <a:rPr kumimoji="0" lang="en-US" sz="4800" b="0" i="0" u="none" strike="noStrike" kern="1200" cap="none" spc="0" normalizeH="0" baseline="0" noProof="0">
+                <a:ln>
+                  <a:noFill/>
+                </a:ln>
+                <a:solidFill>
+                  <a:schemeClr val="tx1">
+                    <a:lumMod val="65000"/>
+                    <a:lumOff val="35000"/>
+                  </a:schemeClr>
+                </a:solidFill>
+                <a:effectLst/>
+                <a:uLnTx/>
+                <a:uFillTx/>
+                <a:latin typeface="Arial" panose="020B0604020202020204" pitchFamily="34" charset="0"/>
+                <a:ea typeface="+mn-ea"/>
+                <a:cs typeface="Arial" panose="020B0604020202020204" pitchFamily="34" charset="0"/>
+              </a:rPr>
+              <a:t>Recap</a:t>
+            </a:r>
+          </a:p>
+        </p:txBody>
+      </p:sp>
+    </p:spTree>
+    <p:extLst>
+      <p:ext uri="{BB962C8B-B14F-4D97-AF65-F5344CB8AC3E}">
+        <p14:creationId xmlns:p14="http://schemas.microsoft.com/office/powerpoint/2010/main" val="2089355000"/>
+      </p:ext>
+    </p:extLst>
+  </p:cSld>
+  <p:clrMapOvr>
+    <a:masterClrMapping/>
+  </p:clrMapOvr>
+</p:sld>
+</file>
+
+<file path=ppt/slides/slide52.xml><?xml version="1.0" encoding="utf-8"?>
+<p:sld xmlns:a="http://schemas.openxmlformats.org/drawingml/2006/main" xmlns:r="http://schemas.openxmlformats.org/officeDocument/2006/relationships" xmlns:p="http://schemas.openxmlformats.org/presentationml/2006/main">
+  <p:cSld>
+    <p:spTree>
+      <p:nvGrpSpPr>
+        <p:cNvPr id="1" name="">
+          <a:extLst>
+            <a:ext uri="{FF2B5EF4-FFF2-40B4-BE49-F238E27FC236}">
+              <a16:creationId xmlns:a16="http://schemas.microsoft.com/office/drawing/2014/main" id="{E1BEA49B-2F9B-21F9-8292-D0C3A618D539}"/>
+            </a:ext>
+          </a:extLst>
+        </p:cNvPr>
+        <p:cNvGrpSpPr/>
+        <p:nvPr/>
+      </p:nvGrpSpPr>
+      <p:grpSpPr>
+        <a:xfrm>
+          <a:off x="0" y="0"/>
+          <a:ext cx="0" cy="0"/>
+          <a:chOff x="0" y="0"/>
+          <a:chExt cx="0" cy="0"/>
+        </a:xfrm>
+      </p:grpSpPr>
+      <p:sp>
+        <p:nvSpPr>
+          <p:cNvPr id="2" name="Title 1">
+            <a:extLst>
+              <a:ext uri="{FF2B5EF4-FFF2-40B4-BE49-F238E27FC236}">
+                <a16:creationId xmlns:a16="http://schemas.microsoft.com/office/drawing/2014/main" id="{2245CE3A-6028-17CF-CCD0-7202E233E978}"/>
+              </a:ext>
+            </a:extLst>
+          </p:cNvPr>
+          <p:cNvSpPr>
+            <a:spLocks noGrp="1"/>
+          </p:cNvSpPr>
+          <p:nvPr>
+            <p:ph type="title"/>
+          </p:nvPr>
+        </p:nvSpPr>
+        <p:spPr/>
+        <p:txBody>
+          <a:bodyPr/>
+          <a:lstStyle/>
+          <a:p>
+            <a:r>
+              <a:rPr lang="en-US" dirty="0"/>
+              <a:t>Day 2 Overview</a:t>
+            </a:r>
+          </a:p>
+        </p:txBody>
+      </p:sp>
+      <p:sp>
+        <p:nvSpPr>
+          <p:cNvPr id="3" name="Content Placeholder 2">
+            <a:extLst>
+              <a:ext uri="{FF2B5EF4-FFF2-40B4-BE49-F238E27FC236}">
+                <a16:creationId xmlns:a16="http://schemas.microsoft.com/office/drawing/2014/main" id="{4C710F7E-1928-D439-B3C8-22A73C831598}"/>
+              </a:ext>
+            </a:extLst>
+          </p:cNvPr>
+          <p:cNvSpPr>
+            <a:spLocks noGrp="1"/>
+          </p:cNvSpPr>
+          <p:nvPr>
+            <p:ph idx="1"/>
+          </p:nvPr>
+        </p:nvSpPr>
+        <p:spPr>
+          <a:xfrm>
+            <a:off x="838200" y="1473201"/>
+            <a:ext cx="10515600" cy="508000"/>
+          </a:xfrm>
+        </p:spPr>
+        <p:txBody>
+          <a:bodyPr/>
+          <a:lstStyle/>
+          <a:p>
+            <a:pPr marL="0" indent="0">
+              <a:buNone/>
+            </a:pPr>
+            <a:r>
+              <a:rPr lang="en-US" dirty="0"/>
+              <a:t>How should code...</a:t>
+            </a:r>
+          </a:p>
+        </p:txBody>
+      </p:sp>
+      <p:sp>
+        <p:nvSpPr>
+          <p:cNvPr id="5" name="TextBox 4">
+            <a:extLst>
+              <a:ext uri="{FF2B5EF4-FFF2-40B4-BE49-F238E27FC236}">
+                <a16:creationId xmlns:a16="http://schemas.microsoft.com/office/drawing/2014/main" id="{D9819CA1-52D6-F2F4-18BA-BB1D28E7F226}"/>
+              </a:ext>
+            </a:extLst>
+          </p:cNvPr>
+          <p:cNvSpPr txBox="1"/>
+          <p:nvPr/>
+        </p:nvSpPr>
+        <p:spPr>
+          <a:xfrm>
+            <a:off x="934358" y="2336800"/>
+            <a:ext cx="1803507" cy="400110"/>
+          </a:xfrm>
+          <a:prstGeom prst="rect">
+            <a:avLst/>
+          </a:prstGeom>
+          <a:noFill/>
+        </p:spPr>
+        <p:txBody>
+          <a:bodyPr wrap="none" rtlCol="0">
+            <a:spAutoFit/>
+          </a:bodyPr>
+          <a:lstStyle/>
+          <a:p>
+            <a:r>
+              <a:rPr lang="en-US" sz="2000" dirty="0"/>
+              <a:t>be structured?</a:t>
+            </a:r>
+          </a:p>
+        </p:txBody>
+      </p:sp>
+      <p:sp>
+        <p:nvSpPr>
+          <p:cNvPr id="6" name="TextBox 5">
+            <a:extLst>
+              <a:ext uri="{FF2B5EF4-FFF2-40B4-BE49-F238E27FC236}">
+                <a16:creationId xmlns:a16="http://schemas.microsoft.com/office/drawing/2014/main" id="{13BD1FFE-B106-A8DF-5560-AB6C0E968CBF}"/>
+              </a:ext>
+            </a:extLst>
+          </p:cNvPr>
+          <p:cNvSpPr txBox="1"/>
+          <p:nvPr/>
+        </p:nvSpPr>
+        <p:spPr>
+          <a:xfrm>
+            <a:off x="2997200" y="5010150"/>
+            <a:ext cx="2005677" cy="461665"/>
+          </a:xfrm>
+          <a:prstGeom prst="rect">
+            <a:avLst/>
+          </a:prstGeom>
+          <a:noFill/>
+        </p:spPr>
+        <p:txBody>
+          <a:bodyPr wrap="none" rtlCol="0">
+            <a:spAutoFit/>
+          </a:bodyPr>
+          <a:lstStyle/>
+          <a:p>
+            <a:r>
+              <a:rPr lang="en-US" sz="2400" b="1" dirty="0"/>
+              <a:t>Code Quality</a:t>
+            </a:r>
+          </a:p>
+        </p:txBody>
+      </p:sp>
+      <p:sp>
+        <p:nvSpPr>
+          <p:cNvPr id="7" name="TextBox 6">
+            <a:extLst>
+              <a:ext uri="{FF2B5EF4-FFF2-40B4-BE49-F238E27FC236}">
+                <a16:creationId xmlns:a16="http://schemas.microsoft.com/office/drawing/2014/main" id="{1148BB40-F91C-B190-1CF2-E9BE55C54538}"/>
+              </a:ext>
+            </a:extLst>
+          </p:cNvPr>
+          <p:cNvSpPr txBox="1"/>
+          <p:nvPr/>
+        </p:nvSpPr>
+        <p:spPr>
+          <a:xfrm>
+            <a:off x="5313513" y="2336800"/>
+            <a:ext cx="1678408" cy="400110"/>
+          </a:xfrm>
+          <a:prstGeom prst="rect">
+            <a:avLst/>
+          </a:prstGeom>
+          <a:noFill/>
+        </p:spPr>
+        <p:txBody>
+          <a:bodyPr wrap="none" rtlCol="0">
+            <a:spAutoFit/>
+          </a:bodyPr>
+          <a:lstStyle/>
+          <a:p>
+            <a:r>
+              <a:rPr lang="en-US" sz="2000" dirty="0"/>
+              <a:t>be managed?</a:t>
+            </a:r>
+          </a:p>
+        </p:txBody>
+      </p:sp>
+      <p:sp>
+        <p:nvSpPr>
+          <p:cNvPr id="9" name="TextBox 8">
+            <a:extLst>
+              <a:ext uri="{FF2B5EF4-FFF2-40B4-BE49-F238E27FC236}">
+                <a16:creationId xmlns:a16="http://schemas.microsoft.com/office/drawing/2014/main" id="{56472331-8392-08CA-CC19-DB584205FF17}"/>
+              </a:ext>
+            </a:extLst>
+          </p:cNvPr>
+          <p:cNvSpPr txBox="1"/>
+          <p:nvPr/>
+        </p:nvSpPr>
+        <p:spPr>
+          <a:xfrm>
+            <a:off x="7416800" y="2336800"/>
+            <a:ext cx="1816908" cy="400110"/>
+          </a:xfrm>
+          <a:prstGeom prst="rect">
+            <a:avLst/>
+          </a:prstGeom>
+          <a:noFill/>
+        </p:spPr>
+        <p:txBody>
+          <a:bodyPr wrap="none" rtlCol="0">
+            <a:spAutoFit/>
+          </a:bodyPr>
+          <a:lstStyle/>
+          <a:p>
+            <a:r>
+              <a:rPr lang="en-US" sz="2000" dirty="0"/>
+              <a:t>work properly?</a:t>
+            </a:r>
+          </a:p>
+        </p:txBody>
+      </p:sp>
+      <p:sp>
+        <p:nvSpPr>
+          <p:cNvPr id="10" name="TextBox 9">
+            <a:extLst>
+              <a:ext uri="{FF2B5EF4-FFF2-40B4-BE49-F238E27FC236}">
+                <a16:creationId xmlns:a16="http://schemas.microsoft.com/office/drawing/2014/main" id="{F028CCAE-08D1-A89E-0F72-6BEE0BC93F62}"/>
+              </a:ext>
+            </a:extLst>
+          </p:cNvPr>
+          <p:cNvSpPr txBox="1"/>
+          <p:nvPr/>
+        </p:nvSpPr>
+        <p:spPr>
+          <a:xfrm>
+            <a:off x="9652000" y="2336800"/>
+            <a:ext cx="1642244" cy="400110"/>
+          </a:xfrm>
+          <a:prstGeom prst="rect">
+            <a:avLst/>
+          </a:prstGeom>
+          <a:noFill/>
+        </p:spPr>
+        <p:txBody>
+          <a:bodyPr wrap="none" rtlCol="0">
+            <a:spAutoFit/>
+          </a:bodyPr>
+          <a:lstStyle/>
+          <a:p>
+            <a:r>
+              <a:rPr lang="en-US" sz="2000" dirty="0"/>
+              <a:t>stay healthy?</a:t>
+            </a:r>
+          </a:p>
+        </p:txBody>
+      </p:sp>
+      <p:sp>
+        <p:nvSpPr>
+          <p:cNvPr id="12" name="TextBox 11">
+            <a:extLst>
+              <a:ext uri="{FF2B5EF4-FFF2-40B4-BE49-F238E27FC236}">
+                <a16:creationId xmlns:a16="http://schemas.microsoft.com/office/drawing/2014/main" id="{502D2ED9-117B-F838-56EB-21F0782560C6}"/>
+              </a:ext>
+            </a:extLst>
+          </p:cNvPr>
+          <p:cNvSpPr txBox="1"/>
+          <p:nvPr/>
+        </p:nvSpPr>
+        <p:spPr>
+          <a:xfrm>
+            <a:off x="850900" y="5010150"/>
+            <a:ext cx="1931554" cy="461665"/>
+          </a:xfrm>
+          <a:prstGeom prst="rect">
+            <a:avLst/>
+          </a:prstGeom>
+          <a:noFill/>
+        </p:spPr>
+        <p:txBody>
+          <a:bodyPr wrap="none" rtlCol="0">
+            <a:spAutoFit/>
+          </a:bodyPr>
+          <a:lstStyle/>
+          <a:p>
+            <a:r>
+              <a:rPr lang="en-US" sz="2400" b="1" dirty="0"/>
+              <a:t>Architecture</a:t>
+            </a:r>
+          </a:p>
+        </p:txBody>
+      </p:sp>
+      <p:sp>
+        <p:nvSpPr>
+          <p:cNvPr id="13" name="TextBox 12">
+            <a:extLst>
+              <a:ext uri="{FF2B5EF4-FFF2-40B4-BE49-F238E27FC236}">
+                <a16:creationId xmlns:a16="http://schemas.microsoft.com/office/drawing/2014/main" id="{2D152EA1-17EB-31D7-4244-70693DF59266}"/>
+              </a:ext>
+            </a:extLst>
+          </p:cNvPr>
+          <p:cNvSpPr txBox="1"/>
+          <p:nvPr/>
+        </p:nvSpPr>
+        <p:spPr>
+          <a:xfrm>
+            <a:off x="3312888" y="2336800"/>
+            <a:ext cx="1412566" cy="400110"/>
+          </a:xfrm>
+          <a:prstGeom prst="rect">
+            <a:avLst/>
+          </a:prstGeom>
+          <a:noFill/>
+        </p:spPr>
+        <p:txBody>
+          <a:bodyPr wrap="none" rtlCol="0">
+            <a:spAutoFit/>
+          </a:bodyPr>
+          <a:lstStyle/>
+          <a:p>
+            <a:r>
+              <a:rPr lang="en-US" sz="2000" dirty="0"/>
+              <a:t>be written?</a:t>
+            </a:r>
+          </a:p>
+        </p:txBody>
+      </p:sp>
+      <p:sp>
+        <p:nvSpPr>
+          <p:cNvPr id="14" name="TextBox 13">
+            <a:extLst>
+              <a:ext uri="{FF2B5EF4-FFF2-40B4-BE49-F238E27FC236}">
+                <a16:creationId xmlns:a16="http://schemas.microsoft.com/office/drawing/2014/main" id="{5FF2334A-A160-AF71-5E27-ACE57D4D7FF7}"/>
+              </a:ext>
+            </a:extLst>
+          </p:cNvPr>
+          <p:cNvSpPr txBox="1"/>
+          <p:nvPr/>
+        </p:nvSpPr>
+        <p:spPr>
+          <a:xfrm>
+            <a:off x="5194300" y="5010150"/>
+            <a:ext cx="2095574" cy="461665"/>
+          </a:xfrm>
+          <a:prstGeom prst="rect">
+            <a:avLst/>
+          </a:prstGeom>
+          <a:noFill/>
+        </p:spPr>
+        <p:txBody>
+          <a:bodyPr wrap="none" rtlCol="0">
+            <a:spAutoFit/>
+          </a:bodyPr>
+          <a:lstStyle/>
+          <a:p>
+            <a:r>
+              <a:rPr lang="en-US" sz="2400" b="1" dirty="0"/>
+              <a:t>Configuration</a:t>
+            </a:r>
+          </a:p>
+        </p:txBody>
+      </p:sp>
+      <p:sp>
+        <p:nvSpPr>
+          <p:cNvPr id="15" name="TextBox 14">
+            <a:extLst>
+              <a:ext uri="{FF2B5EF4-FFF2-40B4-BE49-F238E27FC236}">
+                <a16:creationId xmlns:a16="http://schemas.microsoft.com/office/drawing/2014/main" id="{960AB1E2-EB03-8581-020D-D47E62E7CBAD}"/>
+              </a:ext>
+            </a:extLst>
+          </p:cNvPr>
+          <p:cNvSpPr txBox="1"/>
+          <p:nvPr/>
+        </p:nvSpPr>
+        <p:spPr>
+          <a:xfrm>
+            <a:off x="7543800" y="5010150"/>
+            <a:ext cx="1592103" cy="461665"/>
+          </a:xfrm>
+          <a:prstGeom prst="rect">
+            <a:avLst/>
+          </a:prstGeom>
+          <a:noFill/>
+        </p:spPr>
+        <p:txBody>
+          <a:bodyPr wrap="none" rtlCol="0">
+            <a:spAutoFit/>
+          </a:bodyPr>
+          <a:lstStyle/>
+          <a:p>
+            <a:r>
+              <a:rPr lang="en-US" sz="2400" b="1" dirty="0"/>
+              <a:t>Reliability</a:t>
+            </a:r>
+          </a:p>
+        </p:txBody>
+      </p:sp>
+      <p:sp>
+        <p:nvSpPr>
+          <p:cNvPr id="16" name="TextBox 15">
+            <a:extLst>
+              <a:ext uri="{FF2B5EF4-FFF2-40B4-BE49-F238E27FC236}">
+                <a16:creationId xmlns:a16="http://schemas.microsoft.com/office/drawing/2014/main" id="{64BB1868-9D65-AF2A-9E7E-5E7E882C4F04}"/>
+              </a:ext>
+            </a:extLst>
+          </p:cNvPr>
+          <p:cNvSpPr txBox="1"/>
+          <p:nvPr/>
+        </p:nvSpPr>
+        <p:spPr>
+          <a:xfrm>
+            <a:off x="9385301" y="4825484"/>
+            <a:ext cx="2235200" cy="830997"/>
+          </a:xfrm>
+          <a:prstGeom prst="rect">
+            <a:avLst/>
+          </a:prstGeom>
+          <a:noFill/>
+        </p:spPr>
+        <p:txBody>
+          <a:bodyPr wrap="square" rtlCol="0">
+            <a:spAutoFit/>
+          </a:bodyPr>
+          <a:lstStyle/>
+          <a:p>
+            <a:pPr algn="ctr"/>
+            <a:r>
+              <a:rPr lang="en-US" sz="2400" b="1" dirty="0"/>
+              <a:t>Continuous Improvement</a:t>
+            </a:r>
+          </a:p>
+        </p:txBody>
+      </p:sp>
+      <p:pic>
+        <p:nvPicPr>
+          <p:cNvPr id="17" name="Picture 16">
+            <a:extLst>
+              <a:ext uri="{FF2B5EF4-FFF2-40B4-BE49-F238E27FC236}">
+                <a16:creationId xmlns:a16="http://schemas.microsoft.com/office/drawing/2014/main" id="{549AD887-11B7-5705-8693-1DD908FE6C23}"/>
+              </a:ext>
+            </a:extLst>
+          </p:cNvPr>
+          <p:cNvPicPr>
+            <a:picLocks noChangeAspect="1"/>
+          </p:cNvPicPr>
+          <p:nvPr/>
+        </p:nvPicPr>
+        <p:blipFill>
+          <a:blip r:embed="rId2"/>
+          <a:stretch>
+            <a:fillRect/>
+          </a:stretch>
+        </p:blipFill>
+        <p:spPr>
+          <a:xfrm>
+            <a:off x="908050" y="2836134"/>
+            <a:ext cx="1836871" cy="1877021"/>
+          </a:xfrm>
+          <a:prstGeom prst="rect">
+            <a:avLst/>
+          </a:prstGeom>
+        </p:spPr>
+      </p:pic>
+      <p:pic>
+        <p:nvPicPr>
+          <p:cNvPr id="18" name="Picture 17">
+            <a:extLst>
+              <a:ext uri="{FF2B5EF4-FFF2-40B4-BE49-F238E27FC236}">
+                <a16:creationId xmlns:a16="http://schemas.microsoft.com/office/drawing/2014/main" id="{B23F8C91-F4F9-6DFA-0548-AFF2BFE3ED08}"/>
+              </a:ext>
+            </a:extLst>
+          </p:cNvPr>
+          <p:cNvPicPr>
+            <a:picLocks noChangeAspect="1"/>
+          </p:cNvPicPr>
+          <p:nvPr/>
+        </p:nvPicPr>
+        <p:blipFill>
+          <a:blip r:embed="rId3"/>
+          <a:stretch>
+            <a:fillRect/>
+          </a:stretch>
+        </p:blipFill>
+        <p:spPr>
+          <a:xfrm>
+            <a:off x="3111316" y="2866554"/>
+            <a:ext cx="1786683" cy="1816180"/>
+          </a:xfrm>
+          <a:prstGeom prst="rect">
+            <a:avLst/>
+          </a:prstGeom>
+        </p:spPr>
+      </p:pic>
+      <p:pic>
+        <p:nvPicPr>
+          <p:cNvPr id="19" name="Picture 18">
+            <a:extLst>
+              <a:ext uri="{FF2B5EF4-FFF2-40B4-BE49-F238E27FC236}">
+                <a16:creationId xmlns:a16="http://schemas.microsoft.com/office/drawing/2014/main" id="{60201C92-4E94-6B08-9335-917C3888E0CE}"/>
+              </a:ext>
+            </a:extLst>
+          </p:cNvPr>
+          <p:cNvPicPr>
+            <a:picLocks noChangeAspect="1"/>
+          </p:cNvPicPr>
+          <p:nvPr/>
+        </p:nvPicPr>
+        <p:blipFill>
+          <a:blip r:embed="rId4"/>
+          <a:stretch>
+            <a:fillRect/>
+          </a:stretch>
+        </p:blipFill>
+        <p:spPr>
+          <a:xfrm>
+            <a:off x="5264394" y="2871586"/>
+            <a:ext cx="1776646" cy="1806116"/>
+          </a:xfrm>
+          <a:prstGeom prst="rect">
+            <a:avLst/>
+          </a:prstGeom>
+        </p:spPr>
+      </p:pic>
+      <p:pic>
+        <p:nvPicPr>
+          <p:cNvPr id="20" name="Picture 19">
+            <a:extLst>
+              <a:ext uri="{FF2B5EF4-FFF2-40B4-BE49-F238E27FC236}">
+                <a16:creationId xmlns:a16="http://schemas.microsoft.com/office/drawing/2014/main" id="{B55D1602-BBB3-32AC-1867-24EEF0F7C769}"/>
+              </a:ext>
+            </a:extLst>
+          </p:cNvPr>
+          <p:cNvPicPr>
+            <a:picLocks noChangeAspect="1"/>
+          </p:cNvPicPr>
+          <p:nvPr/>
+        </p:nvPicPr>
+        <p:blipFill>
+          <a:blip r:embed="rId5"/>
+          <a:stretch>
+            <a:fillRect/>
+          </a:stretch>
+        </p:blipFill>
+        <p:spPr>
+          <a:xfrm>
+            <a:off x="7407435" y="2866247"/>
+            <a:ext cx="1795621" cy="1816795"/>
+          </a:xfrm>
+          <a:prstGeom prst="rect">
+            <a:avLst/>
+          </a:prstGeom>
+        </p:spPr>
+      </p:pic>
+      <p:pic>
+        <p:nvPicPr>
+          <p:cNvPr id="21" name="Picture 20">
+            <a:extLst>
+              <a:ext uri="{FF2B5EF4-FFF2-40B4-BE49-F238E27FC236}">
+                <a16:creationId xmlns:a16="http://schemas.microsoft.com/office/drawing/2014/main" id="{2544ADAC-CC43-D38D-BA84-0C7948E368BD}"/>
+              </a:ext>
+            </a:extLst>
+          </p:cNvPr>
+          <p:cNvPicPr>
+            <a:picLocks noChangeAspect="1"/>
+          </p:cNvPicPr>
+          <p:nvPr/>
+        </p:nvPicPr>
+        <p:blipFill>
+          <a:blip r:embed="rId6"/>
+          <a:stretch>
+            <a:fillRect/>
+          </a:stretch>
+        </p:blipFill>
+        <p:spPr>
+          <a:xfrm>
+            <a:off x="9569450" y="2871973"/>
+            <a:ext cx="1784350" cy="1805342"/>
+          </a:xfrm>
+          <a:prstGeom prst="rect">
+            <a:avLst/>
+          </a:prstGeom>
+        </p:spPr>
+      </p:pic>
+    </p:spTree>
+    <p:extLst>
+      <p:ext uri="{BB962C8B-B14F-4D97-AF65-F5344CB8AC3E}">
+        <p14:creationId xmlns:p14="http://schemas.microsoft.com/office/powerpoint/2010/main" val="1447751007"/>
+      </p:ext>
+    </p:extLst>
+  </p:cSld>
+  <p:clrMapOvr>
+    <a:masterClrMapping/>
+  </p:clrMapOvr>
+</p:sld>
+</file>
+
+<file path=ppt/slides/slide53.xml><?xml version="1.0" encoding="utf-8"?>
+<p:sld xmlns:a="http://schemas.openxmlformats.org/drawingml/2006/main" xmlns:r="http://schemas.openxmlformats.org/officeDocument/2006/relationships" xmlns:p="http://schemas.openxmlformats.org/presentationml/2006/main">
+  <p:cSld>
+    <p:spTree>
+      <p:nvGrpSpPr>
+        <p:cNvPr id="1" name=""/>
+        <p:cNvGrpSpPr/>
+        <p:nvPr/>
+      </p:nvGrpSpPr>
+      <p:grpSpPr>
+        <a:xfrm>
+          <a:off x="0" y="0"/>
+          <a:ext cx="0" cy="0"/>
+          <a:chOff x="0" y="0"/>
+          <a:chExt cx="0" cy="0"/>
+        </a:xfrm>
+      </p:grpSpPr>
+      <p:sp>
+        <p:nvSpPr>
+          <p:cNvPr id="2" name="Title 1">
+            <a:extLst>
+              <a:ext uri="{FF2B5EF4-FFF2-40B4-BE49-F238E27FC236}">
+                <a16:creationId xmlns:a16="http://schemas.microsoft.com/office/drawing/2014/main" id="{2DFC3D64-5957-BEA5-B5E3-AFEF81771C95}"/>
+              </a:ext>
+            </a:extLst>
+          </p:cNvPr>
+          <p:cNvSpPr>
+            <a:spLocks noGrp="1"/>
+          </p:cNvSpPr>
+          <p:nvPr>
+            <p:ph type="title"/>
+          </p:nvPr>
+        </p:nvSpPr>
+        <p:spPr/>
+        <p:txBody>
+          <a:bodyPr/>
+          <a:lstStyle/>
+          <a:p>
+            <a:r>
+              <a:rPr lang="en-US" dirty="0"/>
+              <a:t>Checklist</a:t>
+            </a:r>
+          </a:p>
+        </p:txBody>
+      </p:sp>
+      <p:sp>
+        <p:nvSpPr>
+          <p:cNvPr id="3" name="Content Placeholder 2">
+            <a:extLst>
+              <a:ext uri="{FF2B5EF4-FFF2-40B4-BE49-F238E27FC236}">
+                <a16:creationId xmlns:a16="http://schemas.microsoft.com/office/drawing/2014/main" id="{C1B52081-B4F4-4A18-AC41-ABE88E393366}"/>
+              </a:ext>
+            </a:extLst>
+          </p:cNvPr>
+          <p:cNvSpPr>
+            <a:spLocks noGrp="1"/>
+          </p:cNvSpPr>
+          <p:nvPr>
+            <p:ph idx="1"/>
+          </p:nvPr>
+        </p:nvSpPr>
+        <p:spPr/>
+        <p:txBody>
+          <a:bodyPr>
+            <a:normAutofit/>
+          </a:bodyPr>
+          <a:lstStyle/>
+          <a:p>
+            <a:r>
+              <a:rPr lang="en-US" dirty="0"/>
+              <a:t>Draft the logical structure of your code.</a:t>
+            </a:r>
+          </a:p>
+          <a:p>
+            <a:pPr lvl="1"/>
+            <a:r>
+              <a:rPr lang="en-US" dirty="0"/>
+              <a:t>Group by stages, tasks, etc.</a:t>
+            </a:r>
+          </a:p>
+          <a:p>
+            <a:r>
+              <a:rPr lang="en-US" dirty="0"/>
+              <a:t>Make sure there are no magic numbers!</a:t>
+            </a:r>
+          </a:p>
+          <a:p>
+            <a:r>
+              <a:rPr lang="en-US" dirty="0"/>
+              <a:t>Follow standard conventions in your language / field regarding naming variables, files, etc.</a:t>
+            </a:r>
+          </a:p>
+          <a:p>
+            <a:r>
+              <a:rPr lang="en-US" dirty="0"/>
+              <a:t>If your code is longer than 2-3 scrolls, you likely need to refactor into smaller modules</a:t>
+            </a:r>
+          </a:p>
+          <a:p>
+            <a:r>
+              <a:rPr lang="en-US" dirty="0"/>
+              <a:t>Use configuration files!</a:t>
+            </a:r>
+          </a:p>
+          <a:p>
+            <a:pPr lvl="1"/>
+            <a:r>
+              <a:rPr lang="en-US" dirty="0"/>
+              <a:t>Externalize any variables outside the logical flow of your process.</a:t>
+            </a:r>
+          </a:p>
+          <a:p>
+            <a:r>
+              <a:rPr lang="en-US" dirty="0"/>
+              <a:t>Add unit tests</a:t>
+            </a:r>
+          </a:p>
+        </p:txBody>
+      </p:sp>
+    </p:spTree>
+    <p:extLst>
+      <p:ext uri="{BB962C8B-B14F-4D97-AF65-F5344CB8AC3E}">
+        <p14:creationId xmlns:p14="http://schemas.microsoft.com/office/powerpoint/2010/main" val="616314721"/>
+      </p:ext>
+    </p:extLst>
+  </p:cSld>
+  <p:clrMapOvr>
+    <a:masterClrMapping/>
+  </p:clrMapOvr>
+</p:sld>
+</file>
+
+<file path=ppt/slides/slide54.xml><?xml version="1.0" encoding="utf-8"?>
+<p:sld xmlns:a="http://schemas.openxmlformats.org/drawingml/2006/main" xmlns:r="http://schemas.openxmlformats.org/officeDocument/2006/relationships" xmlns:p="http://schemas.openxmlformats.org/presentationml/2006/main">
+  <p:cSld>
+    <p:spTree>
+      <p:nvGrpSpPr>
+        <p:cNvPr id="1" name="">
+          <a:extLst>
+            <a:ext uri="{FF2B5EF4-FFF2-40B4-BE49-F238E27FC236}">
+              <a16:creationId xmlns:a16="http://schemas.microsoft.com/office/drawing/2014/main" id="{A39C4952-46DF-B388-2A57-28E6DBCC866B}"/>
+            </a:ext>
+          </a:extLst>
+        </p:cNvPr>
+        <p:cNvGrpSpPr/>
+        <p:nvPr/>
+      </p:nvGrpSpPr>
+      <p:grpSpPr>
+        <a:xfrm>
+          <a:off x="0" y="0"/>
+          <a:ext cx="0" cy="0"/>
+          <a:chOff x="0" y="0"/>
+          <a:chExt cx="0" cy="0"/>
+        </a:xfrm>
+      </p:grpSpPr>
+      <p:sp>
+        <p:nvSpPr>
+          <p:cNvPr id="24" name="Freeform 23">
+            <a:extLst>
+              <a:ext uri="{FF2B5EF4-FFF2-40B4-BE49-F238E27FC236}">
+                <a16:creationId xmlns:a16="http://schemas.microsoft.com/office/drawing/2014/main" id="{06004A9F-A3A1-91D7-51DF-0F9667F49901}"/>
+              </a:ext>
+            </a:extLst>
+          </p:cNvPr>
+          <p:cNvSpPr/>
+          <p:nvPr/>
+        </p:nvSpPr>
+        <p:spPr>
+          <a:xfrm>
+            <a:off x="10054397" y="2636920"/>
+            <a:ext cx="2137603" cy="4221080"/>
+          </a:xfrm>
+          <a:custGeom>
+            <a:avLst/>
+            <a:gdLst>
+              <a:gd name="connsiteX0" fmla="*/ 2137603 w 2137603"/>
+              <a:gd name="connsiteY0" fmla="*/ 0 h 4221080"/>
+              <a:gd name="connsiteX1" fmla="*/ 2137603 w 2137603"/>
+              <a:gd name="connsiteY1" fmla="*/ 578403 h 4221080"/>
+              <a:gd name="connsiteX2" fmla="*/ 292910 w 2137603"/>
+              <a:gd name="connsiteY2" fmla="*/ 4221080 h 4221080"/>
+              <a:gd name="connsiteX3" fmla="*/ 0 w 2137603"/>
+              <a:gd name="connsiteY3" fmla="*/ 4221080 h 4221080"/>
+            </a:gdLst>
+            <a:ahLst/>
+            <a:cxnLst>
+              <a:cxn ang="0">
+                <a:pos x="connsiteX0" y="connsiteY0"/>
+              </a:cxn>
+              <a:cxn ang="0">
+                <a:pos x="connsiteX1" y="connsiteY1"/>
+              </a:cxn>
+              <a:cxn ang="0">
+                <a:pos x="connsiteX2" y="connsiteY2"/>
+              </a:cxn>
+              <a:cxn ang="0">
+                <a:pos x="connsiteX3" y="connsiteY3"/>
+              </a:cxn>
+            </a:cxnLst>
+            <a:rect l="l" t="t" r="r" b="b"/>
+            <a:pathLst>
+              <a:path w="2137603" h="4221080">
+                <a:moveTo>
+                  <a:pt x="2137603" y="0"/>
+                </a:moveTo>
+                <a:lnTo>
+                  <a:pt x="2137603" y="578403"/>
+                </a:lnTo>
+                <a:lnTo>
+                  <a:pt x="292910" y="4221080"/>
+                </a:lnTo>
+                <a:lnTo>
+                  <a:pt x="0" y="4221080"/>
+                </a:lnTo>
+                <a:close/>
+              </a:path>
+            </a:pathLst>
+          </a:custGeom>
+          <a:solidFill>
+            <a:srgbClr val="4E2A84"/>
+          </a:solidFill>
+          <a:ln>
+            <a:noFill/>
+          </a:ln>
+        </p:spPr>
+        <p:style>
+          <a:lnRef idx="2">
+            <a:schemeClr val="accent1">
+              <a:shade val="15000"/>
+            </a:schemeClr>
+          </a:lnRef>
+          <a:fillRef idx="1">
+            <a:schemeClr val="accent1"/>
+          </a:fillRef>
+          <a:effectRef idx="0">
+            <a:schemeClr val="accent1"/>
+          </a:effectRef>
+          <a:fontRef idx="minor">
+            <a:schemeClr val="lt1"/>
+          </a:fontRef>
+        </p:style>
+        <p:txBody>
+          <a:bodyPr wrap="square" rtlCol="0" anchor="ctr">
+            <a:noAutofit/>
+          </a:bodyPr>
+          <a:lstStyle/>
+          <a:p>
+            <a:pPr marL="0" marR="0" lvl="0" indent="0" algn="ctr" defTabSz="914400" rtl="0" eaLnBrk="1" fontAlgn="auto" latinLnBrk="0" hangingPunct="1">
+              <a:lnSpc>
+                <a:spcPct val="100000"/>
+              </a:lnSpc>
+              <a:spcBef>
+                <a:spcPts val="0"/>
+              </a:spcBef>
+              <a:spcAft>
+                <a:spcPts val="0"/>
+              </a:spcAft>
+              <a:buClrTx/>
+              <a:buSzTx/>
+              <a:buFontTx/>
+              <a:buNone/>
+              <a:tabLst/>
+              <a:defRPr/>
+            </a:pPr>
+            <a:endParaRPr kumimoji="0" lang="en-US" sz="1800" b="0" i="0" u="none" strike="noStrike" kern="1200" cap="none" spc="0" normalizeH="0" baseline="0" noProof="0">
+              <a:ln>
+                <a:noFill/>
+              </a:ln>
+              <a:solidFill>
+                <a:prstClr val="white"/>
+              </a:solidFill>
+              <a:effectLst/>
+              <a:uLnTx/>
+              <a:uFillTx/>
+              <a:latin typeface="Aptos" panose="02110004020202020204"/>
+              <a:ea typeface="+mn-ea"/>
+              <a:cs typeface="+mn-cs"/>
+            </a:endParaRPr>
+          </a:p>
+        </p:txBody>
+      </p:sp>
+      <p:sp>
+        <p:nvSpPr>
+          <p:cNvPr id="22" name="Freeform 21">
+            <a:extLst>
+              <a:ext uri="{FF2B5EF4-FFF2-40B4-BE49-F238E27FC236}">
+                <a16:creationId xmlns:a16="http://schemas.microsoft.com/office/drawing/2014/main" id="{71FC1A02-775F-925B-8D65-685BEF7791D1}"/>
+              </a:ext>
+            </a:extLst>
+          </p:cNvPr>
+          <p:cNvSpPr/>
+          <p:nvPr/>
+        </p:nvSpPr>
+        <p:spPr>
+          <a:xfrm>
+            <a:off x="9324482" y="1195572"/>
+            <a:ext cx="2867518" cy="5662428"/>
+          </a:xfrm>
+          <a:custGeom>
+            <a:avLst/>
+            <a:gdLst>
+              <a:gd name="connsiteX0" fmla="*/ 2867518 w 2867518"/>
+              <a:gd name="connsiteY0" fmla="*/ 0 h 5662428"/>
+              <a:gd name="connsiteX1" fmla="*/ 2867518 w 2867518"/>
+              <a:gd name="connsiteY1" fmla="*/ 578403 h 5662428"/>
+              <a:gd name="connsiteX2" fmla="*/ 292910 w 2867518"/>
+              <a:gd name="connsiteY2" fmla="*/ 5662428 h 5662428"/>
+              <a:gd name="connsiteX3" fmla="*/ 0 w 2867518"/>
+              <a:gd name="connsiteY3" fmla="*/ 5662428 h 5662428"/>
+            </a:gdLst>
+            <a:ahLst/>
+            <a:cxnLst>
+              <a:cxn ang="0">
+                <a:pos x="connsiteX0" y="connsiteY0"/>
+              </a:cxn>
+              <a:cxn ang="0">
+                <a:pos x="connsiteX1" y="connsiteY1"/>
+              </a:cxn>
+              <a:cxn ang="0">
+                <a:pos x="connsiteX2" y="connsiteY2"/>
+              </a:cxn>
+              <a:cxn ang="0">
+                <a:pos x="connsiteX3" y="connsiteY3"/>
+              </a:cxn>
+            </a:cxnLst>
+            <a:rect l="l" t="t" r="r" b="b"/>
+            <a:pathLst>
+              <a:path w="2867518" h="5662428">
+                <a:moveTo>
+                  <a:pt x="2867518" y="0"/>
+                </a:moveTo>
+                <a:lnTo>
+                  <a:pt x="2867518" y="578403"/>
+                </a:lnTo>
+                <a:lnTo>
+                  <a:pt x="292910" y="5662428"/>
+                </a:lnTo>
+                <a:lnTo>
+                  <a:pt x="0" y="5662428"/>
+                </a:lnTo>
+                <a:close/>
+              </a:path>
+            </a:pathLst>
+          </a:custGeom>
+          <a:solidFill>
+            <a:srgbClr val="4E2A84"/>
+          </a:solidFill>
+          <a:ln>
+            <a:noFill/>
+          </a:ln>
+        </p:spPr>
+        <p:style>
+          <a:lnRef idx="2">
+            <a:schemeClr val="accent1">
+              <a:shade val="15000"/>
+            </a:schemeClr>
+          </a:lnRef>
+          <a:fillRef idx="1">
+            <a:schemeClr val="accent1"/>
+          </a:fillRef>
+          <a:effectRef idx="0">
+            <a:schemeClr val="accent1"/>
+          </a:effectRef>
+          <a:fontRef idx="minor">
+            <a:schemeClr val="lt1"/>
+          </a:fontRef>
+        </p:style>
+        <p:txBody>
+          <a:bodyPr wrap="square" rtlCol="0" anchor="ctr">
+            <a:noAutofit/>
+          </a:bodyPr>
+          <a:lstStyle/>
+          <a:p>
+            <a:pPr marL="0" marR="0" lvl="0" indent="0" algn="ctr" defTabSz="914400" rtl="0" eaLnBrk="1" fontAlgn="auto" latinLnBrk="0" hangingPunct="1">
+              <a:lnSpc>
+                <a:spcPct val="100000"/>
+              </a:lnSpc>
+              <a:spcBef>
+                <a:spcPts val="0"/>
+              </a:spcBef>
+              <a:spcAft>
+                <a:spcPts val="0"/>
+              </a:spcAft>
+              <a:buClrTx/>
+              <a:buSzTx/>
+              <a:buFontTx/>
+              <a:buNone/>
+              <a:tabLst/>
+              <a:defRPr/>
+            </a:pPr>
+            <a:endParaRPr kumimoji="0" lang="en-US" sz="1800" b="0" i="0" u="none" strike="noStrike" kern="1200" cap="none" spc="0" normalizeH="0" baseline="0" noProof="0">
+              <a:ln>
+                <a:noFill/>
+              </a:ln>
+              <a:solidFill>
+                <a:prstClr val="white"/>
+              </a:solidFill>
+              <a:effectLst/>
+              <a:uLnTx/>
+              <a:uFillTx/>
+              <a:latin typeface="Aptos" panose="02110004020202020204"/>
+              <a:ea typeface="+mn-ea"/>
+              <a:cs typeface="+mn-cs"/>
+            </a:endParaRPr>
+          </a:p>
+        </p:txBody>
+      </p:sp>
+      <p:sp>
+        <p:nvSpPr>
+          <p:cNvPr id="15" name="Parallelogram 14">
+            <a:extLst>
+              <a:ext uri="{FF2B5EF4-FFF2-40B4-BE49-F238E27FC236}">
+                <a16:creationId xmlns:a16="http://schemas.microsoft.com/office/drawing/2014/main" id="{795A95C7-6952-1BD3-DDC2-7489DC24D4C6}"/>
+              </a:ext>
+            </a:extLst>
+          </p:cNvPr>
+          <p:cNvSpPr/>
+          <p:nvPr/>
+        </p:nvSpPr>
+        <p:spPr>
+          <a:xfrm>
+            <a:off x="4981075" y="0"/>
+            <a:ext cx="6845968" cy="6858000"/>
+          </a:xfrm>
+          <a:prstGeom prst="parallelogram">
+            <a:avLst>
+              <a:gd name="adj" fmla="val 49291"/>
+            </a:avLst>
+          </a:prstGeom>
+          <a:solidFill>
+            <a:srgbClr val="4E2A84"/>
+          </a:solidFill>
+          <a:ln>
+            <a:noFill/>
+          </a:ln>
+        </p:spPr>
+        <p:style>
+          <a:lnRef idx="2">
+            <a:schemeClr val="accent1">
+              <a:shade val="15000"/>
+            </a:schemeClr>
+          </a:lnRef>
+          <a:fillRef idx="1">
+            <a:schemeClr val="accent1"/>
+          </a:fillRef>
+          <a:effectRef idx="0">
+            <a:schemeClr val="accent1"/>
+          </a:effectRef>
+          <a:fontRef idx="minor">
+            <a:schemeClr val="lt1"/>
+          </a:fontRef>
+        </p:style>
+        <p:txBody>
+          <a:bodyPr rtlCol="0" anchor="ctr"/>
+          <a:lstStyle/>
+          <a:p>
+            <a:pPr marL="0" marR="0" lvl="0" indent="0" algn="ctr" defTabSz="914400" rtl="0" eaLnBrk="1" fontAlgn="auto" latinLnBrk="0" hangingPunct="1">
+              <a:lnSpc>
+                <a:spcPct val="100000"/>
+              </a:lnSpc>
+              <a:spcBef>
+                <a:spcPts val="0"/>
+              </a:spcBef>
+              <a:spcAft>
+                <a:spcPts val="0"/>
+              </a:spcAft>
+              <a:buClrTx/>
+              <a:buSzTx/>
+              <a:buFontTx/>
+              <a:buNone/>
+              <a:tabLst/>
+              <a:defRPr/>
+            </a:pPr>
+            <a:endParaRPr kumimoji="0" lang="en-US" sz="1800" b="0" i="0" u="none" strike="noStrike" kern="1200" cap="none" spc="0" normalizeH="0" baseline="0" noProof="0">
+              <a:ln>
+                <a:noFill/>
+              </a:ln>
+              <a:solidFill>
+                <a:prstClr val="white"/>
+              </a:solidFill>
+              <a:effectLst/>
+              <a:uLnTx/>
+              <a:uFillTx/>
+              <a:latin typeface="Aptos" panose="02110004020202020204"/>
+              <a:ea typeface="+mn-ea"/>
+              <a:cs typeface="+mn-cs"/>
+            </a:endParaRPr>
+          </a:p>
+        </p:txBody>
+      </p:sp>
+      <p:sp>
+        <p:nvSpPr>
+          <p:cNvPr id="14" name="Parallelogram 13">
+            <a:extLst>
+              <a:ext uri="{FF2B5EF4-FFF2-40B4-BE49-F238E27FC236}">
+                <a16:creationId xmlns:a16="http://schemas.microsoft.com/office/drawing/2014/main" id="{D9E26B57-49C3-8597-9B3E-369EA7050E69}"/>
+              </a:ext>
+            </a:extLst>
+          </p:cNvPr>
+          <p:cNvSpPr/>
+          <p:nvPr/>
+        </p:nvSpPr>
+        <p:spPr>
+          <a:xfrm>
+            <a:off x="3356518" y="0"/>
+            <a:ext cx="4565784" cy="6858000"/>
+          </a:xfrm>
+          <a:prstGeom prst="parallelogram">
+            <a:avLst>
+              <a:gd name="adj" fmla="val 74735"/>
+            </a:avLst>
+          </a:prstGeom>
+          <a:solidFill>
+            <a:srgbClr val="4E2A84"/>
+          </a:solidFill>
+          <a:ln>
+            <a:noFill/>
+          </a:ln>
+        </p:spPr>
+        <p:style>
+          <a:lnRef idx="2">
+            <a:schemeClr val="accent1">
+              <a:shade val="15000"/>
+            </a:schemeClr>
+          </a:lnRef>
+          <a:fillRef idx="1">
+            <a:schemeClr val="accent1"/>
+          </a:fillRef>
+          <a:effectRef idx="0">
+            <a:schemeClr val="accent1"/>
+          </a:effectRef>
+          <a:fontRef idx="minor">
+            <a:schemeClr val="lt1"/>
+          </a:fontRef>
+        </p:style>
+        <p:txBody>
+          <a:bodyPr rtlCol="0" anchor="ctr"/>
+          <a:lstStyle/>
+          <a:p>
+            <a:pPr marL="0" marR="0" lvl="0" indent="0" algn="ctr" defTabSz="914400" rtl="0" eaLnBrk="1" fontAlgn="auto" latinLnBrk="0" hangingPunct="1">
+              <a:lnSpc>
+                <a:spcPct val="100000"/>
+              </a:lnSpc>
+              <a:spcBef>
+                <a:spcPts val="0"/>
+              </a:spcBef>
+              <a:spcAft>
+                <a:spcPts val="0"/>
+              </a:spcAft>
+              <a:buClrTx/>
+              <a:buSzTx/>
+              <a:buFontTx/>
+              <a:buNone/>
+              <a:tabLst/>
+              <a:defRPr/>
+            </a:pPr>
+            <a:endParaRPr kumimoji="0" lang="en-US" sz="1800" b="0" i="0" u="none" strike="noStrike" kern="1200" cap="none" spc="0" normalizeH="0" baseline="0" noProof="0">
+              <a:ln>
+                <a:noFill/>
+              </a:ln>
+              <a:solidFill>
+                <a:prstClr val="white"/>
+              </a:solidFill>
+              <a:effectLst/>
+              <a:uLnTx/>
+              <a:uFillTx/>
+              <a:latin typeface="Aptos" panose="02110004020202020204"/>
+              <a:ea typeface="+mn-ea"/>
+              <a:cs typeface="+mn-cs"/>
+            </a:endParaRPr>
+          </a:p>
+        </p:txBody>
+      </p:sp>
+      <p:sp>
+        <p:nvSpPr>
+          <p:cNvPr id="2" name="TextBox 1">
+            <a:extLst>
+              <a:ext uri="{FF2B5EF4-FFF2-40B4-BE49-F238E27FC236}">
+                <a16:creationId xmlns:a16="http://schemas.microsoft.com/office/drawing/2014/main" id="{1B2F83FF-5DEA-7940-D90F-0D761953DACD}"/>
+              </a:ext>
+            </a:extLst>
+          </p:cNvPr>
+          <p:cNvSpPr txBox="1">
+            <a:spLocks noGrp="1" noRot="1" noMove="1" noResize="1" noEditPoints="1" noAdjustHandles="1" noChangeArrowheads="1" noChangeShapeType="1"/>
+          </p:cNvSpPr>
+          <p:nvPr/>
+        </p:nvSpPr>
+        <p:spPr>
+          <a:xfrm>
+            <a:off x="0" y="3208103"/>
+            <a:ext cx="12192000" cy="2286000"/>
+          </a:xfrm>
+          <a:prstGeom prst="rect">
+            <a:avLst/>
+          </a:prstGeom>
+          <a:solidFill>
+            <a:srgbClr val="E4E0EE"/>
+          </a:solidFill>
+        </p:spPr>
+        <p:txBody>
+          <a:bodyPr wrap="square" lIns="914400" rIns="914400" rtlCol="0" anchor="ctr">
+            <a:noAutofit/>
+          </a:bodyPr>
+          <a:lstStyle/>
+          <a:p>
+            <a:pPr marL="0" marR="0" lvl="0" indent="0" algn="l" defTabSz="914400" rtl="0" eaLnBrk="1" fontAlgn="auto" latinLnBrk="0" hangingPunct="1">
+              <a:lnSpc>
+                <a:spcPct val="100000"/>
+              </a:lnSpc>
+              <a:spcBef>
+                <a:spcPts val="0"/>
+              </a:spcBef>
+              <a:spcAft>
+                <a:spcPts val="0"/>
+              </a:spcAft>
+              <a:buClrTx/>
+              <a:buSzTx/>
+              <a:buFontTx/>
+              <a:buNone/>
+              <a:tabLst/>
+              <a:defRPr/>
+            </a:pPr>
+            <a:r>
+              <a:rPr kumimoji="0" lang="en-US" sz="4800" b="0" i="0" u="none" strike="noStrike" kern="1200" cap="none" spc="0" normalizeH="0" baseline="0" noProof="0">
+                <a:ln>
+                  <a:noFill/>
+                </a:ln>
+                <a:solidFill>
+                  <a:schemeClr val="tx1">
+                    <a:lumMod val="65000"/>
+                    <a:lumOff val="35000"/>
+                  </a:schemeClr>
+                </a:solidFill>
+                <a:effectLst/>
+                <a:uLnTx/>
+                <a:uFillTx/>
+                <a:latin typeface="Arial" panose="020B0604020202020204" pitchFamily="34" charset="0"/>
+                <a:ea typeface="+mn-ea"/>
+                <a:cs typeface="Arial" panose="020B0604020202020204" pitchFamily="34" charset="0"/>
+              </a:rPr>
+              <a:t>Questions?</a:t>
+            </a:r>
+          </a:p>
+        </p:txBody>
+      </p:sp>
+    </p:spTree>
+    <p:extLst>
+      <p:ext uri="{BB962C8B-B14F-4D97-AF65-F5344CB8AC3E}">
+        <p14:creationId xmlns:p14="http://schemas.microsoft.com/office/powerpoint/2010/main" val="944398121"/>
       </p:ext>
     </p:extLst>
   </p:cSld>
